--- a/Presentation.pptx
+++ b/Presentation.pptx
@@ -1156,7 +1156,7 @@
             <a:fld id="{B61BEF0D-F0BB-DE4B-95CE-6DB70DBA9567}" type="datetimeFigureOut">
               <a:rPr lang="en-US" smtClean="0"/>
               <a:pPr/>
-              <a:t>4/8/2015</a:t>
+              <a:t>4/9/2015</a:t>
             </a:fld>
             <a:endParaRPr lang="en-US" dirty="0"/>
           </a:p>
@@ -1599,7 +1599,7 @@
             <a:fld id="{B61BEF0D-F0BB-DE4B-95CE-6DB70DBA9567}" type="datetimeFigureOut">
               <a:rPr lang="en-US" smtClean="0"/>
               <a:pPr/>
-              <a:t>4/8/2015</a:t>
+              <a:t>4/9/2015</a:t>
             </a:fld>
             <a:endParaRPr lang="en-US" dirty="0"/>
           </a:p>
@@ -1857,7 +1857,7 @@
             <a:fld id="{B61BEF0D-F0BB-DE4B-95CE-6DB70DBA9567}" type="datetimeFigureOut">
               <a:rPr lang="en-US" smtClean="0"/>
               <a:pPr/>
-              <a:t>4/8/2015</a:t>
+              <a:t>4/9/2015</a:t>
             </a:fld>
             <a:endParaRPr lang="en-US" dirty="0"/>
           </a:p>
@@ -2173,7 +2173,7 @@
             <a:fld id="{B61BEF0D-F0BB-DE4B-95CE-6DB70DBA9567}" type="datetimeFigureOut">
               <a:rPr lang="en-US" smtClean="0"/>
               <a:pPr/>
-              <a:t>4/8/2015</a:t>
+              <a:t>4/9/2015</a:t>
             </a:fld>
             <a:endParaRPr lang="en-US" dirty="0"/>
           </a:p>
@@ -2499,7 +2499,7 @@
             <a:fld id="{B61BEF0D-F0BB-DE4B-95CE-6DB70DBA9567}" type="datetimeFigureOut">
               <a:rPr lang="en-US" smtClean="0"/>
               <a:pPr/>
-              <a:t>4/8/2015</a:t>
+              <a:t>4/9/2015</a:t>
             </a:fld>
             <a:endParaRPr lang="en-US" dirty="0"/>
           </a:p>
@@ -2809,7 +2809,7 @@
             <a:fld id="{B61BEF0D-F0BB-DE4B-95CE-6DB70DBA9567}" type="datetimeFigureOut">
               <a:rPr lang="en-US" smtClean="0"/>
               <a:pPr/>
-              <a:t>4/8/2015</a:t>
+              <a:t>4/9/2015</a:t>
             </a:fld>
             <a:endParaRPr lang="en-US" dirty="0"/>
           </a:p>
@@ -3184,7 +3184,7 @@
             <a:fld id="{B61BEF0D-F0BB-DE4B-95CE-6DB70DBA9567}" type="datetimeFigureOut">
               <a:rPr lang="en-US" smtClean="0"/>
               <a:pPr/>
-              <a:t>4/8/2015</a:t>
+              <a:t>4/9/2015</a:t>
             </a:fld>
             <a:endParaRPr lang="en-US" dirty="0"/>
           </a:p>
@@ -3366,7 +3366,7 @@
             <a:fld id="{B61BEF0D-F0BB-DE4B-95CE-6DB70DBA9567}" type="datetimeFigureOut">
               <a:rPr lang="en-US" smtClean="0"/>
               <a:pPr/>
-              <a:t>4/8/2015</a:t>
+              <a:t>4/9/2015</a:t>
             </a:fld>
             <a:endParaRPr lang="en-US" dirty="0"/>
           </a:p>
@@ -3554,7 +3554,7 @@
             <a:fld id="{B61BEF0D-F0BB-DE4B-95CE-6DB70DBA9567}" type="datetimeFigureOut">
               <a:rPr lang="en-US" smtClean="0"/>
               <a:pPr/>
-              <a:t>4/8/2015</a:t>
+              <a:t>4/9/2015</a:t>
             </a:fld>
             <a:endParaRPr lang="en-US" dirty="0"/>
           </a:p>
@@ -3972,7 +3972,7 @@
           <a:p>
             <a:fld id="{52647F38-B617-4D2F-AE0A-013F0C4D2C57}" type="datetimeFigureOut">
               <a:rPr lang="en-US" smtClean="0"/>
-              <a:t>4/8/2015</a:t>
+              <a:t>4/9/2015</a:t>
             </a:fld>
             <a:endParaRPr lang="en-US" dirty="0"/>
           </a:p>
@@ -4230,7 +4230,7 @@
             <a:fld id="{B61BEF0D-F0BB-DE4B-95CE-6DB70DBA9567}" type="datetimeFigureOut">
               <a:rPr lang="en-US" smtClean="0"/>
               <a:pPr/>
-              <a:t>4/8/2015</a:t>
+              <a:t>4/9/2015</a:t>
             </a:fld>
             <a:endParaRPr lang="en-US" dirty="0"/>
           </a:p>
@@ -4473,7 +4473,7 @@
           <a:p>
             <a:fld id="{05BFA754-D5C3-4E66-96A6-867B257F58DC}" type="datetimeFigureOut">
               <a:rPr lang="en-US" smtClean="0"/>
-              <a:t>4/8/2015</a:t>
+              <a:t>4/9/2015</a:t>
             </a:fld>
             <a:endParaRPr lang="en-US" dirty="0"/>
           </a:p>
@@ -4863,7 +4863,7 @@
             <a:fld id="{B61BEF0D-F0BB-DE4B-95CE-6DB70DBA9567}" type="datetimeFigureOut">
               <a:rPr lang="en-US" smtClean="0"/>
               <a:pPr/>
-              <a:t>4/8/2015</a:t>
+              <a:t>4/9/2015</a:t>
             </a:fld>
             <a:endParaRPr lang="en-US" dirty="0"/>
           </a:p>
@@ -4989,7 +4989,7 @@
             <a:fld id="{B61BEF0D-F0BB-DE4B-95CE-6DB70DBA9567}" type="datetimeFigureOut">
               <a:rPr lang="en-US" smtClean="0"/>
               <a:pPr/>
-              <a:t>4/8/2015</a:t>
+              <a:t>4/9/2015</a:t>
             </a:fld>
             <a:endParaRPr lang="en-US" dirty="0"/>
           </a:p>
@@ -5091,7 +5091,7 @@
             <a:fld id="{B61BEF0D-F0BB-DE4B-95CE-6DB70DBA9567}" type="datetimeFigureOut">
               <a:rPr lang="en-US" smtClean="0"/>
               <a:pPr/>
-              <a:t>4/8/2015</a:t>
+              <a:t>4/9/2015</a:t>
             </a:fld>
             <a:endParaRPr lang="en-US" dirty="0"/>
           </a:p>
@@ -5354,7 +5354,7 @@
             <a:fld id="{B61BEF0D-F0BB-DE4B-95CE-6DB70DBA9567}" type="datetimeFigureOut">
               <a:rPr lang="en-US" smtClean="0"/>
               <a:pPr/>
-              <a:t>4/8/2015</a:t>
+              <a:t>4/9/2015</a:t>
             </a:fld>
             <a:endParaRPr lang="en-US" dirty="0"/>
           </a:p>
@@ -5645,7 +5645,7 @@
             <a:fld id="{B61BEF0D-F0BB-DE4B-95CE-6DB70DBA9567}" type="datetimeFigureOut">
               <a:rPr lang="en-US" smtClean="0"/>
               <a:pPr/>
-              <a:t>4/8/2015</a:t>
+              <a:t>4/9/2015</a:t>
             </a:fld>
             <a:endParaRPr lang="en-US" dirty="0"/>
           </a:p>
@@ -6059,7 +6059,7 @@
             <a:fld id="{B61BEF0D-F0BB-DE4B-95CE-6DB70DBA9567}" type="datetimeFigureOut">
               <a:rPr lang="en-US" smtClean="0"/>
               <a:pPr/>
-              <a:t>4/8/2015</a:t>
+              <a:t>4/9/2015</a:t>
             </a:fld>
             <a:endParaRPr lang="en-US" dirty="0"/>
           </a:p>
@@ -7974,7 +7974,31 @@
                 </a:solidFill>
                 <a:latin typeface="Agency FB" panose="020B0503020202020204" pitchFamily="34" charset="0"/>
               </a:rPr>
-              <a:t> Audio Morse code signals will be sent to the bot from source. The signal should be received without attenuation, converted into a pulse signal, and it should then be expressed as a series of </a:t>
+              <a:t> Audio Morse code signals will be sent to the bot from source. The signal should be received without </a:t>
+            </a:r>
+            <a:r>
+              <a:rPr lang="en-GB" sz="2800" dirty="0" smtClean="0">
+                <a:solidFill>
+                  <a:schemeClr val="bg1">
+                    <a:lumMod val="95000"/>
+                    <a:lumOff val="5000"/>
+                  </a:schemeClr>
+                </a:solidFill>
+                <a:latin typeface="Agency FB" panose="020B0503020202020204" pitchFamily="34" charset="0"/>
+              </a:rPr>
+              <a:t>attenuation</a:t>
+            </a:r>
+            <a:r>
+              <a:rPr lang="en-GB" sz="2800" dirty="0" smtClean="0">
+                <a:solidFill>
+                  <a:schemeClr val="bg1">
+                    <a:lumMod val="95000"/>
+                    <a:lumOff val="5000"/>
+                  </a:schemeClr>
+                </a:solidFill>
+                <a:latin typeface="Agency FB" panose="020B0503020202020204" pitchFamily="34" charset="0"/>
+              </a:rPr>
+              <a:t>, converted into a pulse signal, and it should then be expressed as a series of </a:t>
             </a:r>
             <a:r>
               <a:rPr lang="en-GB" sz="2800" dirty="0" err="1" smtClean="0">
@@ -8393,19 +8417,7 @@
                 </a:solidFill>
                 <a:latin typeface="Agency FB" panose="020B0503020202020204" pitchFamily="34" charset="0"/>
               </a:rPr>
-              <a:t>After the bot receives the signal , the bot should be able to transmit Morse code , conveying that it has received the signal. Also, after completing the required task the bot should be able to transmit Morse code. The morse code transmission to be done using </a:t>
-            </a:r>
-            <a:r>
-              <a:rPr lang="en-GB" sz="2800" dirty="0" smtClean="0">
-                <a:solidFill>
-                  <a:schemeClr val="bg1">
-                    <a:lumMod val="95000"/>
-                    <a:lumOff val="5000"/>
-                  </a:schemeClr>
-                </a:solidFill>
-                <a:latin typeface="Agency FB" panose="020B0503020202020204" pitchFamily="34" charset="0"/>
-              </a:rPr>
-              <a:t>on board buzzer.</a:t>
+              <a:t>After the bot receives the signal , the bot should be able to transmit Morse code , conveying that it has received the signal. Also, after completing the required task the bot should be able to transmit Morse code. The morse code transmission to be done using on board buzzer.</a:t>
             </a:r>
             <a:endParaRPr lang="en-US" sz="2800" dirty="0">
               <a:solidFill>
@@ -8608,7 +8620,7 @@
         </p:blipFill>
         <p:spPr>
           <a:xfrm>
-            <a:off x="286600" y="0"/>
+            <a:off x="1542198" y="703384"/>
             <a:ext cx="3436092" cy="5143500"/>
           </a:xfrm>
           <a:prstGeom prst="rect">
@@ -8682,7 +8694,25 @@
               <a:rPr lang="en-US" sz="2800" i="1" dirty="0" smtClean="0">
                 <a:latin typeface="Agency FB" panose="020B0503020202020204" pitchFamily="34" charset="0"/>
               </a:rPr>
-              <a:t>orse code decoder was that part of the project in which we had to first make the hardware for receiving signal from the microphone, and then, had to convert those received signals into </a:t>
+              <a:t>orse code decoder was that part of the project in which we had to </a:t>
+            </a:r>
+            <a:r>
+              <a:rPr lang="en-US" sz="2800" i="1" dirty="0" smtClean="0">
+                <a:latin typeface="Agency FB" panose="020B0503020202020204" pitchFamily="34" charset="0"/>
+              </a:rPr>
+              <a:t> and </a:t>
+            </a:r>
+            <a:r>
+              <a:rPr lang="en-US" sz="2800" i="1" dirty="0" smtClean="0">
+                <a:latin typeface="Agency FB" panose="020B0503020202020204" pitchFamily="34" charset="0"/>
+              </a:rPr>
+              <a:t>first </a:t>
+            </a:r>
+            <a:r>
+              <a:rPr lang="en-US" sz="2800" i="1" dirty="0" smtClean="0">
+                <a:latin typeface="Agency FB" panose="020B0503020202020204" pitchFamily="34" charset="0"/>
+              </a:rPr>
+              <a:t>make the hardware for receiving signal from the microphone, and then, had to convert those received signals into </a:t>
             </a:r>
             <a:r>
               <a:rPr lang="en-US" sz="2800" i="1" dirty="0" err="1" smtClean="0">
@@ -9023,13 +9053,7 @@
               <a:rPr lang="en-US" sz="2800" i="1" dirty="0" smtClean="0">
                 <a:latin typeface="Agency FB" panose="020B0503020202020204" pitchFamily="34" charset="0"/>
               </a:rPr>
-              <a:t>The circuit for the microphone receiver is as shown </a:t>
-            </a:r>
-            <a:r>
-              <a:rPr lang="en-US" sz="2800" i="1" dirty="0" smtClean="0">
-                <a:latin typeface="Agency FB" panose="020B0503020202020204" pitchFamily="34" charset="0"/>
-              </a:rPr>
-              <a:t>below  :</a:t>
+              <a:t>The circuit for the microphone receiver is as shown below  :</a:t>
             </a:r>
             <a:endParaRPr lang="en-US" sz="2800" i="1" dirty="0">
               <a:latin typeface="Agency FB" panose="020B0503020202020204" pitchFamily="34" charset="0"/>
@@ -9184,17 +9208,8 @@
               <a:rPr lang="en-US" sz="2800" i="1" dirty="0" smtClean="0">
                 <a:latin typeface="Agency FB" panose="020B0503020202020204" pitchFamily="34" charset="0"/>
               </a:rPr>
-              <a:t>The input to the circuit is </a:t>
-            </a:r>
-            <a:r>
-              <a:rPr lang="en-US" sz="2800" i="1" dirty="0" smtClean="0">
-                <a:latin typeface="Agency FB" panose="020B0503020202020204" pitchFamily="34" charset="0"/>
-              </a:rPr>
-              <a:t>of the form :</a:t>
-            </a:r>
-            <a:endParaRPr lang="en-US" sz="2800" i="1" dirty="0" smtClean="0">
-              <a:latin typeface="Agency FB" panose="020B0503020202020204" pitchFamily="34" charset="0"/>
-            </a:endParaRPr>
+              <a:t>The input to the circuit is of the form :</a:t>
+            </a:r>
           </a:p>
           <a:p>
             <a:r>
@@ -9528,7 +9543,7 @@
   <a:extraClrSchemeLst/>
   <a:extLst>
     <a:ext uri="{05A4C25C-085E-4340-85A3-A5531E510DB2}">
-      <thm15:themeFamily xmlns:thm15="http://schemas.microsoft.com/office/thememl/2012/main" xmlns="" name="Slice" id="{0507925B-6AC9-4358-8E18-C330545D08F8}" vid="{13FEC7C6-62A9-40C4-99D2-581AACACAA2F}"/>
+      <thm15:themeFamily xmlns="" xmlns:thm15="http://schemas.microsoft.com/office/thememl/2012/main" name="Slice" id="{0507925B-6AC9-4358-8E18-C330545D08F8}" vid="{13FEC7C6-62A9-40C4-99D2-581AACACAA2F}"/>
     </a:ext>
   </a:extLst>
 </a:theme>

--- a/Presentation.pptx
+++ b/Presentation.pptx
@@ -2,25 +2,27 @@
 <file path=ppt/presentation.xml><?xml version="1.0" encoding="utf-8"?>
 <p:presentation xmlns:a="http://schemas.openxmlformats.org/drawingml/2006/main" xmlns:r="http://schemas.openxmlformats.org/officeDocument/2006/relationships" xmlns:p="http://schemas.openxmlformats.org/presentationml/2006/main" strictFirstAndLastChars="0" saveSubsetFonts="1" autoCompressPictures="0">
   <p:sldMasterIdLst>
-    <p:sldMasterId id="2147483763" r:id="rId1"/>
+    <p:sldMasterId id="2147483782" r:id="rId1"/>
   </p:sldMasterIdLst>
   <p:notesMasterIdLst>
-    <p:notesMasterId r:id="rId15"/>
+    <p:notesMasterId r:id="rId17"/>
   </p:notesMasterIdLst>
   <p:sldIdLst>
     <p:sldId id="256" r:id="rId2"/>
     <p:sldId id="269" r:id="rId3"/>
-    <p:sldId id="271" r:id="rId4"/>
-    <p:sldId id="257" r:id="rId5"/>
+    <p:sldId id="257" r:id="rId4"/>
+    <p:sldId id="271" r:id="rId5"/>
     <p:sldId id="270" r:id="rId6"/>
-    <p:sldId id="258" r:id="rId7"/>
+    <p:sldId id="273" r:id="rId7"/>
     <p:sldId id="265" r:id="rId8"/>
-    <p:sldId id="266" r:id="rId9"/>
-    <p:sldId id="268" r:id="rId10"/>
-    <p:sldId id="260" r:id="rId11"/>
-    <p:sldId id="262" r:id="rId12"/>
-    <p:sldId id="263" r:id="rId13"/>
-    <p:sldId id="264" r:id="rId14"/>
+    <p:sldId id="272" r:id="rId9"/>
+    <p:sldId id="266" r:id="rId10"/>
+    <p:sldId id="268" r:id="rId11"/>
+    <p:sldId id="258" r:id="rId12"/>
+    <p:sldId id="260" r:id="rId13"/>
+    <p:sldId id="262" r:id="rId14"/>
+    <p:sldId id="263" r:id="rId15"/>
+    <p:sldId id="264" r:id="rId16"/>
   </p:sldIdLst>
   <p:sldSz cx="9144000" cy="5143500" type="screen16x9"/>
   <p:notesSz cx="6858000" cy="9144000"/>
@@ -599,7 +601,7 @@
               </a:spcBef>
               <a:buNone/>
             </a:pPr>
-            <a:endParaRPr/>
+            <a:endParaRPr dirty="0"/>
           </a:p>
         </p:txBody>
       </p:sp>
@@ -965,7 +967,7 @@
 </file>
 
 <file path=ppt/slideLayouts/slideLayout1.xml><?xml version="1.0" encoding="utf-8"?>
-<p:sldLayout xmlns:a="http://schemas.openxmlformats.org/drawingml/2006/main" xmlns:r="http://schemas.openxmlformats.org/officeDocument/2006/relationships" xmlns:p="http://schemas.openxmlformats.org/presentationml/2006/main" showMasterSp="0" type="title" preserve="1">
+<p:sldLayout xmlns:a="http://schemas.openxmlformats.org/drawingml/2006/main" xmlns:r="http://schemas.openxmlformats.org/officeDocument/2006/relationships" xmlns:p="http://schemas.openxmlformats.org/presentationml/2006/main" type="title" preserve="1">
   <p:cSld name="Title Slide">
     <p:spTree>
       <p:nvGrpSpPr>
@@ -993,27 +995,19 @@
         </p:nvSpPr>
         <p:spPr>
           <a:xfrm>
-            <a:off x="513159" y="514350"/>
-            <a:ext cx="6000750" cy="2228851"/>
+            <a:off x="685800" y="1597824"/>
+            <a:ext cx="7772400" cy="1102519"/>
           </a:xfrm>
         </p:spPr>
         <p:txBody>
-          <a:bodyPr anchor="b">
-            <a:normAutofit/>
-          </a:bodyPr>
-          <a:lstStyle>
-            <a:lvl1pPr algn="l">
-              <a:defRPr sz="3600">
-                <a:effectLst/>
-              </a:defRPr>
-            </a:lvl1pPr>
-          </a:lstStyle>
+          <a:bodyPr/>
+          <a:lstStyle/>
           <a:p>
             <a:r>
               <a:rPr lang="en-US" smtClean="0"/>
               <a:t>Click to edit Master title style</a:t>
             </a:r>
-            <a:endParaRPr lang="en-US" dirty="0"/>
+            <a:endParaRPr lang="en-IN"/>
           </a:p>
         </p:txBody>
       </p:sp>
@@ -1029,26 +1023,14 @@
         </p:nvSpPr>
         <p:spPr>
           <a:xfrm>
-            <a:off x="513159" y="2882900"/>
-            <a:ext cx="4800600" cy="1460500"/>
+            <a:off x="1371600" y="2914650"/>
+            <a:ext cx="6400800" cy="1314450"/>
           </a:xfrm>
         </p:spPr>
         <p:txBody>
-          <a:bodyPr anchor="t">
-            <a:normAutofit/>
-          </a:bodyPr>
+          <a:bodyPr/>
           <a:lstStyle>
-            <a:lvl1pPr marL="0" indent="0" algn="l">
-              <a:buNone/>
-              <a:defRPr sz="1575">
-                <a:solidFill>
-                  <a:schemeClr val="bg2">
-                    <a:lumMod val="75000"/>
-                  </a:schemeClr>
-                </a:solidFill>
-              </a:defRPr>
-            </a:lvl1pPr>
-            <a:lvl2pPr marL="342900" indent="0" algn="ctr">
+            <a:lvl1pPr marL="0" indent="0" algn="ctr">
               <a:buNone/>
               <a:defRPr>
                 <a:solidFill>
@@ -1057,8 +1039,8 @@
                   </a:schemeClr>
                 </a:solidFill>
               </a:defRPr>
-            </a:lvl2pPr>
-            <a:lvl3pPr marL="685800" indent="0" algn="ctr">
+            </a:lvl1pPr>
+            <a:lvl2pPr marL="457200" indent="0" algn="ctr">
               <a:buNone/>
               <a:defRPr>
                 <a:solidFill>
@@ -1067,8 +1049,8 @@
                   </a:schemeClr>
                 </a:solidFill>
               </a:defRPr>
-            </a:lvl3pPr>
-            <a:lvl4pPr marL="1028700" indent="0" algn="ctr">
+            </a:lvl2pPr>
+            <a:lvl3pPr marL="914400" indent="0" algn="ctr">
               <a:buNone/>
               <a:defRPr>
                 <a:solidFill>
@@ -1077,8 +1059,8 @@
                   </a:schemeClr>
                 </a:solidFill>
               </a:defRPr>
-            </a:lvl4pPr>
-            <a:lvl5pPr marL="1371600" indent="0" algn="ctr">
+            </a:lvl3pPr>
+            <a:lvl4pPr marL="1371600" indent="0" algn="ctr">
               <a:buNone/>
               <a:defRPr>
                 <a:solidFill>
@@ -1087,8 +1069,8 @@
                   </a:schemeClr>
                 </a:solidFill>
               </a:defRPr>
-            </a:lvl5pPr>
-            <a:lvl6pPr marL="1714500" indent="0" algn="ctr">
+            </a:lvl4pPr>
+            <a:lvl5pPr marL="1828800" indent="0" algn="ctr">
               <a:buNone/>
               <a:defRPr>
                 <a:solidFill>
@@ -1097,8 +1079,8 @@
                   </a:schemeClr>
                 </a:solidFill>
               </a:defRPr>
-            </a:lvl6pPr>
-            <a:lvl7pPr marL="2057400" indent="0" algn="ctr">
+            </a:lvl5pPr>
+            <a:lvl6pPr marL="2286000" indent="0" algn="ctr">
               <a:buNone/>
               <a:defRPr>
                 <a:solidFill>
@@ -1107,8 +1089,8 @@
                   </a:schemeClr>
                 </a:solidFill>
               </a:defRPr>
-            </a:lvl7pPr>
-            <a:lvl8pPr marL="2400300" indent="0" algn="ctr">
+            </a:lvl6pPr>
+            <a:lvl7pPr marL="2743200" indent="0" algn="ctr">
               <a:buNone/>
               <a:defRPr>
                 <a:solidFill>
@@ -1117,8 +1099,8 @@
                   </a:schemeClr>
                 </a:solidFill>
               </a:defRPr>
-            </a:lvl8pPr>
-            <a:lvl9pPr marL="2743200" indent="0" algn="ctr">
+            </a:lvl7pPr>
+            <a:lvl8pPr marL="3200400" indent="0" algn="ctr">
               <a:buNone/>
               <a:defRPr>
                 <a:solidFill>
@@ -1127,6 +1109,16 @@
                   </a:schemeClr>
                 </a:solidFill>
               </a:defRPr>
+            </a:lvl8pPr>
+            <a:lvl9pPr marL="3657600" indent="0" algn="ctr">
+              <a:buNone/>
+              <a:defRPr>
+                <a:solidFill>
+                  <a:schemeClr val="tx1">
+                    <a:tint val="75000"/>
+                  </a:schemeClr>
+                </a:solidFill>
+              </a:defRPr>
             </a:lvl9pPr>
           </a:lstStyle>
           <a:p>
@@ -1134,7 +1126,7 @@
               <a:rPr lang="en-US" smtClean="0"/>
               <a:t>Click to edit Master subtitle style</a:t>
             </a:r>
-            <a:endParaRPr lang="en-US" dirty="0"/>
+            <a:endParaRPr lang="en-IN"/>
           </a:p>
         </p:txBody>
       </p:sp>
@@ -1156,7 +1148,7 @@
             <a:fld id="{B61BEF0D-F0BB-DE4B-95CE-6DB70DBA9567}" type="datetimeFigureOut">
               <a:rPr lang="en-US" smtClean="0"/>
               <a:pPr/>
-              <a:t>4/9/2015</a:t>
+              <a:t>4/13/2015</a:t>
             </a:fld>
             <a:endParaRPr lang="en-US" dirty="0"/>
           </a:p>
@@ -1210,185 +1202,10 @@
           </a:p>
         </p:txBody>
       </p:sp>
-      <p:cxnSp>
-        <p:nvCxnSpPr>
-          <p:cNvPr id="16" name="Straight Connector 15"/>
-          <p:cNvCxnSpPr/>
-          <p:nvPr/>
-        </p:nvCxnSpPr>
-        <p:spPr>
-          <a:xfrm flipH="1">
-            <a:off x="6171009" y="6350"/>
-            <a:ext cx="2857500" cy="2857500"/>
-          </a:xfrm>
-          <a:prstGeom prst="line">
-            <a:avLst/>
-          </a:prstGeom>
-          <a:ln w="12700">
-            <a:solidFill>
-              <a:schemeClr val="tx1"/>
-            </a:solidFill>
-          </a:ln>
-        </p:spPr>
-        <p:style>
-          <a:lnRef idx="2">
-            <a:schemeClr val="accent1"/>
-          </a:lnRef>
-          <a:fillRef idx="0">
-            <a:schemeClr val="accent1"/>
-          </a:fillRef>
-          <a:effectRef idx="1">
-            <a:schemeClr val="accent1"/>
-          </a:effectRef>
-          <a:fontRef idx="minor">
-            <a:schemeClr val="tx1"/>
-          </a:fontRef>
-        </p:style>
-      </p:cxnSp>
-      <p:cxnSp>
-        <p:nvCxnSpPr>
-          <p:cNvPr id="17" name="Straight Connector 16"/>
-          <p:cNvCxnSpPr/>
-          <p:nvPr/>
-        </p:nvCxnSpPr>
-        <p:spPr>
-          <a:xfrm flipH="1">
-            <a:off x="4581128" y="68659"/>
-            <a:ext cx="4560491" cy="4560491"/>
-          </a:xfrm>
-          <a:prstGeom prst="line">
-            <a:avLst/>
-          </a:prstGeom>
-          <a:ln w="12700">
-            <a:solidFill>
-              <a:schemeClr val="tx1"/>
-            </a:solidFill>
-          </a:ln>
-        </p:spPr>
-        <p:style>
-          <a:lnRef idx="2">
-            <a:schemeClr val="accent1"/>
-          </a:lnRef>
-          <a:fillRef idx="0">
-            <a:schemeClr val="accent1"/>
-          </a:fillRef>
-          <a:effectRef idx="1">
-            <a:schemeClr val="accent1"/>
-          </a:effectRef>
-          <a:fontRef idx="minor">
-            <a:schemeClr val="tx1"/>
-          </a:fontRef>
-        </p:style>
-      </p:cxnSp>
-      <p:cxnSp>
-        <p:nvCxnSpPr>
-          <p:cNvPr id="19" name="Straight Connector 18"/>
-          <p:cNvCxnSpPr/>
-          <p:nvPr/>
-        </p:nvCxnSpPr>
-        <p:spPr>
-          <a:xfrm flipH="1">
-            <a:off x="5426869" y="171450"/>
-            <a:ext cx="3714750" cy="3714750"/>
-          </a:xfrm>
-          <a:prstGeom prst="line">
-            <a:avLst/>
-          </a:prstGeom>
-          <a:ln w="12700">
-            <a:solidFill>
-              <a:schemeClr val="tx1"/>
-            </a:solidFill>
-          </a:ln>
-        </p:spPr>
-        <p:style>
-          <a:lnRef idx="2">
-            <a:schemeClr val="accent1"/>
-          </a:lnRef>
-          <a:fillRef idx="0">
-            <a:schemeClr val="accent1"/>
-          </a:fillRef>
-          <a:effectRef idx="1">
-            <a:schemeClr val="accent1"/>
-          </a:effectRef>
-          <a:fontRef idx="minor">
-            <a:schemeClr val="tx1"/>
-          </a:fontRef>
-        </p:style>
-      </p:cxnSp>
-      <p:cxnSp>
-        <p:nvCxnSpPr>
-          <p:cNvPr id="21" name="Straight Connector 20"/>
-          <p:cNvCxnSpPr/>
-          <p:nvPr/>
-        </p:nvCxnSpPr>
-        <p:spPr>
-          <a:xfrm flipH="1">
-            <a:off x="5501878" y="24209"/>
-            <a:ext cx="3639742" cy="3639742"/>
-          </a:xfrm>
-          <a:prstGeom prst="line">
-            <a:avLst/>
-          </a:prstGeom>
-          <a:ln w="31750">
-            <a:solidFill>
-              <a:schemeClr val="tx1"/>
-            </a:solidFill>
-          </a:ln>
-        </p:spPr>
-        <p:style>
-          <a:lnRef idx="2">
-            <a:schemeClr val="accent1"/>
-          </a:lnRef>
-          <a:fillRef idx="0">
-            <a:schemeClr val="accent1"/>
-          </a:fillRef>
-          <a:effectRef idx="1">
-            <a:schemeClr val="accent1"/>
-          </a:effectRef>
-          <a:fontRef idx="minor">
-            <a:schemeClr val="tx1"/>
-          </a:fontRef>
-        </p:style>
-      </p:cxnSp>
-      <p:cxnSp>
-        <p:nvCxnSpPr>
-          <p:cNvPr id="23" name="Straight Connector 22"/>
-          <p:cNvCxnSpPr/>
-          <p:nvPr/>
-        </p:nvCxnSpPr>
-        <p:spPr>
-          <a:xfrm flipH="1">
-            <a:off x="5884070" y="457201"/>
-            <a:ext cx="3257549" cy="3257549"/>
-          </a:xfrm>
-          <a:prstGeom prst="line">
-            <a:avLst/>
-          </a:prstGeom>
-          <a:ln w="31750">
-            <a:solidFill>
-              <a:schemeClr val="tx1"/>
-            </a:solidFill>
-          </a:ln>
-        </p:spPr>
-        <p:style>
-          <a:lnRef idx="2">
-            <a:schemeClr val="accent1"/>
-          </a:lnRef>
-          <a:fillRef idx="0">
-            <a:schemeClr val="accent1"/>
-          </a:fillRef>
-          <a:effectRef idx="1">
-            <a:schemeClr val="accent1"/>
-          </a:effectRef>
-          <a:fontRef idx="minor">
-            <a:schemeClr val="tx1"/>
-          </a:fontRef>
-        </p:style>
-      </p:cxnSp>
     </p:spTree>
     <p:extLst>
       <p:ext uri="{BB962C8B-B14F-4D97-AF65-F5344CB8AC3E}">
-        <p14:creationId xmlns:p14="http://schemas.microsoft.com/office/powerpoint/2010/main" val="2803738232"/>
+        <p14:creationId xmlns:p14="http://schemas.microsoft.com/office/powerpoint/2010/main" val="1806465247"/>
       </p:ext>
     </p:extLst>
   </p:cSld>
@@ -1399,1860 +1216,6 @@
 </file>
 
 <file path=ppt/slideLayouts/slideLayout10.xml><?xml version="1.0" encoding="utf-8"?>
-<p:sldLayout xmlns:a="http://schemas.openxmlformats.org/drawingml/2006/main" xmlns:r="http://schemas.openxmlformats.org/officeDocument/2006/relationships" xmlns:p="http://schemas.openxmlformats.org/presentationml/2006/main" preserve="1">
-  <p:cSld name="Panoramic Picture with Caption">
-    <p:spTree>
-      <p:nvGrpSpPr>
-        <p:cNvPr id="1" name=""/>
-        <p:cNvGrpSpPr/>
-        <p:nvPr/>
-      </p:nvGrpSpPr>
-      <p:grpSpPr>
-        <a:xfrm>
-          <a:off x="0" y="0"/>
-          <a:ext cx="0" cy="0"/>
-          <a:chOff x="0" y="0"/>
-          <a:chExt cx="0" cy="0"/>
-        </a:xfrm>
-      </p:grpSpPr>
-      <p:sp>
-        <p:nvSpPr>
-          <p:cNvPr id="2" name="Title 1"/>
-          <p:cNvSpPr>
-            <a:spLocks noGrp="1"/>
-          </p:cNvSpPr>
-          <p:nvPr>
-            <p:ph type="title"/>
-          </p:nvPr>
-        </p:nvSpPr>
-        <p:spPr/>
-        <p:txBody>
-          <a:bodyPr/>
-          <a:lstStyle/>
-          <a:p>
-            <a:r>
-              <a:rPr lang="en-US" smtClean="0"/>
-              <a:t>Click to edit Master title style</a:t>
-            </a:r>
-            <a:endParaRPr lang="en-US" dirty="0"/>
-          </a:p>
-        </p:txBody>
-      </p:sp>
-      <p:sp>
-        <p:nvSpPr>
-          <p:cNvPr id="17" name="Picture Placeholder 2"/>
-          <p:cNvSpPr>
-            <a:spLocks noGrp="1" noChangeAspect="1"/>
-          </p:cNvSpPr>
-          <p:nvPr>
-            <p:ph type="pic" idx="13"/>
-          </p:nvPr>
-        </p:nvSpPr>
-        <p:spPr>
-          <a:xfrm>
-            <a:off x="514350" y="400050"/>
-            <a:ext cx="8114109" cy="2343150"/>
-          </a:xfrm>
-          <a:prstGeom prst="snip2DiagRect">
-            <a:avLst>
-              <a:gd name="adj1" fmla="val 10815"/>
-              <a:gd name="adj2" fmla="val 0"/>
-            </a:avLst>
-          </a:prstGeom>
-          <a:ln w="15875">
-            <a:solidFill>
-              <a:schemeClr val="tx1">
-                <a:alpha val="40000"/>
-              </a:schemeClr>
-            </a:solidFill>
-          </a:ln>
-          <a:effectLst>
-            <a:innerShdw blurRad="57150" dist="38100" dir="14460000">
-              <a:srgbClr val="000000">
-                <a:alpha val="70000"/>
-              </a:srgbClr>
-            </a:innerShdw>
-          </a:effectLst>
-        </p:spPr>
-        <p:txBody>
-          <a:bodyPr anchor="t">
-            <a:normAutofit/>
-          </a:bodyPr>
-          <a:lstStyle>
-            <a:lvl1pPr marL="0" indent="0" algn="ctr">
-              <a:buNone/>
-              <a:defRPr sz="1200"/>
-            </a:lvl1pPr>
-            <a:lvl2pPr marL="342900" indent="0">
-              <a:buNone/>
-              <a:defRPr sz="1200"/>
-            </a:lvl2pPr>
-            <a:lvl3pPr marL="685800" indent="0">
-              <a:buNone/>
-              <a:defRPr sz="1200"/>
-            </a:lvl3pPr>
-            <a:lvl4pPr marL="1028700" indent="0">
-              <a:buNone/>
-              <a:defRPr sz="1200"/>
-            </a:lvl4pPr>
-            <a:lvl5pPr marL="1371600" indent="0">
-              <a:buNone/>
-              <a:defRPr sz="1200"/>
-            </a:lvl5pPr>
-            <a:lvl6pPr marL="1714500" indent="0">
-              <a:buNone/>
-              <a:defRPr sz="1200"/>
-            </a:lvl6pPr>
-            <a:lvl7pPr marL="2057400" indent="0">
-              <a:buNone/>
-              <a:defRPr sz="1200"/>
-            </a:lvl7pPr>
-            <a:lvl8pPr marL="2400300" indent="0">
-              <a:buNone/>
-              <a:defRPr sz="1200"/>
-            </a:lvl8pPr>
-            <a:lvl9pPr marL="2743200" indent="0">
-              <a:buNone/>
-              <a:defRPr sz="1200"/>
-            </a:lvl9pPr>
-          </a:lstStyle>
-          <a:p>
-            <a:r>
-              <a:rPr lang="en-US" smtClean="0"/>
-              <a:t>Click icon to add picture</a:t>
-            </a:r>
-            <a:endParaRPr lang="en-US" dirty="0"/>
-          </a:p>
-        </p:txBody>
-      </p:sp>
-      <p:sp>
-        <p:nvSpPr>
-          <p:cNvPr id="16" name="Text Placeholder 9"/>
-          <p:cNvSpPr>
-            <a:spLocks noGrp="1"/>
-          </p:cNvSpPr>
-          <p:nvPr>
-            <p:ph type="body" sz="quarter" idx="14"/>
-          </p:nvPr>
-        </p:nvSpPr>
-        <p:spPr>
-          <a:xfrm>
-            <a:off x="685801" y="2882900"/>
-            <a:ext cx="6228158" cy="342900"/>
-          </a:xfrm>
-        </p:spPr>
-        <p:txBody>
-          <a:bodyPr anchor="t">
-            <a:normAutofit/>
-          </a:bodyPr>
-          <a:lstStyle>
-            <a:lvl1pPr marL="0" indent="0">
-              <a:buFontTx/>
-              <a:buNone/>
-              <a:defRPr sz="1200"/>
-            </a:lvl1pPr>
-            <a:lvl2pPr marL="342900" indent="0">
-              <a:buFontTx/>
-              <a:buNone/>
-              <a:defRPr/>
-            </a:lvl2pPr>
-            <a:lvl3pPr marL="685800" indent="0">
-              <a:buFontTx/>
-              <a:buNone/>
-              <a:defRPr/>
-            </a:lvl3pPr>
-            <a:lvl4pPr marL="1028700" indent="0">
-              <a:buFontTx/>
-              <a:buNone/>
-              <a:defRPr/>
-            </a:lvl4pPr>
-            <a:lvl5pPr marL="1371600" indent="0">
-              <a:buFontTx/>
-              <a:buNone/>
-              <a:defRPr/>
-            </a:lvl5pPr>
-          </a:lstStyle>
-          <a:p>
-            <a:pPr lvl="0"/>
-            <a:r>
-              <a:rPr lang="en-US" smtClean="0"/>
-              <a:t>Click to edit Master text styles</a:t>
-            </a:r>
-          </a:p>
-        </p:txBody>
-      </p:sp>
-      <p:sp>
-        <p:nvSpPr>
-          <p:cNvPr id="3" name="Date Placeholder 2"/>
-          <p:cNvSpPr>
-            <a:spLocks noGrp="1"/>
-          </p:cNvSpPr>
-          <p:nvPr>
-            <p:ph type="dt" sz="half" idx="10"/>
-          </p:nvPr>
-        </p:nvSpPr>
-        <p:spPr/>
-        <p:txBody>
-          <a:bodyPr/>
-          <a:lstStyle/>
-          <a:p>
-            <a:fld id="{B61BEF0D-F0BB-DE4B-95CE-6DB70DBA9567}" type="datetimeFigureOut">
-              <a:rPr lang="en-US" smtClean="0"/>
-              <a:pPr/>
-              <a:t>4/9/2015</a:t>
-            </a:fld>
-            <a:endParaRPr lang="en-US" dirty="0"/>
-          </a:p>
-        </p:txBody>
-      </p:sp>
-      <p:sp>
-        <p:nvSpPr>
-          <p:cNvPr id="4" name="Footer Placeholder 3"/>
-          <p:cNvSpPr>
-            <a:spLocks noGrp="1"/>
-          </p:cNvSpPr>
-          <p:nvPr>
-            <p:ph type="ftr" sz="quarter" idx="11"/>
-          </p:nvPr>
-        </p:nvSpPr>
-        <p:spPr/>
-        <p:txBody>
-          <a:bodyPr/>
-          <a:lstStyle/>
-          <a:p>
-            <a:endParaRPr lang="en-US" dirty="0"/>
-          </a:p>
-        </p:txBody>
-      </p:sp>
-      <p:sp>
-        <p:nvSpPr>
-          <p:cNvPr id="5" name="Slide Number Placeholder 4"/>
-          <p:cNvSpPr>
-            <a:spLocks noGrp="1"/>
-          </p:cNvSpPr>
-          <p:nvPr>
-            <p:ph type="sldNum" sz="quarter" idx="12"/>
-          </p:nvPr>
-        </p:nvSpPr>
-        <p:spPr/>
-        <p:txBody>
-          <a:bodyPr/>
-          <a:lstStyle/>
-          <a:p>
-            <a:pPr>
-              <a:spcBef>
-                <a:spcPts val="0"/>
-              </a:spcBef>
-              <a:buNone/>
-            </a:pPr>
-            <a:fld id="{00000000-1234-1234-1234-123412341234}" type="slidenum">
-              <a:rPr lang="en-GB" smtClean="0"/>
-              <a:t>‹#›</a:t>
-            </a:fld>
-            <a:endParaRPr lang="en-GB"/>
-          </a:p>
-        </p:txBody>
-      </p:sp>
-    </p:spTree>
-    <p:extLst>
-      <p:ext uri="{BB962C8B-B14F-4D97-AF65-F5344CB8AC3E}">
-        <p14:creationId xmlns:p14="http://schemas.microsoft.com/office/powerpoint/2010/main" val="4165060391"/>
-      </p:ext>
-    </p:extLst>
-  </p:cSld>
-  <p:clrMapOvr>
-    <a:masterClrMapping/>
-  </p:clrMapOvr>
-  <p:hf sldNum="0" hdr="0" ftr="0" dt="0"/>
-</p:sldLayout>
-</file>
-
-<file path=ppt/slideLayouts/slideLayout11.xml><?xml version="1.0" encoding="utf-8"?>
-<p:sldLayout xmlns:a="http://schemas.openxmlformats.org/drawingml/2006/main" xmlns:r="http://schemas.openxmlformats.org/officeDocument/2006/relationships" xmlns:p="http://schemas.openxmlformats.org/presentationml/2006/main" preserve="1">
-  <p:cSld name="Title and Caption">
-    <p:spTree>
-      <p:nvGrpSpPr>
-        <p:cNvPr id="1" name=""/>
-        <p:cNvGrpSpPr/>
-        <p:nvPr/>
-      </p:nvGrpSpPr>
-      <p:grpSpPr>
-        <a:xfrm>
-          <a:off x="0" y="0"/>
-          <a:ext cx="0" cy="0"/>
-          <a:chOff x="0" y="0"/>
-          <a:chExt cx="0" cy="0"/>
-        </a:xfrm>
-      </p:grpSpPr>
-      <p:sp>
-        <p:nvSpPr>
-          <p:cNvPr id="2" name="Title 1"/>
-          <p:cNvSpPr>
-            <a:spLocks noGrp="1"/>
-          </p:cNvSpPr>
-          <p:nvPr>
-            <p:ph type="title"/>
-          </p:nvPr>
-        </p:nvSpPr>
-        <p:spPr>
-          <a:xfrm>
-            <a:off x="513160" y="514350"/>
-            <a:ext cx="7543800" cy="2057400"/>
-          </a:xfrm>
-        </p:spPr>
-        <p:txBody>
-          <a:bodyPr anchor="ctr">
-            <a:normAutofit/>
-          </a:bodyPr>
-          <a:lstStyle>
-            <a:lvl1pPr algn="l">
-              <a:defRPr sz="2400" b="0" cap="all"/>
-            </a:lvl1pPr>
-          </a:lstStyle>
-          <a:p>
-            <a:r>
-              <a:rPr lang="en-US" smtClean="0"/>
-              <a:t>Click to edit Master title style</a:t>
-            </a:r>
-            <a:endParaRPr lang="en-US" dirty="0"/>
-          </a:p>
-        </p:txBody>
-      </p:sp>
-      <p:sp>
-        <p:nvSpPr>
-          <p:cNvPr id="3" name="Text Placeholder 2"/>
-          <p:cNvSpPr>
-            <a:spLocks noGrp="1"/>
-          </p:cNvSpPr>
-          <p:nvPr>
-            <p:ph type="body" idx="1"/>
-          </p:nvPr>
-        </p:nvSpPr>
-        <p:spPr>
-          <a:xfrm>
-            <a:off x="513159" y="3086100"/>
-            <a:ext cx="6401991" cy="1409700"/>
-          </a:xfrm>
-        </p:spPr>
-        <p:txBody>
-          <a:bodyPr anchor="ctr">
-            <a:normAutofit/>
-          </a:bodyPr>
-          <a:lstStyle>
-            <a:lvl1pPr marL="0" indent="0" algn="l">
-              <a:buNone/>
-              <a:defRPr sz="1500">
-                <a:solidFill>
-                  <a:schemeClr val="bg2">
-                    <a:lumMod val="75000"/>
-                  </a:schemeClr>
-                </a:solidFill>
-              </a:defRPr>
-            </a:lvl1pPr>
-            <a:lvl2pPr marL="342900" indent="0">
-              <a:buNone/>
-              <a:defRPr sz="1350">
-                <a:solidFill>
-                  <a:schemeClr val="tx1">
-                    <a:tint val="75000"/>
-                  </a:schemeClr>
-                </a:solidFill>
-              </a:defRPr>
-            </a:lvl2pPr>
-            <a:lvl3pPr marL="685800" indent="0">
-              <a:buNone/>
-              <a:defRPr sz="1200">
-                <a:solidFill>
-                  <a:schemeClr val="tx1">
-                    <a:tint val="75000"/>
-                  </a:schemeClr>
-                </a:solidFill>
-              </a:defRPr>
-            </a:lvl3pPr>
-            <a:lvl4pPr marL="1028700" indent="0">
-              <a:buNone/>
-              <a:defRPr sz="1050">
-                <a:solidFill>
-                  <a:schemeClr val="tx1">
-                    <a:tint val="75000"/>
-                  </a:schemeClr>
-                </a:solidFill>
-              </a:defRPr>
-            </a:lvl4pPr>
-            <a:lvl5pPr marL="1371600" indent="0">
-              <a:buNone/>
-              <a:defRPr sz="1050">
-                <a:solidFill>
-                  <a:schemeClr val="tx1">
-                    <a:tint val="75000"/>
-                  </a:schemeClr>
-                </a:solidFill>
-              </a:defRPr>
-            </a:lvl5pPr>
-            <a:lvl6pPr marL="1714500" indent="0">
-              <a:buNone/>
-              <a:defRPr sz="1050">
-                <a:solidFill>
-                  <a:schemeClr val="tx1">
-                    <a:tint val="75000"/>
-                  </a:schemeClr>
-                </a:solidFill>
-              </a:defRPr>
-            </a:lvl6pPr>
-            <a:lvl7pPr marL="2057400" indent="0">
-              <a:buNone/>
-              <a:defRPr sz="1050">
-                <a:solidFill>
-                  <a:schemeClr val="tx1">
-                    <a:tint val="75000"/>
-                  </a:schemeClr>
-                </a:solidFill>
-              </a:defRPr>
-            </a:lvl7pPr>
-            <a:lvl8pPr marL="2400300" indent="0">
-              <a:buNone/>
-              <a:defRPr sz="1050">
-                <a:solidFill>
-                  <a:schemeClr val="tx1">
-                    <a:tint val="75000"/>
-                  </a:schemeClr>
-                </a:solidFill>
-              </a:defRPr>
-            </a:lvl8pPr>
-            <a:lvl9pPr marL="2743200" indent="0">
-              <a:buNone/>
-              <a:defRPr sz="1050">
-                <a:solidFill>
-                  <a:schemeClr val="tx1">
-                    <a:tint val="75000"/>
-                  </a:schemeClr>
-                </a:solidFill>
-              </a:defRPr>
-            </a:lvl9pPr>
-          </a:lstStyle>
-          <a:p>
-            <a:pPr lvl="0"/>
-            <a:r>
-              <a:rPr lang="en-US" smtClean="0"/>
-              <a:t>Click to edit Master text styles</a:t>
-            </a:r>
-          </a:p>
-        </p:txBody>
-      </p:sp>
-      <p:sp>
-        <p:nvSpPr>
-          <p:cNvPr id="4" name="Date Placeholder 3"/>
-          <p:cNvSpPr>
-            <a:spLocks noGrp="1"/>
-          </p:cNvSpPr>
-          <p:nvPr>
-            <p:ph type="dt" sz="half" idx="10"/>
-          </p:nvPr>
-        </p:nvSpPr>
-        <p:spPr/>
-        <p:txBody>
-          <a:bodyPr/>
-          <a:lstStyle/>
-          <a:p>
-            <a:fld id="{B61BEF0D-F0BB-DE4B-95CE-6DB70DBA9567}" type="datetimeFigureOut">
-              <a:rPr lang="en-US" smtClean="0"/>
-              <a:pPr/>
-              <a:t>4/9/2015</a:t>
-            </a:fld>
-            <a:endParaRPr lang="en-US" dirty="0"/>
-          </a:p>
-        </p:txBody>
-      </p:sp>
-      <p:sp>
-        <p:nvSpPr>
-          <p:cNvPr id="5" name="Footer Placeholder 4"/>
-          <p:cNvSpPr>
-            <a:spLocks noGrp="1"/>
-          </p:cNvSpPr>
-          <p:nvPr>
-            <p:ph type="ftr" sz="quarter" idx="11"/>
-          </p:nvPr>
-        </p:nvSpPr>
-        <p:spPr/>
-        <p:txBody>
-          <a:bodyPr/>
-          <a:lstStyle/>
-          <a:p>
-            <a:endParaRPr lang="en-US" dirty="0"/>
-          </a:p>
-        </p:txBody>
-      </p:sp>
-      <p:sp>
-        <p:nvSpPr>
-          <p:cNvPr id="6" name="Slide Number Placeholder 5"/>
-          <p:cNvSpPr>
-            <a:spLocks noGrp="1"/>
-          </p:cNvSpPr>
-          <p:nvPr>
-            <p:ph type="sldNum" sz="quarter" idx="12"/>
-          </p:nvPr>
-        </p:nvSpPr>
-        <p:spPr/>
-        <p:txBody>
-          <a:bodyPr/>
-          <a:lstStyle/>
-          <a:p>
-            <a:pPr>
-              <a:spcBef>
-                <a:spcPts val="0"/>
-              </a:spcBef>
-              <a:buNone/>
-            </a:pPr>
-            <a:fld id="{00000000-1234-1234-1234-123412341234}" type="slidenum">
-              <a:rPr lang="en-GB" smtClean="0"/>
-              <a:t>‹#›</a:t>
-            </a:fld>
-            <a:endParaRPr lang="en-GB"/>
-          </a:p>
-        </p:txBody>
-      </p:sp>
-    </p:spTree>
-    <p:extLst>
-      <p:ext uri="{BB962C8B-B14F-4D97-AF65-F5344CB8AC3E}">
-        <p14:creationId xmlns:p14="http://schemas.microsoft.com/office/powerpoint/2010/main" val="2387321119"/>
-      </p:ext>
-    </p:extLst>
-  </p:cSld>
-  <p:clrMapOvr>
-    <a:masterClrMapping/>
-  </p:clrMapOvr>
-  <p:hf sldNum="0" hdr="0" ftr="0" dt="0"/>
-</p:sldLayout>
-</file>
-
-<file path=ppt/slideLayouts/slideLayout12.xml><?xml version="1.0" encoding="utf-8"?>
-<p:sldLayout xmlns:a="http://schemas.openxmlformats.org/drawingml/2006/main" xmlns:r="http://schemas.openxmlformats.org/officeDocument/2006/relationships" xmlns:p="http://schemas.openxmlformats.org/presentationml/2006/main" preserve="1">
-  <p:cSld name="Quote with Caption">
-    <p:spTree>
-      <p:nvGrpSpPr>
-        <p:cNvPr id="1" name=""/>
-        <p:cNvGrpSpPr/>
-        <p:nvPr/>
-      </p:nvGrpSpPr>
-      <p:grpSpPr>
-        <a:xfrm>
-          <a:off x="0" y="0"/>
-          <a:ext cx="0" cy="0"/>
-          <a:chOff x="0" y="0"/>
-          <a:chExt cx="0" cy="0"/>
-        </a:xfrm>
-      </p:grpSpPr>
-      <p:sp>
-        <p:nvSpPr>
-          <p:cNvPr id="2" name="Title 1"/>
-          <p:cNvSpPr>
-            <a:spLocks noGrp="1"/>
-          </p:cNvSpPr>
-          <p:nvPr>
-            <p:ph type="title"/>
-          </p:nvPr>
-        </p:nvSpPr>
-        <p:spPr>
-          <a:xfrm>
-            <a:off x="856059" y="514350"/>
-            <a:ext cx="6858001" cy="2057400"/>
-          </a:xfrm>
-        </p:spPr>
-        <p:txBody>
-          <a:bodyPr anchor="ctr">
-            <a:normAutofit/>
-          </a:bodyPr>
-          <a:lstStyle>
-            <a:lvl1pPr algn="l">
-              <a:defRPr sz="2400" b="0" cap="all">
-                <a:solidFill>
-                  <a:schemeClr val="tx1"/>
-                </a:solidFill>
-              </a:defRPr>
-            </a:lvl1pPr>
-          </a:lstStyle>
-          <a:p>
-            <a:r>
-              <a:rPr lang="en-US" smtClean="0"/>
-              <a:t>Click to edit Master title style</a:t>
-            </a:r>
-            <a:endParaRPr lang="en-US" dirty="0"/>
-          </a:p>
-        </p:txBody>
-      </p:sp>
-      <p:sp>
-        <p:nvSpPr>
-          <p:cNvPr id="10" name="Text Placeholder 9"/>
-          <p:cNvSpPr>
-            <a:spLocks noGrp="1"/>
-          </p:cNvSpPr>
-          <p:nvPr>
-            <p:ph type="body" sz="quarter" idx="13"/>
-          </p:nvPr>
-        </p:nvSpPr>
-        <p:spPr>
-          <a:xfrm>
-            <a:off x="1084659" y="2571750"/>
-            <a:ext cx="6400800" cy="285750"/>
-          </a:xfrm>
-        </p:spPr>
-        <p:txBody>
-          <a:bodyPr anchor="ctr"/>
-          <a:lstStyle>
-            <a:lvl1pPr marL="0" indent="0">
-              <a:buFontTx/>
-              <a:buNone/>
-              <a:defRPr/>
-            </a:lvl1pPr>
-            <a:lvl2pPr marL="342900" indent="0">
-              <a:buFontTx/>
-              <a:buNone/>
-              <a:defRPr/>
-            </a:lvl2pPr>
-            <a:lvl3pPr marL="685800" indent="0">
-              <a:buFontTx/>
-              <a:buNone/>
-              <a:defRPr/>
-            </a:lvl3pPr>
-            <a:lvl4pPr marL="1028700" indent="0">
-              <a:buFontTx/>
-              <a:buNone/>
-              <a:defRPr/>
-            </a:lvl4pPr>
-            <a:lvl5pPr marL="1371600" indent="0">
-              <a:buFontTx/>
-              <a:buNone/>
-              <a:defRPr/>
-            </a:lvl5pPr>
-          </a:lstStyle>
-          <a:p>
-            <a:pPr lvl="0"/>
-            <a:r>
-              <a:rPr lang="en-US" smtClean="0"/>
-              <a:t>Click to edit Master text styles</a:t>
-            </a:r>
-          </a:p>
-        </p:txBody>
-      </p:sp>
-      <p:sp>
-        <p:nvSpPr>
-          <p:cNvPr id="3" name="Text Placeholder 2"/>
-          <p:cNvSpPr>
-            <a:spLocks noGrp="1"/>
-          </p:cNvSpPr>
-          <p:nvPr>
-            <p:ph type="body" idx="1"/>
-          </p:nvPr>
-        </p:nvSpPr>
-        <p:spPr>
-          <a:xfrm>
-            <a:off x="513160" y="3225801"/>
-            <a:ext cx="6400800" cy="1263649"/>
-          </a:xfrm>
-        </p:spPr>
-        <p:txBody>
-          <a:bodyPr anchor="ctr">
-            <a:normAutofit/>
-          </a:bodyPr>
-          <a:lstStyle>
-            <a:lvl1pPr marL="0" indent="0" algn="l">
-              <a:buNone/>
-              <a:defRPr sz="1500">
-                <a:solidFill>
-                  <a:schemeClr val="bg2">
-                    <a:lumMod val="75000"/>
-                  </a:schemeClr>
-                </a:solidFill>
-              </a:defRPr>
-            </a:lvl1pPr>
-            <a:lvl2pPr marL="342900" indent="0">
-              <a:buNone/>
-              <a:defRPr sz="1350">
-                <a:solidFill>
-                  <a:schemeClr val="tx1">
-                    <a:tint val="75000"/>
-                  </a:schemeClr>
-                </a:solidFill>
-              </a:defRPr>
-            </a:lvl2pPr>
-            <a:lvl3pPr marL="685800" indent="0">
-              <a:buNone/>
-              <a:defRPr sz="1200">
-                <a:solidFill>
-                  <a:schemeClr val="tx1">
-                    <a:tint val="75000"/>
-                  </a:schemeClr>
-                </a:solidFill>
-              </a:defRPr>
-            </a:lvl3pPr>
-            <a:lvl4pPr marL="1028700" indent="0">
-              <a:buNone/>
-              <a:defRPr sz="1050">
-                <a:solidFill>
-                  <a:schemeClr val="tx1">
-                    <a:tint val="75000"/>
-                  </a:schemeClr>
-                </a:solidFill>
-              </a:defRPr>
-            </a:lvl4pPr>
-            <a:lvl5pPr marL="1371600" indent="0">
-              <a:buNone/>
-              <a:defRPr sz="1050">
-                <a:solidFill>
-                  <a:schemeClr val="tx1">
-                    <a:tint val="75000"/>
-                  </a:schemeClr>
-                </a:solidFill>
-              </a:defRPr>
-            </a:lvl5pPr>
-            <a:lvl6pPr marL="1714500" indent="0">
-              <a:buNone/>
-              <a:defRPr sz="1050">
-                <a:solidFill>
-                  <a:schemeClr val="tx1">
-                    <a:tint val="75000"/>
-                  </a:schemeClr>
-                </a:solidFill>
-              </a:defRPr>
-            </a:lvl6pPr>
-            <a:lvl7pPr marL="2057400" indent="0">
-              <a:buNone/>
-              <a:defRPr sz="1050">
-                <a:solidFill>
-                  <a:schemeClr val="tx1">
-                    <a:tint val="75000"/>
-                  </a:schemeClr>
-                </a:solidFill>
-              </a:defRPr>
-            </a:lvl7pPr>
-            <a:lvl8pPr marL="2400300" indent="0">
-              <a:buNone/>
-              <a:defRPr sz="1050">
-                <a:solidFill>
-                  <a:schemeClr val="tx1">
-                    <a:tint val="75000"/>
-                  </a:schemeClr>
-                </a:solidFill>
-              </a:defRPr>
-            </a:lvl8pPr>
-            <a:lvl9pPr marL="2743200" indent="0">
-              <a:buNone/>
-              <a:defRPr sz="1050">
-                <a:solidFill>
-                  <a:schemeClr val="tx1">
-                    <a:tint val="75000"/>
-                  </a:schemeClr>
-                </a:solidFill>
-              </a:defRPr>
-            </a:lvl9pPr>
-          </a:lstStyle>
-          <a:p>
-            <a:pPr lvl="0"/>
-            <a:r>
-              <a:rPr lang="en-US" smtClean="0"/>
-              <a:t>Click to edit Master text styles</a:t>
-            </a:r>
-          </a:p>
-        </p:txBody>
-      </p:sp>
-      <p:sp>
-        <p:nvSpPr>
-          <p:cNvPr id="4" name="Date Placeholder 3"/>
-          <p:cNvSpPr>
-            <a:spLocks noGrp="1"/>
-          </p:cNvSpPr>
-          <p:nvPr>
-            <p:ph type="dt" sz="half" idx="10"/>
-          </p:nvPr>
-        </p:nvSpPr>
-        <p:spPr/>
-        <p:txBody>
-          <a:bodyPr/>
-          <a:lstStyle/>
-          <a:p>
-            <a:fld id="{B61BEF0D-F0BB-DE4B-95CE-6DB70DBA9567}" type="datetimeFigureOut">
-              <a:rPr lang="en-US" smtClean="0"/>
-              <a:pPr/>
-              <a:t>4/9/2015</a:t>
-            </a:fld>
-            <a:endParaRPr lang="en-US" dirty="0"/>
-          </a:p>
-        </p:txBody>
-      </p:sp>
-      <p:sp>
-        <p:nvSpPr>
-          <p:cNvPr id="5" name="Footer Placeholder 4"/>
-          <p:cNvSpPr>
-            <a:spLocks noGrp="1"/>
-          </p:cNvSpPr>
-          <p:nvPr>
-            <p:ph type="ftr" sz="quarter" idx="11"/>
-          </p:nvPr>
-        </p:nvSpPr>
-        <p:spPr/>
-        <p:txBody>
-          <a:bodyPr/>
-          <a:lstStyle/>
-          <a:p>
-            <a:endParaRPr lang="en-US" dirty="0"/>
-          </a:p>
-        </p:txBody>
-      </p:sp>
-      <p:sp>
-        <p:nvSpPr>
-          <p:cNvPr id="6" name="Slide Number Placeholder 5"/>
-          <p:cNvSpPr>
-            <a:spLocks noGrp="1"/>
-          </p:cNvSpPr>
-          <p:nvPr>
-            <p:ph type="sldNum" sz="quarter" idx="12"/>
-          </p:nvPr>
-        </p:nvSpPr>
-        <p:spPr/>
-        <p:txBody>
-          <a:bodyPr/>
-          <a:lstStyle/>
-          <a:p>
-            <a:pPr>
-              <a:spcBef>
-                <a:spcPts val="0"/>
-              </a:spcBef>
-              <a:buNone/>
-            </a:pPr>
-            <a:fld id="{00000000-1234-1234-1234-123412341234}" type="slidenum">
-              <a:rPr lang="en-GB" smtClean="0"/>
-              <a:t>‹#›</a:t>
-            </a:fld>
-            <a:endParaRPr lang="en-GB"/>
-          </a:p>
-        </p:txBody>
-      </p:sp>
-      <p:sp>
-        <p:nvSpPr>
-          <p:cNvPr id="14" name="TextBox 13"/>
-          <p:cNvSpPr txBox="1"/>
-          <p:nvPr/>
-        </p:nvSpPr>
-        <p:spPr>
-          <a:xfrm>
-            <a:off x="398859" y="609167"/>
-            <a:ext cx="457200" cy="438582"/>
-          </a:xfrm>
-          <a:prstGeom prst="rect">
-            <a:avLst/>
-          </a:prstGeom>
-        </p:spPr>
-        <p:txBody>
-          <a:bodyPr vert="horz" lIns="68580" tIns="34290" rIns="68580" bIns="34290" rtlCol="0" anchor="ctr">
-            <a:noAutofit/>
-          </a:bodyPr>
-          <a:lstStyle/>
-          <a:p>
-            <a:pPr lvl="0"/>
-            <a:r>
-              <a:rPr lang="en-US" sz="6000" dirty="0">
-                <a:solidFill>
-                  <a:schemeClr val="tx1"/>
-                </a:solidFill>
-                <a:effectLst/>
-              </a:rPr>
-              <a:t>“</a:t>
-            </a:r>
-          </a:p>
-        </p:txBody>
-      </p:sp>
-      <p:sp>
-        <p:nvSpPr>
-          <p:cNvPr id="15" name="TextBox 14"/>
-          <p:cNvSpPr txBox="1"/>
-          <p:nvPr/>
-        </p:nvSpPr>
-        <p:spPr>
-          <a:xfrm>
-            <a:off x="7714059" y="2076451"/>
-            <a:ext cx="457200" cy="438582"/>
-          </a:xfrm>
-          <a:prstGeom prst="rect">
-            <a:avLst/>
-          </a:prstGeom>
-        </p:spPr>
-        <p:txBody>
-          <a:bodyPr vert="horz" lIns="68580" tIns="34290" rIns="68580" bIns="34290" rtlCol="0" anchor="ctr">
-            <a:noAutofit/>
-          </a:bodyPr>
-          <a:lstStyle/>
-          <a:p>
-            <a:pPr lvl="0" algn="r"/>
-            <a:r>
-              <a:rPr lang="en-US" sz="6000" dirty="0">
-                <a:solidFill>
-                  <a:schemeClr val="tx1"/>
-                </a:solidFill>
-                <a:effectLst/>
-              </a:rPr>
-              <a:t>”</a:t>
-            </a:r>
-          </a:p>
-        </p:txBody>
-      </p:sp>
-    </p:spTree>
-    <p:extLst>
-      <p:ext uri="{BB962C8B-B14F-4D97-AF65-F5344CB8AC3E}">
-        <p14:creationId xmlns:p14="http://schemas.microsoft.com/office/powerpoint/2010/main" val="1516948259"/>
-      </p:ext>
-    </p:extLst>
-  </p:cSld>
-  <p:clrMapOvr>
-    <a:masterClrMapping/>
-  </p:clrMapOvr>
-  <p:hf sldNum="0" hdr="0" ftr="0" dt="0"/>
-</p:sldLayout>
-</file>
-
-<file path=ppt/slideLayouts/slideLayout13.xml><?xml version="1.0" encoding="utf-8"?>
-<p:sldLayout xmlns:a="http://schemas.openxmlformats.org/drawingml/2006/main" xmlns:r="http://schemas.openxmlformats.org/officeDocument/2006/relationships" xmlns:p="http://schemas.openxmlformats.org/presentationml/2006/main" preserve="1">
-  <p:cSld name="Name Card">
-    <p:spTree>
-      <p:nvGrpSpPr>
-        <p:cNvPr id="1" name=""/>
-        <p:cNvGrpSpPr/>
-        <p:nvPr/>
-      </p:nvGrpSpPr>
-      <p:grpSpPr>
-        <a:xfrm>
-          <a:off x="0" y="0"/>
-          <a:ext cx="0" cy="0"/>
-          <a:chOff x="0" y="0"/>
-          <a:chExt cx="0" cy="0"/>
-        </a:xfrm>
-      </p:grpSpPr>
-      <p:sp>
-        <p:nvSpPr>
-          <p:cNvPr id="2" name="Title 1"/>
-          <p:cNvSpPr>
-            <a:spLocks noGrp="1"/>
-          </p:cNvSpPr>
-          <p:nvPr>
-            <p:ph type="title"/>
-          </p:nvPr>
-        </p:nvSpPr>
-        <p:spPr>
-          <a:xfrm>
-            <a:off x="513159" y="2571750"/>
-            <a:ext cx="6400800" cy="1273050"/>
-          </a:xfrm>
-        </p:spPr>
-        <p:txBody>
-          <a:bodyPr anchor="b">
-            <a:normAutofit/>
-          </a:bodyPr>
-          <a:lstStyle>
-            <a:lvl1pPr algn="l">
-              <a:defRPr sz="2400" b="0" cap="all"/>
-            </a:lvl1pPr>
-          </a:lstStyle>
-          <a:p>
-            <a:r>
-              <a:rPr lang="en-US" smtClean="0"/>
-              <a:t>Click to edit Master title style</a:t>
-            </a:r>
-            <a:endParaRPr lang="en-US" dirty="0"/>
-          </a:p>
-        </p:txBody>
-      </p:sp>
-      <p:sp>
-        <p:nvSpPr>
-          <p:cNvPr id="3" name="Text Placeholder 2"/>
-          <p:cNvSpPr>
-            <a:spLocks noGrp="1"/>
-          </p:cNvSpPr>
-          <p:nvPr>
-            <p:ph type="body" idx="1"/>
-          </p:nvPr>
-        </p:nvSpPr>
-        <p:spPr>
-          <a:xfrm>
-            <a:off x="513158" y="3849736"/>
-            <a:ext cx="6401993" cy="645300"/>
-          </a:xfrm>
-        </p:spPr>
-        <p:txBody>
-          <a:bodyPr anchor="t">
-            <a:normAutofit/>
-          </a:bodyPr>
-          <a:lstStyle>
-            <a:lvl1pPr marL="0" indent="0" algn="l">
-              <a:buNone/>
-              <a:defRPr sz="1500">
-                <a:solidFill>
-                  <a:schemeClr val="bg2">
-                    <a:lumMod val="75000"/>
-                  </a:schemeClr>
-                </a:solidFill>
-              </a:defRPr>
-            </a:lvl1pPr>
-            <a:lvl2pPr marL="342900" indent="0">
-              <a:buNone/>
-              <a:defRPr sz="1350">
-                <a:solidFill>
-                  <a:schemeClr val="tx1">
-                    <a:tint val="75000"/>
-                  </a:schemeClr>
-                </a:solidFill>
-              </a:defRPr>
-            </a:lvl2pPr>
-            <a:lvl3pPr marL="685800" indent="0">
-              <a:buNone/>
-              <a:defRPr sz="1200">
-                <a:solidFill>
-                  <a:schemeClr val="tx1">
-                    <a:tint val="75000"/>
-                  </a:schemeClr>
-                </a:solidFill>
-              </a:defRPr>
-            </a:lvl3pPr>
-            <a:lvl4pPr marL="1028700" indent="0">
-              <a:buNone/>
-              <a:defRPr sz="1050">
-                <a:solidFill>
-                  <a:schemeClr val="tx1">
-                    <a:tint val="75000"/>
-                  </a:schemeClr>
-                </a:solidFill>
-              </a:defRPr>
-            </a:lvl4pPr>
-            <a:lvl5pPr marL="1371600" indent="0">
-              <a:buNone/>
-              <a:defRPr sz="1050">
-                <a:solidFill>
-                  <a:schemeClr val="tx1">
-                    <a:tint val="75000"/>
-                  </a:schemeClr>
-                </a:solidFill>
-              </a:defRPr>
-            </a:lvl5pPr>
-            <a:lvl6pPr marL="1714500" indent="0">
-              <a:buNone/>
-              <a:defRPr sz="1050">
-                <a:solidFill>
-                  <a:schemeClr val="tx1">
-                    <a:tint val="75000"/>
-                  </a:schemeClr>
-                </a:solidFill>
-              </a:defRPr>
-            </a:lvl6pPr>
-            <a:lvl7pPr marL="2057400" indent="0">
-              <a:buNone/>
-              <a:defRPr sz="1050">
-                <a:solidFill>
-                  <a:schemeClr val="tx1">
-                    <a:tint val="75000"/>
-                  </a:schemeClr>
-                </a:solidFill>
-              </a:defRPr>
-            </a:lvl7pPr>
-            <a:lvl8pPr marL="2400300" indent="0">
-              <a:buNone/>
-              <a:defRPr sz="1050">
-                <a:solidFill>
-                  <a:schemeClr val="tx1">
-                    <a:tint val="75000"/>
-                  </a:schemeClr>
-                </a:solidFill>
-              </a:defRPr>
-            </a:lvl8pPr>
-            <a:lvl9pPr marL="2743200" indent="0">
-              <a:buNone/>
-              <a:defRPr sz="1050">
-                <a:solidFill>
-                  <a:schemeClr val="tx1">
-                    <a:tint val="75000"/>
-                  </a:schemeClr>
-                </a:solidFill>
-              </a:defRPr>
-            </a:lvl9pPr>
-          </a:lstStyle>
-          <a:p>
-            <a:pPr lvl="0"/>
-            <a:r>
-              <a:rPr lang="en-US" smtClean="0"/>
-              <a:t>Click to edit Master text styles</a:t>
-            </a:r>
-          </a:p>
-        </p:txBody>
-      </p:sp>
-      <p:sp>
-        <p:nvSpPr>
-          <p:cNvPr id="4" name="Date Placeholder 3"/>
-          <p:cNvSpPr>
-            <a:spLocks noGrp="1"/>
-          </p:cNvSpPr>
-          <p:nvPr>
-            <p:ph type="dt" sz="half" idx="10"/>
-          </p:nvPr>
-        </p:nvSpPr>
-        <p:spPr/>
-        <p:txBody>
-          <a:bodyPr/>
-          <a:lstStyle/>
-          <a:p>
-            <a:fld id="{B61BEF0D-F0BB-DE4B-95CE-6DB70DBA9567}" type="datetimeFigureOut">
-              <a:rPr lang="en-US" smtClean="0"/>
-              <a:pPr/>
-              <a:t>4/9/2015</a:t>
-            </a:fld>
-            <a:endParaRPr lang="en-US" dirty="0"/>
-          </a:p>
-        </p:txBody>
-      </p:sp>
-      <p:sp>
-        <p:nvSpPr>
-          <p:cNvPr id="5" name="Footer Placeholder 4"/>
-          <p:cNvSpPr>
-            <a:spLocks noGrp="1"/>
-          </p:cNvSpPr>
-          <p:nvPr>
-            <p:ph type="ftr" sz="quarter" idx="11"/>
-          </p:nvPr>
-        </p:nvSpPr>
-        <p:spPr/>
-        <p:txBody>
-          <a:bodyPr/>
-          <a:lstStyle/>
-          <a:p>
-            <a:endParaRPr lang="en-US" dirty="0"/>
-          </a:p>
-        </p:txBody>
-      </p:sp>
-      <p:sp>
-        <p:nvSpPr>
-          <p:cNvPr id="6" name="Slide Number Placeholder 5"/>
-          <p:cNvSpPr>
-            <a:spLocks noGrp="1"/>
-          </p:cNvSpPr>
-          <p:nvPr>
-            <p:ph type="sldNum" sz="quarter" idx="12"/>
-          </p:nvPr>
-        </p:nvSpPr>
-        <p:spPr/>
-        <p:txBody>
-          <a:bodyPr/>
-          <a:lstStyle/>
-          <a:p>
-            <a:pPr>
-              <a:spcBef>
-                <a:spcPts val="0"/>
-              </a:spcBef>
-              <a:buNone/>
-            </a:pPr>
-            <a:fld id="{00000000-1234-1234-1234-123412341234}" type="slidenum">
-              <a:rPr lang="en-GB" smtClean="0"/>
-              <a:t>‹#›</a:t>
-            </a:fld>
-            <a:endParaRPr lang="en-GB"/>
-          </a:p>
-        </p:txBody>
-      </p:sp>
-    </p:spTree>
-    <p:extLst>
-      <p:ext uri="{BB962C8B-B14F-4D97-AF65-F5344CB8AC3E}">
-        <p14:creationId xmlns:p14="http://schemas.microsoft.com/office/powerpoint/2010/main" val="1893283302"/>
-      </p:ext>
-    </p:extLst>
-  </p:cSld>
-  <p:clrMapOvr>
-    <a:masterClrMapping/>
-  </p:clrMapOvr>
-  <p:hf sldNum="0" hdr="0" ftr="0" dt="0"/>
-</p:sldLayout>
-</file>
-
-<file path=ppt/slideLayouts/slideLayout14.xml><?xml version="1.0" encoding="utf-8"?>
-<p:sldLayout xmlns:a="http://schemas.openxmlformats.org/drawingml/2006/main" xmlns:r="http://schemas.openxmlformats.org/officeDocument/2006/relationships" xmlns:p="http://schemas.openxmlformats.org/presentationml/2006/main" preserve="1">
-  <p:cSld name="Quote Name Card">
-    <p:spTree>
-      <p:nvGrpSpPr>
-        <p:cNvPr id="1" name=""/>
-        <p:cNvGrpSpPr/>
-        <p:nvPr/>
-      </p:nvGrpSpPr>
-      <p:grpSpPr>
-        <a:xfrm>
-          <a:off x="0" y="0"/>
-          <a:ext cx="0" cy="0"/>
-          <a:chOff x="0" y="0"/>
-          <a:chExt cx="0" cy="0"/>
-        </a:xfrm>
-      </p:grpSpPr>
-      <p:sp>
-        <p:nvSpPr>
-          <p:cNvPr id="2" name="Title 1"/>
-          <p:cNvSpPr>
-            <a:spLocks noGrp="1"/>
-          </p:cNvSpPr>
-          <p:nvPr>
-            <p:ph type="title"/>
-          </p:nvPr>
-        </p:nvSpPr>
-        <p:spPr>
-          <a:xfrm>
-            <a:off x="856060" y="514350"/>
-            <a:ext cx="6858000" cy="2057400"/>
-          </a:xfrm>
-        </p:spPr>
-        <p:txBody>
-          <a:bodyPr anchor="ctr">
-            <a:normAutofit/>
-          </a:bodyPr>
-          <a:lstStyle>
-            <a:lvl1pPr algn="l">
-              <a:defRPr sz="2400" b="0" cap="all">
-                <a:solidFill>
-                  <a:schemeClr val="tx1"/>
-                </a:solidFill>
-              </a:defRPr>
-            </a:lvl1pPr>
-          </a:lstStyle>
-          <a:p>
-            <a:r>
-              <a:rPr lang="en-US" smtClean="0"/>
-              <a:t>Click to edit Master title style</a:t>
-            </a:r>
-            <a:endParaRPr lang="en-US" dirty="0"/>
-          </a:p>
-        </p:txBody>
-      </p:sp>
-      <p:sp>
-        <p:nvSpPr>
-          <p:cNvPr id="10" name="Text Placeholder 9"/>
-          <p:cNvSpPr>
-            <a:spLocks noGrp="1"/>
-          </p:cNvSpPr>
-          <p:nvPr>
-            <p:ph type="body" sz="quarter" idx="13"/>
-          </p:nvPr>
-        </p:nvSpPr>
-        <p:spPr>
-          <a:xfrm>
-            <a:off x="513159" y="2946400"/>
-            <a:ext cx="6400801" cy="787400"/>
-          </a:xfrm>
-        </p:spPr>
-        <p:txBody>
-          <a:bodyPr vert="horz" lIns="91440" tIns="45720" rIns="91440" bIns="45720" rtlCol="0" anchor="b">
-            <a:normAutofit/>
-          </a:bodyPr>
-          <a:lstStyle>
-            <a:lvl1pPr>
-              <a:buNone/>
-              <a:defRPr lang="en-US" sz="1800" b="0" cap="all" dirty="0">
-                <a:ln w="3175" cmpd="sng">
-                  <a:noFill/>
-                </a:ln>
-                <a:solidFill>
-                  <a:schemeClr val="tx1"/>
-                </a:solidFill>
-                <a:effectLst/>
-              </a:defRPr>
-            </a:lvl1pPr>
-          </a:lstStyle>
-          <a:p>
-            <a:pPr marL="0" lvl="0">
-              <a:spcBef>
-                <a:spcPct val="0"/>
-              </a:spcBef>
-              <a:buNone/>
-            </a:pPr>
-            <a:r>
-              <a:rPr lang="en-US" smtClean="0"/>
-              <a:t>Click to edit Master text styles</a:t>
-            </a:r>
-          </a:p>
-        </p:txBody>
-      </p:sp>
-      <p:sp>
-        <p:nvSpPr>
-          <p:cNvPr id="3" name="Text Placeholder 2"/>
-          <p:cNvSpPr>
-            <a:spLocks noGrp="1"/>
-          </p:cNvSpPr>
-          <p:nvPr>
-            <p:ph type="body" idx="1"/>
-          </p:nvPr>
-        </p:nvSpPr>
-        <p:spPr>
-          <a:xfrm>
-            <a:off x="513159" y="3733800"/>
-            <a:ext cx="6400801" cy="762000"/>
-          </a:xfrm>
-        </p:spPr>
-        <p:txBody>
-          <a:bodyPr anchor="t">
-            <a:normAutofit/>
-          </a:bodyPr>
-          <a:lstStyle>
-            <a:lvl1pPr marL="0" indent="0" algn="l">
-              <a:buNone/>
-              <a:defRPr sz="1350">
-                <a:solidFill>
-                  <a:schemeClr val="bg2">
-                    <a:lumMod val="75000"/>
-                  </a:schemeClr>
-                </a:solidFill>
-              </a:defRPr>
-            </a:lvl1pPr>
-            <a:lvl2pPr marL="342900" indent="0">
-              <a:buNone/>
-              <a:defRPr sz="1350">
-                <a:solidFill>
-                  <a:schemeClr val="tx1">
-                    <a:tint val="75000"/>
-                  </a:schemeClr>
-                </a:solidFill>
-              </a:defRPr>
-            </a:lvl2pPr>
-            <a:lvl3pPr marL="685800" indent="0">
-              <a:buNone/>
-              <a:defRPr sz="1200">
-                <a:solidFill>
-                  <a:schemeClr val="tx1">
-                    <a:tint val="75000"/>
-                  </a:schemeClr>
-                </a:solidFill>
-              </a:defRPr>
-            </a:lvl3pPr>
-            <a:lvl4pPr marL="1028700" indent="0">
-              <a:buNone/>
-              <a:defRPr sz="1050">
-                <a:solidFill>
-                  <a:schemeClr val="tx1">
-                    <a:tint val="75000"/>
-                  </a:schemeClr>
-                </a:solidFill>
-              </a:defRPr>
-            </a:lvl4pPr>
-            <a:lvl5pPr marL="1371600" indent="0">
-              <a:buNone/>
-              <a:defRPr sz="1050">
-                <a:solidFill>
-                  <a:schemeClr val="tx1">
-                    <a:tint val="75000"/>
-                  </a:schemeClr>
-                </a:solidFill>
-              </a:defRPr>
-            </a:lvl5pPr>
-            <a:lvl6pPr marL="1714500" indent="0">
-              <a:buNone/>
-              <a:defRPr sz="1050">
-                <a:solidFill>
-                  <a:schemeClr val="tx1">
-                    <a:tint val="75000"/>
-                  </a:schemeClr>
-                </a:solidFill>
-              </a:defRPr>
-            </a:lvl6pPr>
-            <a:lvl7pPr marL="2057400" indent="0">
-              <a:buNone/>
-              <a:defRPr sz="1050">
-                <a:solidFill>
-                  <a:schemeClr val="tx1">
-                    <a:tint val="75000"/>
-                  </a:schemeClr>
-                </a:solidFill>
-              </a:defRPr>
-            </a:lvl7pPr>
-            <a:lvl8pPr marL="2400300" indent="0">
-              <a:buNone/>
-              <a:defRPr sz="1050">
-                <a:solidFill>
-                  <a:schemeClr val="tx1">
-                    <a:tint val="75000"/>
-                  </a:schemeClr>
-                </a:solidFill>
-              </a:defRPr>
-            </a:lvl8pPr>
-            <a:lvl9pPr marL="2743200" indent="0">
-              <a:buNone/>
-              <a:defRPr sz="1050">
-                <a:solidFill>
-                  <a:schemeClr val="tx1">
-                    <a:tint val="75000"/>
-                  </a:schemeClr>
-                </a:solidFill>
-              </a:defRPr>
-            </a:lvl9pPr>
-          </a:lstStyle>
-          <a:p>
-            <a:pPr lvl="0"/>
-            <a:r>
-              <a:rPr lang="en-US" smtClean="0"/>
-              <a:t>Click to edit Master text styles</a:t>
-            </a:r>
-          </a:p>
-        </p:txBody>
-      </p:sp>
-      <p:sp>
-        <p:nvSpPr>
-          <p:cNvPr id="4" name="Date Placeholder 3"/>
-          <p:cNvSpPr>
-            <a:spLocks noGrp="1"/>
-          </p:cNvSpPr>
-          <p:nvPr>
-            <p:ph type="dt" sz="half" idx="10"/>
-          </p:nvPr>
-        </p:nvSpPr>
-        <p:spPr/>
-        <p:txBody>
-          <a:bodyPr/>
-          <a:lstStyle/>
-          <a:p>
-            <a:fld id="{B61BEF0D-F0BB-DE4B-95CE-6DB70DBA9567}" type="datetimeFigureOut">
-              <a:rPr lang="en-US" smtClean="0"/>
-              <a:pPr/>
-              <a:t>4/9/2015</a:t>
-            </a:fld>
-            <a:endParaRPr lang="en-US" dirty="0"/>
-          </a:p>
-        </p:txBody>
-      </p:sp>
-      <p:sp>
-        <p:nvSpPr>
-          <p:cNvPr id="5" name="Footer Placeholder 4"/>
-          <p:cNvSpPr>
-            <a:spLocks noGrp="1"/>
-          </p:cNvSpPr>
-          <p:nvPr>
-            <p:ph type="ftr" sz="quarter" idx="11"/>
-          </p:nvPr>
-        </p:nvSpPr>
-        <p:spPr/>
-        <p:txBody>
-          <a:bodyPr/>
-          <a:lstStyle/>
-          <a:p>
-            <a:endParaRPr lang="en-US" dirty="0"/>
-          </a:p>
-        </p:txBody>
-      </p:sp>
-      <p:sp>
-        <p:nvSpPr>
-          <p:cNvPr id="6" name="Slide Number Placeholder 5"/>
-          <p:cNvSpPr>
-            <a:spLocks noGrp="1"/>
-          </p:cNvSpPr>
-          <p:nvPr>
-            <p:ph type="sldNum" sz="quarter" idx="12"/>
-          </p:nvPr>
-        </p:nvSpPr>
-        <p:spPr/>
-        <p:txBody>
-          <a:bodyPr/>
-          <a:lstStyle/>
-          <a:p>
-            <a:pPr>
-              <a:spcBef>
-                <a:spcPts val="0"/>
-              </a:spcBef>
-              <a:buNone/>
-            </a:pPr>
-            <a:fld id="{00000000-1234-1234-1234-123412341234}" type="slidenum">
-              <a:rPr lang="en-GB" smtClean="0"/>
-              <a:t>‹#›</a:t>
-            </a:fld>
-            <a:endParaRPr lang="en-GB"/>
-          </a:p>
-        </p:txBody>
-      </p:sp>
-      <p:sp>
-        <p:nvSpPr>
-          <p:cNvPr id="11" name="TextBox 10"/>
-          <p:cNvSpPr txBox="1"/>
-          <p:nvPr/>
-        </p:nvSpPr>
-        <p:spPr>
-          <a:xfrm>
-            <a:off x="398859" y="609167"/>
-            <a:ext cx="457200" cy="438582"/>
-          </a:xfrm>
-          <a:prstGeom prst="rect">
-            <a:avLst/>
-          </a:prstGeom>
-        </p:spPr>
-        <p:txBody>
-          <a:bodyPr vert="horz" lIns="68580" tIns="34290" rIns="68580" bIns="34290" rtlCol="0" anchor="ctr">
-            <a:noAutofit/>
-          </a:bodyPr>
-          <a:lstStyle/>
-          <a:p>
-            <a:pPr lvl="0"/>
-            <a:r>
-              <a:rPr lang="en-US" sz="6000" dirty="0">
-                <a:solidFill>
-                  <a:schemeClr val="tx1"/>
-                </a:solidFill>
-                <a:effectLst/>
-              </a:rPr>
-              <a:t>“</a:t>
-            </a:r>
-          </a:p>
-        </p:txBody>
-      </p:sp>
-      <p:sp>
-        <p:nvSpPr>
-          <p:cNvPr id="12" name="TextBox 11"/>
-          <p:cNvSpPr txBox="1"/>
-          <p:nvPr/>
-        </p:nvSpPr>
-        <p:spPr>
-          <a:xfrm>
-            <a:off x="7714059" y="2076451"/>
-            <a:ext cx="457200" cy="438582"/>
-          </a:xfrm>
-          <a:prstGeom prst="rect">
-            <a:avLst/>
-          </a:prstGeom>
-        </p:spPr>
-        <p:txBody>
-          <a:bodyPr vert="horz" lIns="68580" tIns="34290" rIns="68580" bIns="34290" rtlCol="0" anchor="ctr">
-            <a:noAutofit/>
-          </a:bodyPr>
-          <a:lstStyle/>
-          <a:p>
-            <a:pPr lvl="0" algn="r"/>
-            <a:r>
-              <a:rPr lang="en-US" sz="6000" dirty="0">
-                <a:solidFill>
-                  <a:schemeClr val="tx1"/>
-                </a:solidFill>
-                <a:effectLst/>
-              </a:rPr>
-              <a:t>”</a:t>
-            </a:r>
-          </a:p>
-        </p:txBody>
-      </p:sp>
-    </p:spTree>
-    <p:extLst>
-      <p:ext uri="{BB962C8B-B14F-4D97-AF65-F5344CB8AC3E}">
-        <p14:creationId xmlns:p14="http://schemas.microsoft.com/office/powerpoint/2010/main" val="868804597"/>
-      </p:ext>
-    </p:extLst>
-  </p:cSld>
-  <p:clrMapOvr>
-    <a:masterClrMapping/>
-  </p:clrMapOvr>
-  <p:hf sldNum="0" hdr="0" ftr="0" dt="0"/>
-</p:sldLayout>
-</file>
-
-<file path=ppt/slideLayouts/slideLayout15.xml><?xml version="1.0" encoding="utf-8"?>
-<p:sldLayout xmlns:a="http://schemas.openxmlformats.org/drawingml/2006/main" xmlns:r="http://schemas.openxmlformats.org/officeDocument/2006/relationships" xmlns:p="http://schemas.openxmlformats.org/presentationml/2006/main" preserve="1">
-  <p:cSld name="True or False">
-    <p:spTree>
-      <p:nvGrpSpPr>
-        <p:cNvPr id="1" name=""/>
-        <p:cNvGrpSpPr/>
-        <p:nvPr/>
-      </p:nvGrpSpPr>
-      <p:grpSpPr>
-        <a:xfrm>
-          <a:off x="0" y="0"/>
-          <a:ext cx="0" cy="0"/>
-          <a:chOff x="0" y="0"/>
-          <a:chExt cx="0" cy="0"/>
-        </a:xfrm>
-      </p:grpSpPr>
-      <p:sp>
-        <p:nvSpPr>
-          <p:cNvPr id="2" name="Title 1"/>
-          <p:cNvSpPr>
-            <a:spLocks noGrp="1"/>
-          </p:cNvSpPr>
-          <p:nvPr>
-            <p:ph type="title"/>
-          </p:nvPr>
-        </p:nvSpPr>
-        <p:spPr>
-          <a:xfrm>
-            <a:off x="513160" y="514350"/>
-            <a:ext cx="7543800" cy="2057400"/>
-          </a:xfrm>
-        </p:spPr>
-        <p:txBody>
-          <a:bodyPr vert="horz" lIns="91440" tIns="45720" rIns="91440" bIns="45720" rtlCol="0" anchor="ctr">
-            <a:normAutofit/>
-          </a:bodyPr>
-          <a:lstStyle>
-            <a:lvl1pPr>
-              <a:defRPr lang="en-US" b="0" dirty="0"/>
-            </a:lvl1pPr>
-          </a:lstStyle>
-          <a:p>
-            <a:pPr marL="0" lvl="0"/>
-            <a:r>
-              <a:rPr lang="en-US" smtClean="0"/>
-              <a:t>Click to edit Master title style</a:t>
-            </a:r>
-            <a:endParaRPr lang="en-US" dirty="0"/>
-          </a:p>
-        </p:txBody>
-      </p:sp>
-      <p:sp>
-        <p:nvSpPr>
-          <p:cNvPr id="10" name="Text Placeholder 9"/>
-          <p:cNvSpPr>
-            <a:spLocks noGrp="1"/>
-          </p:cNvSpPr>
-          <p:nvPr>
-            <p:ph type="body" sz="quarter" idx="13"/>
-          </p:nvPr>
-        </p:nvSpPr>
-        <p:spPr>
-          <a:xfrm>
-            <a:off x="513159" y="2946401"/>
-            <a:ext cx="6400800" cy="628650"/>
-          </a:xfrm>
-        </p:spPr>
-        <p:txBody>
-          <a:bodyPr vert="horz" lIns="91440" tIns="45720" rIns="91440" bIns="45720" rtlCol="0" anchor="b">
-            <a:normAutofit/>
-          </a:bodyPr>
-          <a:lstStyle>
-            <a:lvl1pPr>
-              <a:buNone/>
-              <a:defRPr lang="en-US" sz="1800" b="0" cap="all" dirty="0">
-                <a:ln w="3175" cmpd="sng">
-                  <a:noFill/>
-                </a:ln>
-                <a:solidFill>
-                  <a:schemeClr val="tx1"/>
-                </a:solidFill>
-                <a:effectLst/>
-              </a:defRPr>
-            </a:lvl1pPr>
-          </a:lstStyle>
-          <a:p>
-            <a:pPr marL="0" lvl="0">
-              <a:spcBef>
-                <a:spcPct val="0"/>
-              </a:spcBef>
-              <a:buNone/>
-            </a:pPr>
-            <a:r>
-              <a:rPr lang="en-US" smtClean="0"/>
-              <a:t>Click to edit Master text styles</a:t>
-            </a:r>
-          </a:p>
-        </p:txBody>
-      </p:sp>
-      <p:sp>
-        <p:nvSpPr>
-          <p:cNvPr id="3" name="Text Placeholder 2"/>
-          <p:cNvSpPr>
-            <a:spLocks noGrp="1"/>
-          </p:cNvSpPr>
-          <p:nvPr>
-            <p:ph type="body" idx="1"/>
-          </p:nvPr>
-        </p:nvSpPr>
-        <p:spPr>
-          <a:xfrm>
-            <a:off x="513159" y="3575049"/>
-            <a:ext cx="6400801" cy="920750"/>
-          </a:xfrm>
-        </p:spPr>
-        <p:txBody>
-          <a:bodyPr anchor="t">
-            <a:normAutofit/>
-          </a:bodyPr>
-          <a:lstStyle>
-            <a:lvl1pPr marL="0" indent="0" algn="l">
-              <a:buNone/>
-              <a:defRPr sz="1350">
-                <a:solidFill>
-                  <a:schemeClr val="bg2">
-                    <a:lumMod val="75000"/>
-                  </a:schemeClr>
-                </a:solidFill>
-              </a:defRPr>
-            </a:lvl1pPr>
-            <a:lvl2pPr marL="342900" indent="0">
-              <a:buNone/>
-              <a:defRPr sz="1350">
-                <a:solidFill>
-                  <a:schemeClr val="tx1">
-                    <a:tint val="75000"/>
-                  </a:schemeClr>
-                </a:solidFill>
-              </a:defRPr>
-            </a:lvl2pPr>
-            <a:lvl3pPr marL="685800" indent="0">
-              <a:buNone/>
-              <a:defRPr sz="1200">
-                <a:solidFill>
-                  <a:schemeClr val="tx1">
-                    <a:tint val="75000"/>
-                  </a:schemeClr>
-                </a:solidFill>
-              </a:defRPr>
-            </a:lvl3pPr>
-            <a:lvl4pPr marL="1028700" indent="0">
-              <a:buNone/>
-              <a:defRPr sz="1050">
-                <a:solidFill>
-                  <a:schemeClr val="tx1">
-                    <a:tint val="75000"/>
-                  </a:schemeClr>
-                </a:solidFill>
-              </a:defRPr>
-            </a:lvl4pPr>
-            <a:lvl5pPr marL="1371600" indent="0">
-              <a:buNone/>
-              <a:defRPr sz="1050">
-                <a:solidFill>
-                  <a:schemeClr val="tx1">
-                    <a:tint val="75000"/>
-                  </a:schemeClr>
-                </a:solidFill>
-              </a:defRPr>
-            </a:lvl5pPr>
-            <a:lvl6pPr marL="1714500" indent="0">
-              <a:buNone/>
-              <a:defRPr sz="1050">
-                <a:solidFill>
-                  <a:schemeClr val="tx1">
-                    <a:tint val="75000"/>
-                  </a:schemeClr>
-                </a:solidFill>
-              </a:defRPr>
-            </a:lvl6pPr>
-            <a:lvl7pPr marL="2057400" indent="0">
-              <a:buNone/>
-              <a:defRPr sz="1050">
-                <a:solidFill>
-                  <a:schemeClr val="tx1">
-                    <a:tint val="75000"/>
-                  </a:schemeClr>
-                </a:solidFill>
-              </a:defRPr>
-            </a:lvl7pPr>
-            <a:lvl8pPr marL="2400300" indent="0">
-              <a:buNone/>
-              <a:defRPr sz="1050">
-                <a:solidFill>
-                  <a:schemeClr val="tx1">
-                    <a:tint val="75000"/>
-                  </a:schemeClr>
-                </a:solidFill>
-              </a:defRPr>
-            </a:lvl8pPr>
-            <a:lvl9pPr marL="2743200" indent="0">
-              <a:buNone/>
-              <a:defRPr sz="1050">
-                <a:solidFill>
-                  <a:schemeClr val="tx1">
-                    <a:tint val="75000"/>
-                  </a:schemeClr>
-                </a:solidFill>
-              </a:defRPr>
-            </a:lvl9pPr>
-          </a:lstStyle>
-          <a:p>
-            <a:pPr lvl="0"/>
-            <a:r>
-              <a:rPr lang="en-US" smtClean="0"/>
-              <a:t>Click to edit Master text styles</a:t>
-            </a:r>
-          </a:p>
-        </p:txBody>
-      </p:sp>
-      <p:sp>
-        <p:nvSpPr>
-          <p:cNvPr id="4" name="Date Placeholder 3"/>
-          <p:cNvSpPr>
-            <a:spLocks noGrp="1"/>
-          </p:cNvSpPr>
-          <p:nvPr>
-            <p:ph type="dt" sz="half" idx="10"/>
-          </p:nvPr>
-        </p:nvSpPr>
-        <p:spPr/>
-        <p:txBody>
-          <a:bodyPr/>
-          <a:lstStyle/>
-          <a:p>
-            <a:fld id="{B61BEF0D-F0BB-DE4B-95CE-6DB70DBA9567}" type="datetimeFigureOut">
-              <a:rPr lang="en-US" smtClean="0"/>
-              <a:pPr/>
-              <a:t>4/9/2015</a:t>
-            </a:fld>
-            <a:endParaRPr lang="en-US" dirty="0"/>
-          </a:p>
-        </p:txBody>
-      </p:sp>
-      <p:sp>
-        <p:nvSpPr>
-          <p:cNvPr id="5" name="Footer Placeholder 4"/>
-          <p:cNvSpPr>
-            <a:spLocks noGrp="1"/>
-          </p:cNvSpPr>
-          <p:nvPr>
-            <p:ph type="ftr" sz="quarter" idx="11"/>
-          </p:nvPr>
-        </p:nvSpPr>
-        <p:spPr/>
-        <p:txBody>
-          <a:bodyPr/>
-          <a:lstStyle/>
-          <a:p>
-            <a:endParaRPr lang="en-US" dirty="0"/>
-          </a:p>
-        </p:txBody>
-      </p:sp>
-      <p:sp>
-        <p:nvSpPr>
-          <p:cNvPr id="6" name="Slide Number Placeholder 5"/>
-          <p:cNvSpPr>
-            <a:spLocks noGrp="1"/>
-          </p:cNvSpPr>
-          <p:nvPr>
-            <p:ph type="sldNum" sz="quarter" idx="12"/>
-          </p:nvPr>
-        </p:nvSpPr>
-        <p:spPr/>
-        <p:txBody>
-          <a:bodyPr/>
-          <a:lstStyle/>
-          <a:p>
-            <a:pPr>
-              <a:spcBef>
-                <a:spcPts val="0"/>
-              </a:spcBef>
-              <a:buNone/>
-            </a:pPr>
-            <a:fld id="{00000000-1234-1234-1234-123412341234}" type="slidenum">
-              <a:rPr lang="en-GB" smtClean="0"/>
-              <a:t>‹#›</a:t>
-            </a:fld>
-            <a:endParaRPr lang="en-GB"/>
-          </a:p>
-        </p:txBody>
-      </p:sp>
-    </p:spTree>
-    <p:extLst>
-      <p:ext uri="{BB962C8B-B14F-4D97-AF65-F5344CB8AC3E}">
-        <p14:creationId xmlns:p14="http://schemas.microsoft.com/office/powerpoint/2010/main" val="3716286826"/>
-      </p:ext>
-    </p:extLst>
-  </p:cSld>
-  <p:clrMapOvr>
-    <a:masterClrMapping/>
-  </p:clrMapOvr>
-  <p:hf sldNum="0" hdr="0" ftr="0" dt="0"/>
-</p:sldLayout>
-</file>
-
-<file path=ppt/slideLayouts/slideLayout16.xml><?xml version="1.0" encoding="utf-8"?>
 <p:sldLayout xmlns:a="http://schemas.openxmlformats.org/drawingml/2006/main" xmlns:r="http://schemas.openxmlformats.org/officeDocument/2006/relationships" xmlns:p="http://schemas.openxmlformats.org/presentationml/2006/main" type="vertTx" preserve="1">
   <p:cSld name="Title and Vertical Text">
     <p:spTree>
@@ -3282,17 +1245,13 @@
         <p:spPr/>
         <p:txBody>
           <a:bodyPr/>
-          <a:lstStyle>
-            <a:lvl1pPr algn="l">
-              <a:defRPr/>
-            </a:lvl1pPr>
-          </a:lstStyle>
+          <a:lstStyle/>
           <a:p>
             <a:r>
               <a:rPr lang="en-US" smtClean="0"/>
               <a:t>Click to edit Master title style</a:t>
             </a:r>
-            <a:endParaRPr lang="en-US" dirty="0"/>
+            <a:endParaRPr lang="en-IN"/>
           </a:p>
         </p:txBody>
       </p:sp>
@@ -3308,7 +1267,7 @@
         </p:nvSpPr>
         <p:spPr/>
         <p:txBody>
-          <a:bodyPr vert="eaVert" anchor="t"/>
+          <a:bodyPr vert="eaVert"/>
           <a:lstStyle/>
           <a:p>
             <a:pPr lvl="0"/>
@@ -3344,7 +1303,7 @@
               <a:rPr lang="en-US" smtClean="0"/>
               <a:t>Fifth level</a:t>
             </a:r>
-            <a:endParaRPr lang="en-US" dirty="0"/>
+            <a:endParaRPr lang="en-IN"/>
           </a:p>
         </p:txBody>
       </p:sp>
@@ -3366,7 +1325,7 @@
             <a:fld id="{B61BEF0D-F0BB-DE4B-95CE-6DB70DBA9567}" type="datetimeFigureOut">
               <a:rPr lang="en-US" smtClean="0"/>
               <a:pPr/>
-              <a:t>4/9/2015</a:t>
+              <a:t>4/13/2015</a:t>
             </a:fld>
             <a:endParaRPr lang="en-US" dirty="0"/>
           </a:p>
@@ -3423,7 +1382,7 @@
     </p:spTree>
     <p:extLst>
       <p:ext uri="{BB962C8B-B14F-4D97-AF65-F5344CB8AC3E}">
-        <p14:creationId xmlns:p14="http://schemas.microsoft.com/office/powerpoint/2010/main" val="2250963347"/>
+        <p14:creationId xmlns:p14="http://schemas.microsoft.com/office/powerpoint/2010/main" val="3458050196"/>
       </p:ext>
     </p:extLst>
   </p:cSld>
@@ -3434,7 +1393,7 @@
 </p:sldLayout>
 </file>
 
-<file path=ppt/slideLayouts/slideLayout17.xml><?xml version="1.0" encoding="utf-8"?>
+<file path=ppt/slideLayouts/slideLayout11.xml><?xml version="1.0" encoding="utf-8"?>
 <p:sldLayout xmlns:a="http://schemas.openxmlformats.org/drawingml/2006/main" xmlns:r="http://schemas.openxmlformats.org/officeDocument/2006/relationships" xmlns:p="http://schemas.openxmlformats.org/presentationml/2006/main" type="vertTitleAndTx" preserve="1">
   <p:cSld name="Vertical Title and Text">
     <p:spTree>
@@ -3463,8 +1422,8 @@
         </p:nvSpPr>
         <p:spPr>
           <a:xfrm>
-            <a:off x="6513909" y="514350"/>
-            <a:ext cx="1543050" cy="3429000"/>
+            <a:off x="6629400" y="154783"/>
+            <a:ext cx="2057400" cy="3290888"/>
           </a:xfrm>
         </p:spPr>
         <p:txBody>
@@ -3475,7 +1434,7 @@
               <a:rPr lang="en-US" smtClean="0"/>
               <a:t>Click to edit Master title style</a:t>
             </a:r>
-            <a:endParaRPr lang="en-US" dirty="0"/>
+            <a:endParaRPr lang="en-IN"/>
           </a:p>
         </p:txBody>
       </p:sp>
@@ -3491,12 +1450,12 @@
         </p:nvSpPr>
         <p:spPr>
           <a:xfrm>
-            <a:off x="514350" y="514350"/>
-            <a:ext cx="5867400" cy="3981450"/>
+            <a:off x="457200" y="154783"/>
+            <a:ext cx="6019800" cy="3290888"/>
           </a:xfrm>
         </p:spPr>
         <p:txBody>
-          <a:bodyPr vert="eaVert" anchor="t"/>
+          <a:bodyPr vert="eaVert"/>
           <a:lstStyle/>
           <a:p>
             <a:pPr lvl="0"/>
@@ -3532,7 +1491,7 @@
               <a:rPr lang="en-US" smtClean="0"/>
               <a:t>Fifth level</a:t>
             </a:r>
-            <a:endParaRPr lang="en-US" dirty="0"/>
+            <a:endParaRPr lang="en-IN"/>
           </a:p>
         </p:txBody>
       </p:sp>
@@ -3554,7 +1513,7 @@
             <a:fld id="{B61BEF0D-F0BB-DE4B-95CE-6DB70DBA9567}" type="datetimeFigureOut">
               <a:rPr lang="en-US" smtClean="0"/>
               <a:pPr/>
-              <a:t>4/9/2015</a:t>
+              <a:t>4/13/2015</a:t>
             </a:fld>
             <a:endParaRPr lang="en-US" dirty="0"/>
           </a:p>
@@ -3611,7 +1570,7 @@
     </p:spTree>
     <p:extLst>
       <p:ext uri="{BB962C8B-B14F-4D97-AF65-F5344CB8AC3E}">
-        <p14:creationId xmlns:p14="http://schemas.microsoft.com/office/powerpoint/2010/main" val="4044821678"/>
+        <p14:creationId xmlns:p14="http://schemas.microsoft.com/office/powerpoint/2010/main" val="422710360"/>
       </p:ext>
     </p:extLst>
   </p:cSld>
@@ -3622,7 +1581,7 @@
 </p:sldLayout>
 </file>
 
-<file path=ppt/slideLayouts/slideLayout18.xml><?xml version="1.0" encoding="utf-8"?>
+<file path=ppt/slideLayouts/slideLayout12.xml><?xml version="1.0" encoding="utf-8"?>
 <p:sldLayout xmlns:a="http://schemas.openxmlformats.org/drawingml/2006/main" xmlns:r="http://schemas.openxmlformats.org/officeDocument/2006/relationships" xmlns:p="http://schemas.openxmlformats.org/presentationml/2006/main" type="tx">
   <p:cSld name="Title and Body">
     <p:spTree>
@@ -3899,7 +1858,7 @@
               <a:rPr lang="en-US" smtClean="0"/>
               <a:t>Click to edit Master title style</a:t>
             </a:r>
-            <a:endParaRPr lang="en-US" dirty="0"/>
+            <a:endParaRPr lang="en-IN"/>
           </a:p>
         </p:txBody>
       </p:sp>
@@ -3915,7 +1874,7 @@
         </p:nvSpPr>
         <p:spPr/>
         <p:txBody>
-          <a:bodyPr anchor="ctr"/>
+          <a:bodyPr/>
           <a:lstStyle/>
           <a:p>
             <a:pPr lvl="0"/>
@@ -3951,7 +1910,7 @@
               <a:rPr lang="en-US" smtClean="0"/>
               <a:t>Fifth level</a:t>
             </a:r>
-            <a:endParaRPr lang="en-US" dirty="0"/>
+            <a:endParaRPr lang="en-IN"/>
           </a:p>
         </p:txBody>
       </p:sp>
@@ -3972,7 +1931,7 @@
           <a:p>
             <a:fld id="{52647F38-B617-4D2F-AE0A-013F0C4D2C57}" type="datetimeFigureOut">
               <a:rPr lang="en-US" smtClean="0"/>
-              <a:t>4/9/2015</a:t>
+              <a:t>4/13/2015</a:t>
             </a:fld>
             <a:endParaRPr lang="en-US" dirty="0"/>
           </a:p>
@@ -4029,7 +1988,7 @@
     </p:spTree>
     <p:extLst>
       <p:ext uri="{BB962C8B-B14F-4D97-AF65-F5344CB8AC3E}">
-        <p14:creationId xmlns:p14="http://schemas.microsoft.com/office/powerpoint/2010/main" val="882252299"/>
+        <p14:creationId xmlns:p14="http://schemas.microsoft.com/office/powerpoint/2010/main" val="3629961461"/>
       </p:ext>
     </p:extLst>
   </p:cSld>
@@ -4069,17 +2028,15 @@
         </p:nvSpPr>
         <p:spPr>
           <a:xfrm>
-            <a:off x="513159" y="1504950"/>
-            <a:ext cx="6400801" cy="1711200"/>
+            <a:off x="722313" y="3305176"/>
+            <a:ext cx="7772400" cy="1021556"/>
           </a:xfrm>
         </p:spPr>
         <p:txBody>
-          <a:bodyPr anchor="b">
-            <a:normAutofit/>
-          </a:bodyPr>
+          <a:bodyPr anchor="t"/>
           <a:lstStyle>
             <a:lvl1pPr algn="l">
-              <a:defRPr sz="2700" b="0" cap="all"/>
+              <a:defRPr sz="4000" b="1" cap="all"/>
             </a:lvl1pPr>
           </a:lstStyle>
           <a:p>
@@ -4087,7 +2044,7 @@
               <a:rPr lang="en-US" smtClean="0"/>
               <a:t>Click to edit Master title style</a:t>
             </a:r>
-            <a:endParaRPr lang="en-US" dirty="0"/>
+            <a:endParaRPr lang="en-IN"/>
           </a:p>
         </p:txBody>
       </p:sp>
@@ -4103,104 +2060,102 @@
         </p:nvSpPr>
         <p:spPr>
           <a:xfrm>
-            <a:off x="513160" y="3371850"/>
-            <a:ext cx="6400800" cy="1123950"/>
+            <a:off x="722313" y="2180035"/>
+            <a:ext cx="7772400" cy="1125140"/>
           </a:xfrm>
         </p:spPr>
         <p:txBody>
-          <a:bodyPr anchor="t">
-            <a:normAutofit/>
-          </a:bodyPr>
+          <a:bodyPr anchor="b"/>
           <a:lstStyle>
-            <a:lvl1pPr marL="0" indent="0" algn="l">
-              <a:buNone/>
-              <a:defRPr sz="1350">
-                <a:solidFill>
-                  <a:schemeClr val="bg2">
-                    <a:lumMod val="75000"/>
-                  </a:schemeClr>
-                </a:solidFill>
-              </a:defRPr>
-            </a:lvl1pPr>
-            <a:lvl2pPr marL="342900" indent="0">
-              <a:buNone/>
-              <a:defRPr sz="1350">
+            <a:lvl1pPr marL="0" indent="0">
+              <a:buNone/>
+              <a:defRPr sz="2000">
                 <a:solidFill>
                   <a:schemeClr val="tx1">
                     <a:tint val="75000"/>
                   </a:schemeClr>
                 </a:solidFill>
               </a:defRPr>
-            </a:lvl2pPr>
-            <a:lvl3pPr marL="685800" indent="0">
-              <a:buNone/>
-              <a:defRPr sz="1200">
+            </a:lvl1pPr>
+            <a:lvl2pPr marL="457200" indent="0">
+              <a:buNone/>
+              <a:defRPr sz="1800">
                 <a:solidFill>
                   <a:schemeClr val="tx1">
                     <a:tint val="75000"/>
                   </a:schemeClr>
                 </a:solidFill>
               </a:defRPr>
-            </a:lvl3pPr>
-            <a:lvl4pPr marL="1028700" indent="0">
-              <a:buNone/>
-              <a:defRPr sz="1050">
+            </a:lvl2pPr>
+            <a:lvl3pPr marL="914400" indent="0">
+              <a:buNone/>
+              <a:defRPr sz="1600">
                 <a:solidFill>
                   <a:schemeClr val="tx1">
                     <a:tint val="75000"/>
                   </a:schemeClr>
                 </a:solidFill>
               </a:defRPr>
-            </a:lvl4pPr>
-            <a:lvl5pPr marL="1371600" indent="0">
-              <a:buNone/>
-              <a:defRPr sz="1050">
+            </a:lvl3pPr>
+            <a:lvl4pPr marL="1371600" indent="0">
+              <a:buNone/>
+              <a:defRPr sz="1400">
                 <a:solidFill>
                   <a:schemeClr val="tx1">
                     <a:tint val="75000"/>
                   </a:schemeClr>
                 </a:solidFill>
               </a:defRPr>
-            </a:lvl5pPr>
-            <a:lvl6pPr marL="1714500" indent="0">
-              <a:buNone/>
-              <a:defRPr sz="1050">
+            </a:lvl4pPr>
+            <a:lvl5pPr marL="1828800" indent="0">
+              <a:buNone/>
+              <a:defRPr sz="1400">
                 <a:solidFill>
                   <a:schemeClr val="tx1">
                     <a:tint val="75000"/>
                   </a:schemeClr>
                 </a:solidFill>
               </a:defRPr>
-            </a:lvl6pPr>
-            <a:lvl7pPr marL="2057400" indent="0">
-              <a:buNone/>
-              <a:defRPr sz="1050">
+            </a:lvl5pPr>
+            <a:lvl6pPr marL="2286000" indent="0">
+              <a:buNone/>
+              <a:defRPr sz="1400">
                 <a:solidFill>
                   <a:schemeClr val="tx1">
                     <a:tint val="75000"/>
                   </a:schemeClr>
                 </a:solidFill>
               </a:defRPr>
-            </a:lvl7pPr>
-            <a:lvl8pPr marL="2400300" indent="0">
-              <a:buNone/>
-              <a:defRPr sz="1050">
+            </a:lvl6pPr>
+            <a:lvl7pPr marL="2743200" indent="0">
+              <a:buNone/>
+              <a:defRPr sz="1400">
                 <a:solidFill>
                   <a:schemeClr val="tx1">
                     <a:tint val="75000"/>
                   </a:schemeClr>
                 </a:solidFill>
               </a:defRPr>
-            </a:lvl8pPr>
-            <a:lvl9pPr marL="2743200" indent="0">
-              <a:buNone/>
-              <a:defRPr sz="1050">
+            </a:lvl7pPr>
+            <a:lvl8pPr marL="3200400" indent="0">
+              <a:buNone/>
+              <a:defRPr sz="1400">
                 <a:solidFill>
                   <a:schemeClr val="tx1">
                     <a:tint val="75000"/>
                   </a:schemeClr>
                 </a:solidFill>
               </a:defRPr>
+            </a:lvl8pPr>
+            <a:lvl9pPr marL="3657600" indent="0">
+              <a:buNone/>
+              <a:defRPr sz="1400">
+                <a:solidFill>
+                  <a:schemeClr val="tx1">
+                    <a:tint val="75000"/>
+                  </a:schemeClr>
+                </a:solidFill>
+              </a:defRPr>
             </a:lvl9pPr>
           </a:lstStyle>
           <a:p>
@@ -4230,7 +2185,7 @@
             <a:fld id="{B61BEF0D-F0BB-DE4B-95CE-6DB70DBA9567}" type="datetimeFigureOut">
               <a:rPr lang="en-US" smtClean="0"/>
               <a:pPr/>
-              <a:t>4/9/2015</a:t>
+              <a:t>4/13/2015</a:t>
             </a:fld>
             <a:endParaRPr lang="en-US" dirty="0"/>
           </a:p>
@@ -4287,7 +2242,7 @@
     </p:spTree>
     <p:extLst>
       <p:ext uri="{BB962C8B-B14F-4D97-AF65-F5344CB8AC3E}">
-        <p14:creationId xmlns:p14="http://schemas.microsoft.com/office/powerpoint/2010/main" val="861582538"/>
+        <p14:creationId xmlns:p14="http://schemas.microsoft.com/office/powerpoint/2010/main" val="322314007"/>
       </p:ext>
     </p:extLst>
   </p:cSld>
@@ -4334,7 +2289,7 @@
               <a:rPr lang="en-US" smtClean="0"/>
               <a:t>Click to edit Master title style</a:t>
             </a:r>
-            <a:endParaRPr lang="en-US" dirty="0"/>
+            <a:endParaRPr lang="en-IN"/>
           </a:p>
         </p:txBody>
       </p:sp>
@@ -4350,15 +2305,41 @@
         </p:nvSpPr>
         <p:spPr>
           <a:xfrm>
-            <a:off x="513159" y="514351"/>
-            <a:ext cx="3703241" cy="2711450"/>
+            <a:off x="457200" y="900115"/>
+            <a:ext cx="4038600" cy="2545556"/>
           </a:xfrm>
         </p:spPr>
         <p:txBody>
-          <a:bodyPr>
-            <a:normAutofit/>
-          </a:bodyPr>
-          <a:lstStyle/>
+          <a:bodyPr/>
+          <a:lstStyle>
+            <a:lvl1pPr>
+              <a:defRPr sz="2800"/>
+            </a:lvl1pPr>
+            <a:lvl2pPr>
+              <a:defRPr sz="2400"/>
+            </a:lvl2pPr>
+            <a:lvl3pPr>
+              <a:defRPr sz="2000"/>
+            </a:lvl3pPr>
+            <a:lvl4pPr>
+              <a:defRPr sz="1800"/>
+            </a:lvl4pPr>
+            <a:lvl5pPr>
+              <a:defRPr sz="1800"/>
+            </a:lvl5pPr>
+            <a:lvl6pPr>
+              <a:defRPr sz="1800"/>
+            </a:lvl6pPr>
+            <a:lvl7pPr>
+              <a:defRPr sz="1800"/>
+            </a:lvl7pPr>
+            <a:lvl8pPr>
+              <a:defRPr sz="1800"/>
+            </a:lvl8pPr>
+            <a:lvl9pPr>
+              <a:defRPr sz="1800"/>
+            </a:lvl9pPr>
+          </a:lstStyle>
           <a:p>
             <a:pPr lvl="0"/>
             <a:r>
@@ -4393,7 +2374,7 @@
               <a:rPr lang="en-US" smtClean="0"/>
               <a:t>Fifth level</a:t>
             </a:r>
-            <a:endParaRPr lang="en-US" dirty="0"/>
+            <a:endParaRPr lang="en-IN"/>
           </a:p>
         </p:txBody>
       </p:sp>
@@ -4409,15 +2390,41 @@
         </p:nvSpPr>
         <p:spPr>
           <a:xfrm>
-            <a:off x="4356100" y="514351"/>
-            <a:ext cx="3700859" cy="2711450"/>
+            <a:off x="4648200" y="900115"/>
+            <a:ext cx="4038600" cy="2545556"/>
           </a:xfrm>
         </p:spPr>
         <p:txBody>
-          <a:bodyPr>
-            <a:normAutofit/>
-          </a:bodyPr>
-          <a:lstStyle/>
+          <a:bodyPr/>
+          <a:lstStyle>
+            <a:lvl1pPr>
+              <a:defRPr sz="2800"/>
+            </a:lvl1pPr>
+            <a:lvl2pPr>
+              <a:defRPr sz="2400"/>
+            </a:lvl2pPr>
+            <a:lvl3pPr>
+              <a:defRPr sz="2000"/>
+            </a:lvl3pPr>
+            <a:lvl4pPr>
+              <a:defRPr sz="1800"/>
+            </a:lvl4pPr>
+            <a:lvl5pPr>
+              <a:defRPr sz="1800"/>
+            </a:lvl5pPr>
+            <a:lvl6pPr>
+              <a:defRPr sz="1800"/>
+            </a:lvl6pPr>
+            <a:lvl7pPr>
+              <a:defRPr sz="1800"/>
+            </a:lvl7pPr>
+            <a:lvl8pPr>
+              <a:defRPr sz="1800"/>
+            </a:lvl8pPr>
+            <a:lvl9pPr>
+              <a:defRPr sz="1800"/>
+            </a:lvl9pPr>
+          </a:lstStyle>
           <a:p>
             <a:pPr lvl="0"/>
             <a:r>
@@ -4452,7 +2459,7 @@
               <a:rPr lang="en-US" smtClean="0"/>
               <a:t>Fifth level</a:t>
             </a:r>
-            <a:endParaRPr lang="en-US" dirty="0"/>
+            <a:endParaRPr lang="en-IN"/>
           </a:p>
         </p:txBody>
       </p:sp>
@@ -4473,7 +2480,7 @@
           <a:p>
             <a:fld id="{05BFA754-D5C3-4E66-96A6-867B257F58DC}" type="datetimeFigureOut">
               <a:rPr lang="en-US" smtClean="0"/>
-              <a:t>4/9/2015</a:t>
+              <a:t>4/13/2015</a:t>
             </a:fld>
             <a:endParaRPr lang="en-US" dirty="0"/>
           </a:p>
@@ -4530,7 +2537,7 @@
     </p:spTree>
     <p:extLst>
       <p:ext uri="{BB962C8B-B14F-4D97-AF65-F5344CB8AC3E}">
-        <p14:creationId xmlns:p14="http://schemas.microsoft.com/office/powerpoint/2010/main" val="2208694443"/>
+        <p14:creationId xmlns:p14="http://schemas.microsoft.com/office/powerpoint/2010/main" val="720017794"/>
       </p:ext>
     </p:extLst>
   </p:cSld>
@@ -4568,7 +2575,12 @@
             <p:ph type="title"/>
           </p:nvPr>
         </p:nvSpPr>
-        <p:spPr/>
+        <p:spPr>
+          <a:xfrm>
+            <a:off x="457200" y="205979"/>
+            <a:ext cx="8229600" cy="857250"/>
+          </a:xfrm>
+        </p:spPr>
         <p:txBody>
           <a:bodyPr/>
           <a:lstStyle>
@@ -4581,7 +2593,7 @@
               <a:rPr lang="en-US" smtClean="0"/>
               <a:t>Click to edit Master title style</a:t>
             </a:r>
-            <a:endParaRPr lang="en-US" dirty="0"/>
+            <a:endParaRPr lang="en-IN"/>
           </a:p>
         </p:txBody>
       </p:sp>
@@ -4597,54 +2609,48 @@
         </p:nvSpPr>
         <p:spPr>
           <a:xfrm>
-            <a:off x="729061" y="514350"/>
-            <a:ext cx="3487340" cy="432197"/>
+            <a:off x="457200" y="1151335"/>
+            <a:ext cx="4040188" cy="479822"/>
           </a:xfrm>
         </p:spPr>
         <p:txBody>
-          <a:bodyPr anchor="b">
-            <a:noAutofit/>
-          </a:bodyPr>
+          <a:bodyPr anchor="b"/>
           <a:lstStyle>
             <a:lvl1pPr marL="0" indent="0">
               <a:buNone/>
-              <a:defRPr sz="2100" b="0">
-                <a:solidFill>
-                  <a:schemeClr val="tx1"/>
-                </a:solidFill>
-              </a:defRPr>
+              <a:defRPr sz="2400" b="1"/>
             </a:lvl1pPr>
-            <a:lvl2pPr marL="342900" indent="0">
-              <a:buNone/>
-              <a:defRPr sz="1500" b="1"/>
+            <a:lvl2pPr marL="457200" indent="0">
+              <a:buNone/>
+              <a:defRPr sz="2000" b="1"/>
             </a:lvl2pPr>
-            <a:lvl3pPr marL="685800" indent="0">
-              <a:buNone/>
-              <a:defRPr sz="1350" b="1"/>
+            <a:lvl3pPr marL="914400" indent="0">
+              <a:buNone/>
+              <a:defRPr sz="1800" b="1"/>
             </a:lvl3pPr>
-            <a:lvl4pPr marL="1028700" indent="0">
-              <a:buNone/>
-              <a:defRPr sz="1200" b="1"/>
+            <a:lvl4pPr marL="1371600" indent="0">
+              <a:buNone/>
+              <a:defRPr sz="1600" b="1"/>
             </a:lvl4pPr>
-            <a:lvl5pPr marL="1371600" indent="0">
-              <a:buNone/>
-              <a:defRPr sz="1200" b="1"/>
+            <a:lvl5pPr marL="1828800" indent="0">
+              <a:buNone/>
+              <a:defRPr sz="1600" b="1"/>
             </a:lvl5pPr>
-            <a:lvl6pPr marL="1714500" indent="0">
-              <a:buNone/>
-              <a:defRPr sz="1200" b="1"/>
+            <a:lvl6pPr marL="2286000" indent="0">
+              <a:buNone/>
+              <a:defRPr sz="1600" b="1"/>
             </a:lvl6pPr>
-            <a:lvl7pPr marL="2057400" indent="0">
-              <a:buNone/>
-              <a:defRPr sz="1200" b="1"/>
+            <a:lvl7pPr marL="2743200" indent="0">
+              <a:buNone/>
+              <a:defRPr sz="1600" b="1"/>
             </a:lvl7pPr>
-            <a:lvl8pPr marL="2400300" indent="0">
-              <a:buNone/>
-              <a:defRPr sz="1200" b="1"/>
+            <a:lvl8pPr marL="3200400" indent="0">
+              <a:buNone/>
+              <a:defRPr sz="1600" b="1"/>
             </a:lvl8pPr>
-            <a:lvl9pPr marL="2743200" indent="0">
-              <a:buNone/>
-              <a:defRPr sz="1200" b="1"/>
+            <a:lvl9pPr marL="3657600" indent="0">
+              <a:buNone/>
+              <a:defRPr sz="1600" b="1"/>
             </a:lvl9pPr>
           </a:lstStyle>
           <a:p>
@@ -4668,15 +2674,41 @@
         </p:nvSpPr>
         <p:spPr>
           <a:xfrm>
-            <a:off x="513159" y="952897"/>
-            <a:ext cx="3703241" cy="2272904"/>
+            <a:off x="457200" y="1631156"/>
+            <a:ext cx="4040188" cy="2963466"/>
           </a:xfrm>
         </p:spPr>
         <p:txBody>
-          <a:bodyPr anchor="t">
-            <a:normAutofit/>
-          </a:bodyPr>
-          <a:lstStyle/>
+          <a:bodyPr/>
+          <a:lstStyle>
+            <a:lvl1pPr>
+              <a:defRPr sz="2400"/>
+            </a:lvl1pPr>
+            <a:lvl2pPr>
+              <a:defRPr sz="2000"/>
+            </a:lvl2pPr>
+            <a:lvl3pPr>
+              <a:defRPr sz="1800"/>
+            </a:lvl3pPr>
+            <a:lvl4pPr>
+              <a:defRPr sz="1600"/>
+            </a:lvl4pPr>
+            <a:lvl5pPr>
+              <a:defRPr sz="1600"/>
+            </a:lvl5pPr>
+            <a:lvl6pPr>
+              <a:defRPr sz="1600"/>
+            </a:lvl6pPr>
+            <a:lvl7pPr>
+              <a:defRPr sz="1600"/>
+            </a:lvl7pPr>
+            <a:lvl8pPr>
+              <a:defRPr sz="1600"/>
+            </a:lvl8pPr>
+            <a:lvl9pPr>
+              <a:defRPr sz="1600"/>
+            </a:lvl9pPr>
+          </a:lstStyle>
           <a:p>
             <a:pPr lvl="0"/>
             <a:r>
@@ -4711,7 +2743,7 @@
               <a:rPr lang="en-US" smtClean="0"/>
               <a:t>Fifth level</a:t>
             </a:r>
-            <a:endParaRPr lang="en-US" dirty="0"/>
+            <a:endParaRPr lang="en-IN"/>
           </a:p>
         </p:txBody>
       </p:sp>
@@ -4727,54 +2759,48 @@
         </p:nvSpPr>
         <p:spPr>
           <a:xfrm>
-            <a:off x="4559299" y="514350"/>
-            <a:ext cx="3498851" cy="432197"/>
+            <a:off x="4645033" y="1151335"/>
+            <a:ext cx="4041775" cy="479822"/>
           </a:xfrm>
         </p:spPr>
         <p:txBody>
-          <a:bodyPr anchor="b">
-            <a:noAutofit/>
-          </a:bodyPr>
+          <a:bodyPr anchor="b"/>
           <a:lstStyle>
             <a:lvl1pPr marL="0" indent="0">
               <a:buNone/>
-              <a:defRPr sz="2100" b="0">
-                <a:solidFill>
-                  <a:schemeClr val="tx1"/>
-                </a:solidFill>
-              </a:defRPr>
+              <a:defRPr sz="2400" b="1"/>
             </a:lvl1pPr>
-            <a:lvl2pPr marL="342900" indent="0">
-              <a:buNone/>
-              <a:defRPr sz="1500" b="1"/>
+            <a:lvl2pPr marL="457200" indent="0">
+              <a:buNone/>
+              <a:defRPr sz="2000" b="1"/>
             </a:lvl2pPr>
-            <a:lvl3pPr marL="685800" indent="0">
-              <a:buNone/>
-              <a:defRPr sz="1350" b="1"/>
+            <a:lvl3pPr marL="914400" indent="0">
+              <a:buNone/>
+              <a:defRPr sz="1800" b="1"/>
             </a:lvl3pPr>
-            <a:lvl4pPr marL="1028700" indent="0">
-              <a:buNone/>
-              <a:defRPr sz="1200" b="1"/>
+            <a:lvl4pPr marL="1371600" indent="0">
+              <a:buNone/>
+              <a:defRPr sz="1600" b="1"/>
             </a:lvl4pPr>
-            <a:lvl5pPr marL="1371600" indent="0">
-              <a:buNone/>
-              <a:defRPr sz="1200" b="1"/>
+            <a:lvl5pPr marL="1828800" indent="0">
+              <a:buNone/>
+              <a:defRPr sz="1600" b="1"/>
             </a:lvl5pPr>
-            <a:lvl6pPr marL="1714500" indent="0">
-              <a:buNone/>
-              <a:defRPr sz="1200" b="1"/>
+            <a:lvl6pPr marL="2286000" indent="0">
+              <a:buNone/>
+              <a:defRPr sz="1600" b="1"/>
             </a:lvl6pPr>
-            <a:lvl7pPr marL="2057400" indent="0">
-              <a:buNone/>
-              <a:defRPr sz="1200" b="1"/>
+            <a:lvl7pPr marL="2743200" indent="0">
+              <a:buNone/>
+              <a:defRPr sz="1600" b="1"/>
             </a:lvl7pPr>
-            <a:lvl8pPr marL="2400300" indent="0">
-              <a:buNone/>
-              <a:defRPr sz="1200" b="1"/>
+            <a:lvl8pPr marL="3200400" indent="0">
+              <a:buNone/>
+              <a:defRPr sz="1600" b="1"/>
             </a:lvl8pPr>
-            <a:lvl9pPr marL="2743200" indent="0">
-              <a:buNone/>
-              <a:defRPr sz="1200" b="1"/>
+            <a:lvl9pPr marL="3657600" indent="0">
+              <a:buNone/>
+              <a:defRPr sz="1600" b="1"/>
             </a:lvl9pPr>
           </a:lstStyle>
           <a:p>
@@ -4798,15 +2824,41 @@
         </p:nvSpPr>
         <p:spPr>
           <a:xfrm>
-            <a:off x="4354909" y="946546"/>
-            <a:ext cx="3696891" cy="2272904"/>
+            <a:off x="4645033" y="1631156"/>
+            <a:ext cx="4041775" cy="2963466"/>
           </a:xfrm>
         </p:spPr>
         <p:txBody>
-          <a:bodyPr anchor="t">
-            <a:normAutofit/>
-          </a:bodyPr>
-          <a:lstStyle/>
+          <a:bodyPr/>
+          <a:lstStyle>
+            <a:lvl1pPr>
+              <a:defRPr sz="2400"/>
+            </a:lvl1pPr>
+            <a:lvl2pPr>
+              <a:defRPr sz="2000"/>
+            </a:lvl2pPr>
+            <a:lvl3pPr>
+              <a:defRPr sz="1800"/>
+            </a:lvl3pPr>
+            <a:lvl4pPr>
+              <a:defRPr sz="1600"/>
+            </a:lvl4pPr>
+            <a:lvl5pPr>
+              <a:defRPr sz="1600"/>
+            </a:lvl5pPr>
+            <a:lvl6pPr>
+              <a:defRPr sz="1600"/>
+            </a:lvl6pPr>
+            <a:lvl7pPr>
+              <a:defRPr sz="1600"/>
+            </a:lvl7pPr>
+            <a:lvl8pPr>
+              <a:defRPr sz="1600"/>
+            </a:lvl8pPr>
+            <a:lvl9pPr>
+              <a:defRPr sz="1600"/>
+            </a:lvl9pPr>
+          </a:lstStyle>
           <a:p>
             <a:pPr lvl="0"/>
             <a:r>
@@ -4841,7 +2893,7 @@
               <a:rPr lang="en-US" smtClean="0"/>
               <a:t>Fifth level</a:t>
             </a:r>
-            <a:endParaRPr lang="en-US" dirty="0"/>
+            <a:endParaRPr lang="en-IN"/>
           </a:p>
         </p:txBody>
       </p:sp>
@@ -4863,7 +2915,7 @@
             <a:fld id="{B61BEF0D-F0BB-DE4B-95CE-6DB70DBA9567}" type="datetimeFigureOut">
               <a:rPr lang="en-US" smtClean="0"/>
               <a:pPr/>
-              <a:t>4/9/2015</a:t>
+              <a:t>4/13/2015</a:t>
             </a:fld>
             <a:endParaRPr lang="en-US" dirty="0"/>
           </a:p>
@@ -4920,7 +2972,7 @@
     </p:spTree>
     <p:extLst>
       <p:ext uri="{BB962C8B-B14F-4D97-AF65-F5344CB8AC3E}">
-        <p14:creationId xmlns:p14="http://schemas.microsoft.com/office/powerpoint/2010/main" val="43410694"/>
+        <p14:creationId xmlns:p14="http://schemas.microsoft.com/office/powerpoint/2010/main" val="375646599"/>
       </p:ext>
     </p:extLst>
   </p:cSld>
@@ -4967,7 +3019,7 @@
               <a:rPr lang="en-US" smtClean="0"/>
               <a:t>Click to edit Master title style</a:t>
             </a:r>
-            <a:endParaRPr lang="en-US" dirty="0"/>
+            <a:endParaRPr lang="en-IN"/>
           </a:p>
         </p:txBody>
       </p:sp>
@@ -4989,7 +3041,7 @@
             <a:fld id="{B61BEF0D-F0BB-DE4B-95CE-6DB70DBA9567}" type="datetimeFigureOut">
               <a:rPr lang="en-US" smtClean="0"/>
               <a:pPr/>
-              <a:t>4/9/2015</a:t>
+              <a:t>4/13/2015</a:t>
             </a:fld>
             <a:endParaRPr lang="en-US" dirty="0"/>
           </a:p>
@@ -5046,7 +3098,7 @@
     </p:spTree>
     <p:extLst>
       <p:ext uri="{BB962C8B-B14F-4D97-AF65-F5344CB8AC3E}">
-        <p14:creationId xmlns:p14="http://schemas.microsoft.com/office/powerpoint/2010/main" val="2049699877"/>
+        <p14:creationId xmlns:p14="http://schemas.microsoft.com/office/powerpoint/2010/main" val="3679071705"/>
       </p:ext>
     </p:extLst>
   </p:cSld>
@@ -5091,7 +3143,7 @@
             <a:fld id="{B61BEF0D-F0BB-DE4B-95CE-6DB70DBA9567}" type="datetimeFigureOut">
               <a:rPr lang="en-US" smtClean="0"/>
               <a:pPr/>
-              <a:t>4/9/2015</a:t>
+              <a:t>4/13/2015</a:t>
             </a:fld>
             <a:endParaRPr lang="en-US" dirty="0"/>
           </a:p>
@@ -5148,7 +3200,7 @@
     </p:spTree>
     <p:extLst>
       <p:ext uri="{BB962C8B-B14F-4D97-AF65-F5344CB8AC3E}">
-        <p14:creationId xmlns:p14="http://schemas.microsoft.com/office/powerpoint/2010/main" val="1060800466"/>
+        <p14:creationId xmlns:p14="http://schemas.microsoft.com/office/powerpoint/2010/main" val="579767924"/>
       </p:ext>
     </p:extLst>
   </p:cSld>
@@ -5188,17 +3240,15 @@
         </p:nvSpPr>
         <p:spPr>
           <a:xfrm>
-            <a:off x="5313759" y="514350"/>
-            <a:ext cx="2743200" cy="1028700"/>
+            <a:off x="457211" y="204787"/>
+            <a:ext cx="3008313" cy="871538"/>
           </a:xfrm>
         </p:spPr>
         <p:txBody>
-          <a:bodyPr anchor="b">
-            <a:normAutofit/>
-          </a:bodyPr>
+          <a:bodyPr anchor="b"/>
           <a:lstStyle>
             <a:lvl1pPr algn="l">
-              <a:defRPr sz="1800" b="0"/>
+              <a:defRPr sz="2000" b="1"/>
             </a:lvl1pPr>
           </a:lstStyle>
           <a:p>
@@ -5206,7 +3256,7 @@
               <a:rPr lang="en-US" smtClean="0"/>
               <a:t>Click to edit Master title style</a:t>
             </a:r>
-            <a:endParaRPr lang="en-US" dirty="0"/>
+            <a:endParaRPr lang="en-IN"/>
           </a:p>
         </p:txBody>
       </p:sp>
@@ -5222,15 +3272,41 @@
         </p:nvSpPr>
         <p:spPr>
           <a:xfrm>
-            <a:off x="513159" y="514350"/>
-            <a:ext cx="4457701" cy="3981450"/>
+            <a:off x="3575050" y="204793"/>
+            <a:ext cx="5111750" cy="4389835"/>
           </a:xfrm>
         </p:spPr>
         <p:txBody>
-          <a:bodyPr anchor="ctr">
-            <a:normAutofit/>
-          </a:bodyPr>
-          <a:lstStyle/>
+          <a:bodyPr/>
+          <a:lstStyle>
+            <a:lvl1pPr>
+              <a:defRPr sz="3200"/>
+            </a:lvl1pPr>
+            <a:lvl2pPr>
+              <a:defRPr sz="2800"/>
+            </a:lvl2pPr>
+            <a:lvl3pPr>
+              <a:defRPr sz="2400"/>
+            </a:lvl3pPr>
+            <a:lvl4pPr>
+              <a:defRPr sz="2000"/>
+            </a:lvl4pPr>
+            <a:lvl5pPr>
+              <a:defRPr sz="2000"/>
+            </a:lvl5pPr>
+            <a:lvl6pPr>
+              <a:defRPr sz="2000"/>
+            </a:lvl6pPr>
+            <a:lvl7pPr>
+              <a:defRPr sz="2000"/>
+            </a:lvl7pPr>
+            <a:lvl8pPr>
+              <a:defRPr sz="2000"/>
+            </a:lvl8pPr>
+            <a:lvl9pPr>
+              <a:defRPr sz="2000"/>
+            </a:lvl9pPr>
+          </a:lstStyle>
           <a:p>
             <a:pPr lvl="0"/>
             <a:r>
@@ -5265,7 +3341,7 @@
               <a:rPr lang="en-US" smtClean="0"/>
               <a:t>Fifth level</a:t>
             </a:r>
-            <a:endParaRPr lang="en-US" dirty="0"/>
+            <a:endParaRPr lang="en-IN"/>
           </a:p>
         </p:txBody>
       </p:sp>
@@ -5281,50 +3357,48 @@
         </p:nvSpPr>
         <p:spPr>
           <a:xfrm>
-            <a:off x="5313759" y="1657350"/>
-            <a:ext cx="2743200" cy="1568450"/>
+            <a:off x="457211" y="1076328"/>
+            <a:ext cx="3008313" cy="3518297"/>
           </a:xfrm>
         </p:spPr>
         <p:txBody>
-          <a:bodyPr anchor="t">
-            <a:normAutofit/>
-          </a:bodyPr>
+          <a:bodyPr/>
           <a:lstStyle>
             <a:lvl1pPr marL="0" indent="0">
               <a:buNone/>
+              <a:defRPr sz="1400"/>
+            </a:lvl1pPr>
+            <a:lvl2pPr marL="457200" indent="0">
+              <a:buNone/>
               <a:defRPr sz="1200"/>
-            </a:lvl1pPr>
-            <a:lvl2pPr marL="342900" indent="0">
+            </a:lvl2pPr>
+            <a:lvl3pPr marL="914400" indent="0">
+              <a:buNone/>
+              <a:defRPr sz="1000"/>
+            </a:lvl3pPr>
+            <a:lvl4pPr marL="1371600" indent="0">
               <a:buNone/>
               <a:defRPr sz="900"/>
-            </a:lvl2pPr>
-            <a:lvl3pPr marL="685800" indent="0">
-              <a:buNone/>
-              <a:defRPr sz="750"/>
-            </a:lvl3pPr>
-            <a:lvl4pPr marL="1028700" indent="0">
-              <a:buNone/>
-              <a:defRPr sz="675"/>
             </a:lvl4pPr>
-            <a:lvl5pPr marL="1371600" indent="0">
-              <a:buNone/>
-              <a:defRPr sz="675"/>
+            <a:lvl5pPr marL="1828800" indent="0">
+              <a:buNone/>
+              <a:defRPr sz="900"/>
             </a:lvl5pPr>
-            <a:lvl6pPr marL="1714500" indent="0">
-              <a:buNone/>
-              <a:defRPr sz="675"/>
+            <a:lvl6pPr marL="2286000" indent="0">
+              <a:buNone/>
+              <a:defRPr sz="900"/>
             </a:lvl6pPr>
-            <a:lvl7pPr marL="2057400" indent="0">
-              <a:buNone/>
-              <a:defRPr sz="675"/>
+            <a:lvl7pPr marL="2743200" indent="0">
+              <a:buNone/>
+              <a:defRPr sz="900"/>
             </a:lvl7pPr>
-            <a:lvl8pPr marL="2400300" indent="0">
-              <a:buNone/>
-              <a:defRPr sz="675"/>
+            <a:lvl8pPr marL="3200400" indent="0">
+              <a:buNone/>
+              <a:defRPr sz="900"/>
             </a:lvl8pPr>
-            <a:lvl9pPr marL="2743200" indent="0">
-              <a:buNone/>
-              <a:defRPr sz="675"/>
+            <a:lvl9pPr marL="3657600" indent="0">
+              <a:buNone/>
+              <a:defRPr sz="900"/>
             </a:lvl9pPr>
           </a:lstStyle>
           <a:p>
@@ -5354,7 +3428,7 @@
             <a:fld id="{B61BEF0D-F0BB-DE4B-95CE-6DB70DBA9567}" type="datetimeFigureOut">
               <a:rPr lang="en-US" smtClean="0"/>
               <a:pPr/>
-              <a:t>4/9/2015</a:t>
+              <a:t>4/13/2015</a:t>
             </a:fld>
             <a:endParaRPr lang="en-US" dirty="0"/>
           </a:p>
@@ -5411,7 +3485,7 @@
     </p:spTree>
     <p:extLst>
       <p:ext uri="{BB962C8B-B14F-4D97-AF65-F5344CB8AC3E}">
-        <p14:creationId xmlns:p14="http://schemas.microsoft.com/office/powerpoint/2010/main" val="696853196"/>
+        <p14:creationId xmlns:p14="http://schemas.microsoft.com/office/powerpoint/2010/main" val="135695784"/>
       </p:ext>
     </p:extLst>
   </p:cSld>
@@ -5451,17 +3525,15 @@
         </p:nvSpPr>
         <p:spPr>
           <a:xfrm>
-            <a:off x="3542109" y="1085850"/>
-            <a:ext cx="4514850" cy="857250"/>
+            <a:off x="1792288" y="3600451"/>
+            <a:ext cx="5486400" cy="425054"/>
           </a:xfrm>
         </p:spPr>
         <p:txBody>
-          <a:bodyPr anchor="b">
-            <a:normAutofit/>
-          </a:bodyPr>
+          <a:bodyPr anchor="b"/>
           <a:lstStyle>
             <a:lvl1pPr algn="l">
-              <a:defRPr sz="2100" b="0"/>
+              <a:defRPr sz="2000" b="1"/>
             </a:lvl1pPr>
           </a:lstStyle>
           <a:p>
@@ -5469,15 +3541,15 @@
               <a:rPr lang="en-US" smtClean="0"/>
               <a:t>Click to edit Master title style</a:t>
             </a:r>
-            <a:endParaRPr lang="en-US" dirty="0"/>
-          </a:p>
-        </p:txBody>
-      </p:sp>
-      <p:sp>
-        <p:nvSpPr>
-          <p:cNvPr id="14" name="Picture Placeholder 2"/>
+            <a:endParaRPr lang="en-IN"/>
+          </a:p>
+        </p:txBody>
+      </p:sp>
+      <p:sp>
+        <p:nvSpPr>
+          <p:cNvPr id="3" name="Picture Placeholder 2"/>
           <p:cNvSpPr>
-            <a:spLocks noGrp="1" noChangeAspect="1"/>
+            <a:spLocks noGrp="1"/>
           </p:cNvSpPr>
           <p:nvPr>
             <p:ph type="pic" idx="1"/>
@@ -5485,137 +3557,109 @@
         </p:nvSpPr>
         <p:spPr>
           <a:xfrm>
-            <a:off x="741759" y="685800"/>
-            <a:ext cx="2460731" cy="3429000"/>
+            <a:off x="1792288" y="459581"/>
+            <a:ext cx="5486400" cy="3086100"/>
           </a:xfrm>
-          <a:prstGeom prst="snip2DiagRect">
-            <a:avLst>
-              <a:gd name="adj1" fmla="val 10815"/>
-              <a:gd name="adj2" fmla="val 0"/>
-            </a:avLst>
-          </a:prstGeom>
-          <a:ln w="15875">
-            <a:solidFill>
-              <a:schemeClr val="tx1">
-                <a:alpha val="40000"/>
-              </a:schemeClr>
-            </a:solidFill>
-          </a:ln>
-          <a:effectLst>
-            <a:innerShdw blurRad="57150" dist="38100" dir="14460000">
-              <a:srgbClr val="000000">
-                <a:alpha val="70000"/>
-              </a:srgbClr>
-            </a:innerShdw>
-          </a:effectLst>
         </p:spPr>
         <p:txBody>
-          <a:bodyPr anchor="t">
-            <a:normAutofit/>
-          </a:bodyPr>
+          <a:bodyPr/>
           <a:lstStyle>
-            <a:lvl1pPr marL="0" indent="0" algn="ctr">
-              <a:buNone/>
-              <a:defRPr sz="1200"/>
+            <a:lvl1pPr marL="0" indent="0">
+              <a:buNone/>
+              <a:defRPr sz="3200"/>
             </a:lvl1pPr>
-            <a:lvl2pPr marL="342900" indent="0">
+            <a:lvl2pPr marL="457200" indent="0">
+              <a:buNone/>
+              <a:defRPr sz="2800"/>
+            </a:lvl2pPr>
+            <a:lvl3pPr marL="914400" indent="0">
+              <a:buNone/>
+              <a:defRPr sz="2400"/>
+            </a:lvl3pPr>
+            <a:lvl4pPr marL="1371600" indent="0">
+              <a:buNone/>
+              <a:defRPr sz="2000"/>
+            </a:lvl4pPr>
+            <a:lvl5pPr marL="1828800" indent="0">
+              <a:buNone/>
+              <a:defRPr sz="2000"/>
+            </a:lvl5pPr>
+            <a:lvl6pPr marL="2286000" indent="0">
+              <a:buNone/>
+              <a:defRPr sz="2000"/>
+            </a:lvl6pPr>
+            <a:lvl7pPr marL="2743200" indent="0">
+              <a:buNone/>
+              <a:defRPr sz="2000"/>
+            </a:lvl7pPr>
+            <a:lvl8pPr marL="3200400" indent="0">
+              <a:buNone/>
+              <a:defRPr sz="2000"/>
+            </a:lvl8pPr>
+            <a:lvl9pPr marL="3657600" indent="0">
+              <a:buNone/>
+              <a:defRPr sz="2000"/>
+            </a:lvl9pPr>
+          </a:lstStyle>
+          <a:p>
+            <a:endParaRPr lang="en-IN"/>
+          </a:p>
+        </p:txBody>
+      </p:sp>
+      <p:sp>
+        <p:nvSpPr>
+          <p:cNvPr id="4" name="Text Placeholder 3"/>
+          <p:cNvSpPr>
+            <a:spLocks noGrp="1"/>
+          </p:cNvSpPr>
+          <p:nvPr>
+            <p:ph type="body" sz="half" idx="2"/>
+          </p:nvPr>
+        </p:nvSpPr>
+        <p:spPr>
+          <a:xfrm>
+            <a:off x="1792288" y="4025508"/>
+            <a:ext cx="5486400" cy="603647"/>
+          </a:xfrm>
+        </p:spPr>
+        <p:txBody>
+          <a:bodyPr/>
+          <a:lstStyle>
+            <a:lvl1pPr marL="0" indent="0">
+              <a:buNone/>
+              <a:defRPr sz="1400"/>
+            </a:lvl1pPr>
+            <a:lvl2pPr marL="457200" indent="0">
               <a:buNone/>
               <a:defRPr sz="1200"/>
             </a:lvl2pPr>
-            <a:lvl3pPr marL="685800" indent="0">
-              <a:buNone/>
-              <a:defRPr sz="1200"/>
+            <a:lvl3pPr marL="914400" indent="0">
+              <a:buNone/>
+              <a:defRPr sz="1000"/>
             </a:lvl3pPr>
-            <a:lvl4pPr marL="1028700" indent="0">
-              <a:buNone/>
-              <a:defRPr sz="1200"/>
+            <a:lvl4pPr marL="1371600" indent="0">
+              <a:buNone/>
+              <a:defRPr sz="900"/>
             </a:lvl4pPr>
-            <a:lvl5pPr marL="1371600" indent="0">
-              <a:buNone/>
-              <a:defRPr sz="1200"/>
+            <a:lvl5pPr marL="1828800" indent="0">
+              <a:buNone/>
+              <a:defRPr sz="900"/>
             </a:lvl5pPr>
-            <a:lvl6pPr marL="1714500" indent="0">
-              <a:buNone/>
-              <a:defRPr sz="1200"/>
+            <a:lvl6pPr marL="2286000" indent="0">
+              <a:buNone/>
+              <a:defRPr sz="900"/>
             </a:lvl6pPr>
-            <a:lvl7pPr marL="2057400" indent="0">
-              <a:buNone/>
-              <a:defRPr sz="1200"/>
+            <a:lvl7pPr marL="2743200" indent="0">
+              <a:buNone/>
+              <a:defRPr sz="900"/>
             </a:lvl7pPr>
-            <a:lvl8pPr marL="2400300" indent="0">
-              <a:buNone/>
-              <a:defRPr sz="1200"/>
+            <a:lvl8pPr marL="3200400" indent="0">
+              <a:buNone/>
+              <a:defRPr sz="900"/>
             </a:lvl8pPr>
-            <a:lvl9pPr marL="2743200" indent="0">
-              <a:buNone/>
-              <a:defRPr sz="1200"/>
-            </a:lvl9pPr>
-          </a:lstStyle>
-          <a:p>
-            <a:r>
-              <a:rPr lang="en-US" smtClean="0"/>
-              <a:t>Click icon to add picture</a:t>
-            </a:r>
-            <a:endParaRPr lang="en-US" dirty="0"/>
-          </a:p>
-        </p:txBody>
-      </p:sp>
-      <p:sp>
-        <p:nvSpPr>
-          <p:cNvPr id="4" name="Text Placeholder 3"/>
-          <p:cNvSpPr>
-            <a:spLocks noGrp="1"/>
-          </p:cNvSpPr>
-          <p:nvPr>
-            <p:ph type="body" sz="half" idx="2"/>
-          </p:nvPr>
-        </p:nvSpPr>
-        <p:spPr>
-          <a:xfrm>
-            <a:off x="3542109" y="2082800"/>
-            <a:ext cx="4516041" cy="1536700"/>
-          </a:xfrm>
-        </p:spPr>
-        <p:txBody>
-          <a:bodyPr anchor="t">
-            <a:normAutofit/>
-          </a:bodyPr>
-          <a:lstStyle>
-            <a:lvl1pPr marL="0" indent="0">
-              <a:buNone/>
-              <a:defRPr sz="1350"/>
-            </a:lvl1pPr>
-            <a:lvl2pPr marL="342900" indent="0">
+            <a:lvl9pPr marL="3657600" indent="0">
               <a:buNone/>
               <a:defRPr sz="900"/>
-            </a:lvl2pPr>
-            <a:lvl3pPr marL="685800" indent="0">
-              <a:buNone/>
-              <a:defRPr sz="750"/>
-            </a:lvl3pPr>
-            <a:lvl4pPr marL="1028700" indent="0">
-              <a:buNone/>
-              <a:defRPr sz="675"/>
-            </a:lvl4pPr>
-            <a:lvl5pPr marL="1371600" indent="0">
-              <a:buNone/>
-              <a:defRPr sz="675"/>
-            </a:lvl5pPr>
-            <a:lvl6pPr marL="1714500" indent="0">
-              <a:buNone/>
-              <a:defRPr sz="675"/>
-            </a:lvl6pPr>
-            <a:lvl7pPr marL="2057400" indent="0">
-              <a:buNone/>
-              <a:defRPr sz="675"/>
-            </a:lvl7pPr>
-            <a:lvl8pPr marL="2400300" indent="0">
-              <a:buNone/>
-              <a:defRPr sz="675"/>
-            </a:lvl8pPr>
-            <a:lvl9pPr marL="2743200" indent="0">
-              <a:buNone/>
-              <a:defRPr sz="675"/>
             </a:lvl9pPr>
           </a:lstStyle>
           <a:p>
@@ -5645,7 +3689,7 @@
             <a:fld id="{B61BEF0D-F0BB-DE4B-95CE-6DB70DBA9567}" type="datetimeFigureOut">
               <a:rPr lang="en-US" smtClean="0"/>
               <a:pPr/>
-              <a:t>4/9/2015</a:t>
+              <a:t>4/13/2015</a:t>
             </a:fld>
             <a:endParaRPr lang="en-US" dirty="0"/>
           </a:p>
@@ -5702,7 +3746,7 @@
     </p:spTree>
     <p:extLst>
       <p:ext uri="{BB962C8B-B14F-4D97-AF65-F5344CB8AC3E}">
-        <p14:creationId xmlns:p14="http://schemas.microsoft.com/office/powerpoint/2010/main" val="3320227745"/>
+        <p14:creationId xmlns:p14="http://schemas.microsoft.com/office/powerpoint/2010/main" val="2240779735"/>
       </p:ext>
     </p:extLst>
   </p:cSld>
@@ -5717,8 +3761,8 @@
 <p:sldMaster xmlns:a="http://schemas.openxmlformats.org/drawingml/2006/main" xmlns:r="http://schemas.openxmlformats.org/officeDocument/2006/relationships" xmlns:p="http://schemas.openxmlformats.org/presentationml/2006/main">
   <p:cSld>
     <p:bg>
-      <p:bgRef idx="1002">
-        <a:schemeClr val="bg2"/>
+      <p:bgRef idx="1001">
+        <a:schemeClr val="bg1"/>
       </p:bgRef>
     </p:bg>
     <p:spTree>
@@ -5735,196 +3779,6 @@
           <a:chExt cx="0" cy="0"/>
         </a:xfrm>
       </p:grpSpPr>
-      <p:grpSp>
-        <p:nvGrpSpPr>
-          <p:cNvPr id="7" name="Group 6"/>
-          <p:cNvGrpSpPr/>
-          <p:nvPr/>
-        </p:nvGrpSpPr>
-        <p:grpSpPr>
-          <a:xfrm>
-            <a:off x="6905227" y="2222500"/>
-            <a:ext cx="2236394" cy="2406650"/>
-            <a:chOff x="9206969" y="2963333"/>
-            <a:chExt cx="2981858" cy="3208867"/>
-          </a:xfrm>
-        </p:grpSpPr>
-        <p:cxnSp>
-          <p:nvCxnSpPr>
-            <p:cNvPr id="8" name="Straight Connector 7"/>
-            <p:cNvCxnSpPr/>
-            <p:nvPr/>
-          </p:nvCxnSpPr>
-          <p:spPr>
-            <a:xfrm flipH="1">
-              <a:off x="11276012" y="2963333"/>
-              <a:ext cx="912814" cy="912812"/>
-            </a:xfrm>
-            <a:prstGeom prst="line">
-              <a:avLst/>
-            </a:prstGeom>
-            <a:ln w="9525">
-              <a:solidFill>
-                <a:schemeClr val="tx1"/>
-              </a:solidFill>
-            </a:ln>
-          </p:spPr>
-          <p:style>
-            <a:lnRef idx="2">
-              <a:schemeClr val="accent1"/>
-            </a:lnRef>
-            <a:fillRef idx="0">
-              <a:schemeClr val="accent1"/>
-            </a:fillRef>
-            <a:effectRef idx="1">
-              <a:schemeClr val="accent1"/>
-            </a:effectRef>
-            <a:fontRef idx="minor">
-              <a:schemeClr val="tx1"/>
-            </a:fontRef>
-          </p:style>
-        </p:cxnSp>
-        <p:cxnSp>
-          <p:nvCxnSpPr>
-            <p:cNvPr id="9" name="Straight Connector 8"/>
-            <p:cNvCxnSpPr/>
-            <p:nvPr/>
-          </p:nvCxnSpPr>
-          <p:spPr>
-            <a:xfrm flipH="1">
-              <a:off x="9206969" y="3190344"/>
-              <a:ext cx="2981857" cy="2981856"/>
-            </a:xfrm>
-            <a:prstGeom prst="line">
-              <a:avLst/>
-            </a:prstGeom>
-            <a:ln w="9525">
-              <a:solidFill>
-                <a:schemeClr val="tx1"/>
-              </a:solidFill>
-            </a:ln>
-          </p:spPr>
-          <p:style>
-            <a:lnRef idx="2">
-              <a:schemeClr val="accent1"/>
-            </a:lnRef>
-            <a:fillRef idx="0">
-              <a:schemeClr val="accent1"/>
-            </a:fillRef>
-            <a:effectRef idx="1">
-              <a:schemeClr val="accent1"/>
-            </a:effectRef>
-            <a:fontRef idx="minor">
-              <a:schemeClr val="tx1"/>
-            </a:fontRef>
-          </p:style>
-        </p:cxnSp>
-        <p:cxnSp>
-          <p:nvCxnSpPr>
-            <p:cNvPr id="10" name="Straight Connector 9"/>
-            <p:cNvCxnSpPr/>
-            <p:nvPr/>
-          </p:nvCxnSpPr>
-          <p:spPr>
-            <a:xfrm flipH="1">
-              <a:off x="10292292" y="3285067"/>
-              <a:ext cx="1896534" cy="1896533"/>
-            </a:xfrm>
-            <a:prstGeom prst="line">
-              <a:avLst/>
-            </a:prstGeom>
-            <a:ln w="9525">
-              <a:solidFill>
-                <a:schemeClr val="tx1"/>
-              </a:solidFill>
-            </a:ln>
-          </p:spPr>
-          <p:style>
-            <a:lnRef idx="2">
-              <a:schemeClr val="accent1"/>
-            </a:lnRef>
-            <a:fillRef idx="0">
-              <a:schemeClr val="accent1"/>
-            </a:fillRef>
-            <a:effectRef idx="1">
-              <a:schemeClr val="accent1"/>
-            </a:effectRef>
-            <a:fontRef idx="minor">
-              <a:schemeClr val="tx1"/>
-            </a:fontRef>
-          </p:style>
-        </p:cxnSp>
-        <p:cxnSp>
-          <p:nvCxnSpPr>
-            <p:cNvPr id="11" name="Straight Connector 10"/>
-            <p:cNvCxnSpPr/>
-            <p:nvPr/>
-          </p:nvCxnSpPr>
-          <p:spPr>
-            <a:xfrm flipH="1">
-              <a:off x="10443103" y="3131080"/>
-              <a:ext cx="1745722" cy="1745720"/>
-            </a:xfrm>
-            <a:prstGeom prst="line">
-              <a:avLst/>
-            </a:prstGeom>
-            <a:ln w="28575">
-              <a:solidFill>
-                <a:schemeClr val="tx1"/>
-              </a:solidFill>
-            </a:ln>
-          </p:spPr>
-          <p:style>
-            <a:lnRef idx="2">
-              <a:schemeClr val="accent1"/>
-            </a:lnRef>
-            <a:fillRef idx="0">
-              <a:schemeClr val="accent1"/>
-            </a:fillRef>
-            <a:effectRef idx="1">
-              <a:schemeClr val="accent1"/>
-            </a:effectRef>
-            <a:fontRef idx="minor">
-              <a:schemeClr val="tx1"/>
-            </a:fontRef>
-          </p:style>
-        </p:cxnSp>
-        <p:cxnSp>
-          <p:nvCxnSpPr>
-            <p:cNvPr id="12" name="Straight Connector 11"/>
-            <p:cNvCxnSpPr/>
-            <p:nvPr/>
-          </p:nvCxnSpPr>
-          <p:spPr>
-            <a:xfrm flipH="1">
-              <a:off x="10918826" y="3683001"/>
-              <a:ext cx="1270001" cy="1269999"/>
-            </a:xfrm>
-            <a:prstGeom prst="line">
-              <a:avLst/>
-            </a:prstGeom>
-            <a:ln w="28575">
-              <a:solidFill>
-                <a:schemeClr val="tx1"/>
-              </a:solidFill>
-            </a:ln>
-          </p:spPr>
-          <p:style>
-            <a:lnRef idx="2">
-              <a:schemeClr val="accent1"/>
-            </a:lnRef>
-            <a:fillRef idx="0">
-              <a:schemeClr val="accent1"/>
-            </a:fillRef>
-            <a:effectRef idx="1">
-              <a:schemeClr val="accent1"/>
-            </a:effectRef>
-            <a:fontRef idx="minor">
-              <a:schemeClr val="tx1"/>
-            </a:fontRef>
-          </p:style>
-        </p:cxnSp>
-      </p:grpSp>
       <p:sp>
         <p:nvSpPr>
           <p:cNvPr id="2" name="Title Placeholder 1"/>
@@ -5937,42 +3791,8 @@
         </p:nvSpPr>
         <p:spPr>
           <a:xfrm>
-            <a:off x="513159" y="3365499"/>
-            <a:ext cx="6400800" cy="1130300"/>
-          </a:xfrm>
-          <a:prstGeom prst="rect">
-            <a:avLst/>
-          </a:prstGeom>
-          <a:effectLst/>
-        </p:spPr>
-        <p:txBody>
-          <a:bodyPr vert="horz" lIns="91440" tIns="45720" rIns="91440" bIns="45720" rtlCol="0" anchor="ctr">
-            <a:normAutofit/>
-          </a:bodyPr>
-          <a:lstStyle/>
-          <a:p>
-            <a:r>
-              <a:rPr lang="en-US" smtClean="0"/>
-              <a:t>Click to edit Master title style</a:t>
-            </a:r>
-            <a:endParaRPr lang="en-US" dirty="0"/>
-          </a:p>
-        </p:txBody>
-      </p:sp>
-      <p:sp>
-        <p:nvSpPr>
-          <p:cNvPr id="3" name="Text Placeholder 2"/>
-          <p:cNvSpPr>
-            <a:spLocks noGrp="1"/>
-          </p:cNvSpPr>
-          <p:nvPr>
-            <p:ph type="body" idx="1"/>
-          </p:nvPr>
-        </p:nvSpPr>
-        <p:spPr>
-          <a:xfrm>
-            <a:off x="513159" y="514351"/>
-            <a:ext cx="6400800" cy="2711450"/>
+            <a:off x="457200" y="205979"/>
+            <a:ext cx="8229600" cy="857250"/>
           </a:xfrm>
           <a:prstGeom prst="rect">
             <a:avLst/>
@@ -5984,157 +3804,184 @@
           </a:bodyPr>
           <a:lstStyle/>
           <a:p>
-            <a:pPr lvl="0"/>
             <a:r>
               <a:rPr lang="en-US" smtClean="0"/>
-              <a:t>Click to edit Master text styles</a:t>
-            </a:r>
-          </a:p>
-          <a:p>
-            <a:pPr lvl="1"/>
-            <a:r>
-              <a:rPr lang="en-US" smtClean="0"/>
-              <a:t>Second level</a:t>
-            </a:r>
-          </a:p>
-          <a:p>
-            <a:pPr lvl="2"/>
-            <a:r>
-              <a:rPr lang="en-US" smtClean="0"/>
-              <a:t>Third level</a:t>
-            </a:r>
-          </a:p>
-          <a:p>
-            <a:pPr lvl="3"/>
-            <a:r>
-              <a:rPr lang="en-US" smtClean="0"/>
-              <a:t>Fourth level</a:t>
-            </a:r>
-          </a:p>
-          <a:p>
-            <a:pPr lvl="4"/>
-            <a:r>
-              <a:rPr lang="en-US" smtClean="0"/>
-              <a:t>Fifth level</a:t>
-            </a:r>
-            <a:endParaRPr lang="en-US" dirty="0"/>
-          </a:p>
-        </p:txBody>
-      </p:sp>
-      <p:sp>
-        <p:nvSpPr>
-          <p:cNvPr id="4" name="Date Placeholder 3"/>
+              <a:t>Click to edit Master title style</a:t>
+            </a:r>
+            <a:endParaRPr lang="en-IN"/>
+          </a:p>
+        </p:txBody>
+      </p:sp>
+      <p:sp>
+        <p:nvSpPr>
+          <p:cNvPr id="3" name="Text Placeholder 2"/>
           <p:cNvSpPr>
             <a:spLocks noGrp="1"/>
           </p:cNvSpPr>
           <p:nvPr>
-            <p:ph type="dt" sz="half" idx="2"/>
+            <p:ph type="body" idx="1"/>
           </p:nvPr>
         </p:nvSpPr>
         <p:spPr>
           <a:xfrm>
-            <a:off x="7428309" y="4629150"/>
-            <a:ext cx="1200150" cy="273844"/>
+            <a:off x="457200" y="1200151"/>
+            <a:ext cx="8229600" cy="3394472"/>
           </a:xfrm>
           <a:prstGeom prst="rect">
             <a:avLst/>
           </a:prstGeom>
         </p:spPr>
         <p:txBody>
-          <a:bodyPr vert="horz" lIns="91440" tIns="45720" rIns="91440" bIns="45720" rtlCol="0" anchor="t"/>
-          <a:lstStyle>
-            <a:lvl1pPr algn="r">
-              <a:defRPr sz="750" b="0" i="0">
-                <a:solidFill>
-                  <a:schemeClr val="bg2">
-                    <a:lumMod val="50000"/>
-                  </a:schemeClr>
-                </a:solidFill>
-                <a:effectLst/>
-                <a:latin typeface="+mn-lt"/>
-              </a:defRPr>
-            </a:lvl1pPr>
-          </a:lstStyle>
-          <a:p>
-            <a:fld id="{B61BEF0D-F0BB-DE4B-95CE-6DB70DBA9567}" type="datetimeFigureOut">
+          <a:bodyPr vert="horz" lIns="91440" tIns="45720" rIns="91440" bIns="45720" rtlCol="0">
+            <a:normAutofit/>
+          </a:bodyPr>
+          <a:lstStyle/>
+          <a:p>
+            <a:pPr lvl="0"/>
+            <a:r>
               <a:rPr lang="en-US" smtClean="0"/>
-              <a:pPr/>
-              <a:t>4/9/2015</a:t>
-            </a:fld>
-            <a:endParaRPr lang="en-US" dirty="0"/>
-          </a:p>
-        </p:txBody>
-      </p:sp>
-      <p:sp>
-        <p:nvSpPr>
-          <p:cNvPr id="5" name="Footer Placeholder 4"/>
+              <a:t>Click to edit Master text styles</a:t>
+            </a:r>
+          </a:p>
+          <a:p>
+            <a:pPr lvl="1"/>
+            <a:r>
+              <a:rPr lang="en-US" smtClean="0"/>
+              <a:t>Second level</a:t>
+            </a:r>
+          </a:p>
+          <a:p>
+            <a:pPr lvl="2"/>
+            <a:r>
+              <a:rPr lang="en-US" smtClean="0"/>
+              <a:t>Third level</a:t>
+            </a:r>
+          </a:p>
+          <a:p>
+            <a:pPr lvl="3"/>
+            <a:r>
+              <a:rPr lang="en-US" smtClean="0"/>
+              <a:t>Fourth level</a:t>
+            </a:r>
+          </a:p>
+          <a:p>
+            <a:pPr lvl="4"/>
+            <a:r>
+              <a:rPr lang="en-US" smtClean="0"/>
+              <a:t>Fifth level</a:t>
+            </a:r>
+            <a:endParaRPr lang="en-IN"/>
+          </a:p>
+        </p:txBody>
+      </p:sp>
+      <p:sp>
+        <p:nvSpPr>
+          <p:cNvPr id="4" name="Date Placeholder 3"/>
           <p:cNvSpPr>
             <a:spLocks noGrp="1"/>
           </p:cNvSpPr>
           <p:nvPr>
-            <p:ph type="ftr" sz="quarter" idx="3"/>
+            <p:ph type="dt" sz="half" idx="2"/>
           </p:nvPr>
         </p:nvSpPr>
         <p:spPr>
           <a:xfrm>
-            <a:off x="513159" y="4629150"/>
-            <a:ext cx="5657850" cy="273844"/>
+            <a:off x="457200" y="4767264"/>
+            <a:ext cx="2133600" cy="273844"/>
           </a:xfrm>
           <a:prstGeom prst="rect">
             <a:avLst/>
           </a:prstGeom>
         </p:spPr>
         <p:txBody>
-          <a:bodyPr vert="horz" lIns="91440" tIns="45720" rIns="91440" bIns="45720" rtlCol="0" anchor="t"/>
+          <a:bodyPr vert="horz" lIns="91440" tIns="45720" rIns="91440" bIns="45720" rtlCol="0" anchor="ctr"/>
           <a:lstStyle>
             <a:lvl1pPr algn="l">
-              <a:defRPr sz="750" b="0" i="0">
-                <a:solidFill>
-                  <a:schemeClr val="bg2">
-                    <a:lumMod val="50000"/>
+              <a:defRPr sz="1200">
+                <a:solidFill>
+                  <a:schemeClr val="tx1">
+                    <a:tint val="75000"/>
                   </a:schemeClr>
                 </a:solidFill>
-                <a:effectLst/>
-                <a:latin typeface="+mn-lt"/>
               </a:defRPr>
             </a:lvl1pPr>
           </a:lstStyle>
           <a:p>
+            <a:fld id="{B61BEF0D-F0BB-DE4B-95CE-6DB70DBA9567}" type="datetimeFigureOut">
+              <a:rPr lang="en-US" smtClean="0"/>
+              <a:pPr/>
+              <a:t>4/13/2015</a:t>
+            </a:fld>
             <a:endParaRPr lang="en-US" dirty="0"/>
           </a:p>
         </p:txBody>
       </p:sp>
       <p:sp>
         <p:nvSpPr>
-          <p:cNvPr id="6" name="Slide Number Placeholder 5"/>
+          <p:cNvPr id="5" name="Footer Placeholder 4"/>
           <p:cNvSpPr>
             <a:spLocks noGrp="1"/>
           </p:cNvSpPr>
           <p:nvPr>
-            <p:ph type="sldNum" sz="quarter" idx="4"/>
+            <p:ph type="ftr" sz="quarter" idx="3"/>
           </p:nvPr>
         </p:nvSpPr>
         <p:spPr>
           <a:xfrm>
-            <a:off x="7772400" y="4183857"/>
-            <a:ext cx="856684" cy="502444"/>
+            <a:off x="3124200" y="4767264"/>
+            <a:ext cx="2895600" cy="273844"/>
           </a:xfrm>
           <a:prstGeom prst="rect">
             <a:avLst/>
           </a:prstGeom>
         </p:spPr>
         <p:txBody>
-          <a:bodyPr vert="horz" lIns="91440" tIns="45720" rIns="91440" bIns="45720" rtlCol="0" anchor="b"/>
+          <a:bodyPr vert="horz" lIns="91440" tIns="45720" rIns="91440" bIns="45720" rtlCol="0" anchor="ctr"/>
+          <a:lstStyle>
+            <a:lvl1pPr algn="ctr">
+              <a:defRPr sz="1200">
+                <a:solidFill>
+                  <a:schemeClr val="tx1">
+                    <a:tint val="75000"/>
+                  </a:schemeClr>
+                </a:solidFill>
+              </a:defRPr>
+            </a:lvl1pPr>
+          </a:lstStyle>
+          <a:p>
+            <a:endParaRPr lang="en-US" dirty="0"/>
+          </a:p>
+        </p:txBody>
+      </p:sp>
+      <p:sp>
+        <p:nvSpPr>
+          <p:cNvPr id="6" name="Slide Number Placeholder 5"/>
+          <p:cNvSpPr>
+            <a:spLocks noGrp="1"/>
+          </p:cNvSpPr>
+          <p:nvPr>
+            <p:ph type="sldNum" sz="quarter" idx="4"/>
+          </p:nvPr>
+        </p:nvSpPr>
+        <p:spPr>
+          <a:xfrm>
+            <a:off x="6553200" y="4767264"/>
+            <a:ext cx="2133600" cy="273844"/>
+          </a:xfrm>
+          <a:prstGeom prst="rect">
+            <a:avLst/>
+          </a:prstGeom>
+        </p:spPr>
+        <p:txBody>
+          <a:bodyPr vert="horz" lIns="91440" tIns="45720" rIns="91440" bIns="45720" rtlCol="0" anchor="ctr"/>
           <a:lstStyle>
             <a:lvl1pPr algn="r">
-              <a:defRPr sz="2400" b="0" i="0">
-                <a:solidFill>
-                  <a:schemeClr val="bg2">
-                    <a:lumMod val="50000"/>
+              <a:defRPr sz="1200">
+                <a:solidFill>
+                  <a:schemeClr val="tx1">
+                    <a:tint val="75000"/>
                   </a:schemeClr>
                 </a:solidFill>
-                <a:effectLst/>
-                <a:latin typeface="+mn-lt"/>
               </a:defRPr>
             </a:lvl1pPr>
           </a:lstStyle>
@@ -6156,330 +4003,174 @@
     </p:spTree>
     <p:extLst>
       <p:ext uri="{BB962C8B-B14F-4D97-AF65-F5344CB8AC3E}">
-        <p14:creationId xmlns:p14="http://schemas.microsoft.com/office/powerpoint/2010/main" val="3365096067"/>
+        <p14:creationId xmlns:p14="http://schemas.microsoft.com/office/powerpoint/2010/main" val="2070188905"/>
       </p:ext>
     </p:extLst>
   </p:cSld>
-  <p:clrMap bg1="dk1" tx1="lt1" bg2="dk2" tx2="lt2" accent1="accent1" accent2="accent2" accent3="accent3" accent4="accent4" accent5="accent5" accent6="accent6" hlink="hlink" folHlink="folHlink"/>
+  <p:clrMap bg1="lt1" tx1="dk1" bg2="lt2" tx2="dk2" accent1="accent1" accent2="accent2" accent3="accent3" accent4="accent4" accent5="accent5" accent6="accent6" hlink="hlink" folHlink="folHlink"/>
   <p:sldLayoutIdLst>
-    <p:sldLayoutId id="2147483764" r:id="rId1"/>
-    <p:sldLayoutId id="2147483765" r:id="rId2"/>
-    <p:sldLayoutId id="2147483766" r:id="rId3"/>
-    <p:sldLayoutId id="2147483767" r:id="rId4"/>
-    <p:sldLayoutId id="2147483768" r:id="rId5"/>
-    <p:sldLayoutId id="2147483769" r:id="rId6"/>
-    <p:sldLayoutId id="2147483770" r:id="rId7"/>
-    <p:sldLayoutId id="2147483771" r:id="rId8"/>
-    <p:sldLayoutId id="2147483772" r:id="rId9"/>
-    <p:sldLayoutId id="2147483773" r:id="rId10"/>
-    <p:sldLayoutId id="2147483774" r:id="rId11"/>
-    <p:sldLayoutId id="2147483775" r:id="rId12"/>
-    <p:sldLayoutId id="2147483776" r:id="rId13"/>
-    <p:sldLayoutId id="2147483777" r:id="rId14"/>
-    <p:sldLayoutId id="2147483778" r:id="rId15"/>
-    <p:sldLayoutId id="2147483779" r:id="rId16"/>
-    <p:sldLayoutId id="2147483780" r:id="rId17"/>
-    <p:sldLayoutId id="2147483781" r:id="rId18"/>
+    <p:sldLayoutId id="2147483783" r:id="rId1"/>
+    <p:sldLayoutId id="2147483784" r:id="rId2"/>
+    <p:sldLayoutId id="2147483785" r:id="rId3"/>
+    <p:sldLayoutId id="2147483786" r:id="rId4"/>
+    <p:sldLayoutId id="2147483787" r:id="rId5"/>
+    <p:sldLayoutId id="2147483788" r:id="rId6"/>
+    <p:sldLayoutId id="2147483789" r:id="rId7"/>
+    <p:sldLayoutId id="2147483790" r:id="rId8"/>
+    <p:sldLayoutId id="2147483791" r:id="rId9"/>
+    <p:sldLayoutId id="2147483792" r:id="rId10"/>
+    <p:sldLayoutId id="2147483793" r:id="rId11"/>
+    <p:sldLayoutId id="2147483794" r:id="rId12"/>
   </p:sldLayoutIdLst>
   <p:hf sldNum="0" hdr="0" ftr="0" dt="0"/>
   <p:txStyles>
     <p:titleStyle>
-      <a:lvl1pPr algn="l" defTabSz="342900" rtl="0" eaLnBrk="1" latinLnBrk="0" hangingPunct="1">
+      <a:lvl1pPr algn="ctr" defTabSz="914400" rtl="0" eaLnBrk="1" latinLnBrk="0" hangingPunct="1">
         <a:spcBef>
           <a:spcPct val="0"/>
         </a:spcBef>
         <a:buNone/>
-        <a:defRPr sz="2700" kern="1200" cap="all">
-          <a:ln w="3175" cmpd="sng">
-            <a:noFill/>
-          </a:ln>
+        <a:defRPr sz="4400" kern="1200">
           <a:solidFill>
             <a:schemeClr val="tx1"/>
           </a:solidFill>
-          <a:effectLst/>
           <a:latin typeface="+mj-lt"/>
           <a:ea typeface="+mj-ea"/>
           <a:cs typeface="+mj-cs"/>
         </a:defRPr>
       </a:lvl1pPr>
-      <a:lvl2pPr eaLnBrk="1" hangingPunct="1">
-        <a:defRPr>
-          <a:solidFill>
-            <a:schemeClr val="tx2"/>
-          </a:solidFill>
-        </a:defRPr>
-      </a:lvl2pPr>
-      <a:lvl3pPr eaLnBrk="1" hangingPunct="1">
-        <a:defRPr>
-          <a:solidFill>
-            <a:schemeClr val="tx2"/>
-          </a:solidFill>
-        </a:defRPr>
-      </a:lvl3pPr>
-      <a:lvl4pPr eaLnBrk="1" hangingPunct="1">
-        <a:defRPr>
-          <a:solidFill>
-            <a:schemeClr val="tx2"/>
-          </a:solidFill>
-        </a:defRPr>
-      </a:lvl4pPr>
-      <a:lvl5pPr eaLnBrk="1" hangingPunct="1">
-        <a:defRPr>
-          <a:solidFill>
-            <a:schemeClr val="tx2"/>
-          </a:solidFill>
-        </a:defRPr>
-      </a:lvl5pPr>
-      <a:lvl6pPr eaLnBrk="1" hangingPunct="1">
-        <a:defRPr>
-          <a:solidFill>
-            <a:schemeClr val="tx2"/>
-          </a:solidFill>
-        </a:defRPr>
-      </a:lvl6pPr>
-      <a:lvl7pPr eaLnBrk="1" hangingPunct="1">
-        <a:defRPr>
-          <a:solidFill>
-            <a:schemeClr val="tx2"/>
-          </a:solidFill>
-        </a:defRPr>
-      </a:lvl7pPr>
-      <a:lvl8pPr eaLnBrk="1" hangingPunct="1">
-        <a:defRPr>
-          <a:solidFill>
-            <a:schemeClr val="tx2"/>
-          </a:solidFill>
-        </a:defRPr>
-      </a:lvl8pPr>
-      <a:lvl9pPr eaLnBrk="1" hangingPunct="1">
-        <a:defRPr>
-          <a:solidFill>
-            <a:schemeClr val="tx2"/>
-          </a:solidFill>
-        </a:defRPr>
-      </a:lvl9pPr>
     </p:titleStyle>
     <p:bodyStyle>
-      <a:lvl1pPr marL="214313" indent="-214313" algn="l" defTabSz="342900" rtl="0" eaLnBrk="1" latinLnBrk="0" hangingPunct="1">
+      <a:lvl1pPr marL="342900" indent="-342900" algn="l" defTabSz="914400" rtl="0" eaLnBrk="1" latinLnBrk="0" hangingPunct="1">
         <a:spcBef>
           <a:spcPct val="20000"/>
         </a:spcBef>
-        <a:spcAft>
-          <a:spcPts val="450"/>
-        </a:spcAft>
-        <a:buClr>
-          <a:schemeClr val="tx1"/>
-        </a:buClr>
-        <a:buSzPct val="80000"/>
-        <a:buFont typeface="Wingdings 3" panose="05040102010807070707" pitchFamily="18" charset="2"/>
-        <a:buChar char=""/>
-        <a:defRPr sz="1500" kern="1200" cap="none">
+        <a:buFont typeface="Arial" pitchFamily="34" charset="0"/>
+        <a:buChar char="•"/>
+        <a:defRPr sz="3200" kern="1200">
           <a:solidFill>
-            <a:schemeClr val="bg2">
-              <a:lumMod val="75000"/>
-            </a:schemeClr>
+            <a:schemeClr val="tx1"/>
           </a:solidFill>
-          <a:effectLst/>
           <a:latin typeface="+mn-lt"/>
           <a:ea typeface="+mn-ea"/>
           <a:cs typeface="+mn-cs"/>
         </a:defRPr>
       </a:lvl1pPr>
-      <a:lvl2pPr marL="557213" indent="-214313" algn="l" defTabSz="342900" rtl="0" eaLnBrk="1" latinLnBrk="0" hangingPunct="1">
+      <a:lvl2pPr marL="742950" indent="-285750" algn="l" defTabSz="914400" rtl="0" eaLnBrk="1" latinLnBrk="0" hangingPunct="1">
         <a:spcBef>
           <a:spcPct val="20000"/>
         </a:spcBef>
-        <a:spcAft>
-          <a:spcPts val="450"/>
-        </a:spcAft>
-        <a:buClr>
-          <a:schemeClr val="tx1"/>
-        </a:buClr>
-        <a:buSzPct val="80000"/>
-        <a:buFont typeface="Wingdings 3" panose="05040102010807070707" pitchFamily="18" charset="2"/>
-        <a:buChar char=""/>
-        <a:defRPr sz="1350" kern="1200" cap="none">
+        <a:buFont typeface="Arial" pitchFamily="34" charset="0"/>
+        <a:buChar char="–"/>
+        <a:defRPr sz="2800" kern="1200">
           <a:solidFill>
-            <a:schemeClr val="bg2">
-              <a:lumMod val="75000"/>
-            </a:schemeClr>
+            <a:schemeClr val="tx1"/>
           </a:solidFill>
-          <a:effectLst/>
           <a:latin typeface="+mn-lt"/>
           <a:ea typeface="+mn-ea"/>
           <a:cs typeface="+mn-cs"/>
         </a:defRPr>
       </a:lvl2pPr>
-      <a:lvl3pPr marL="900113" indent="-214313" algn="l" defTabSz="342900" rtl="0" eaLnBrk="1" latinLnBrk="0" hangingPunct="1">
+      <a:lvl3pPr marL="1143000" indent="-228600" algn="l" defTabSz="914400" rtl="0" eaLnBrk="1" latinLnBrk="0" hangingPunct="1">
         <a:spcBef>
           <a:spcPct val="20000"/>
         </a:spcBef>
-        <a:spcAft>
-          <a:spcPts val="450"/>
-        </a:spcAft>
-        <a:buClr>
-          <a:schemeClr val="tx1"/>
-        </a:buClr>
-        <a:buSzPct val="80000"/>
-        <a:buFont typeface="Wingdings 3" panose="05040102010807070707" pitchFamily="18" charset="2"/>
-        <a:buChar char=""/>
-        <a:defRPr sz="1200" kern="1200" cap="none">
+        <a:buFont typeface="Arial" pitchFamily="34" charset="0"/>
+        <a:buChar char="•"/>
+        <a:defRPr sz="2400" kern="1200">
           <a:solidFill>
-            <a:schemeClr val="bg2">
-              <a:lumMod val="75000"/>
-            </a:schemeClr>
+            <a:schemeClr val="tx1"/>
           </a:solidFill>
-          <a:effectLst/>
           <a:latin typeface="+mn-lt"/>
           <a:ea typeface="+mn-ea"/>
           <a:cs typeface="+mn-cs"/>
         </a:defRPr>
       </a:lvl3pPr>
-      <a:lvl4pPr marL="1157288" indent="-128588" algn="l" defTabSz="342900" rtl="0" eaLnBrk="1" latinLnBrk="0" hangingPunct="1">
+      <a:lvl4pPr marL="1600200" indent="-228600" algn="l" defTabSz="914400" rtl="0" eaLnBrk="1" latinLnBrk="0" hangingPunct="1">
         <a:spcBef>
           <a:spcPct val="20000"/>
         </a:spcBef>
-        <a:spcAft>
-          <a:spcPts val="450"/>
-        </a:spcAft>
-        <a:buClr>
-          <a:schemeClr val="tx1"/>
-        </a:buClr>
-        <a:buSzPct val="80000"/>
-        <a:buFont typeface="Wingdings 3" panose="05040102010807070707" pitchFamily="18" charset="2"/>
-        <a:buChar char=""/>
-        <a:defRPr sz="1050" kern="1200" cap="none">
+        <a:buFont typeface="Arial" pitchFamily="34" charset="0"/>
+        <a:buChar char="–"/>
+        <a:defRPr sz="2000" kern="1200">
           <a:solidFill>
-            <a:schemeClr val="bg2">
-              <a:lumMod val="75000"/>
-            </a:schemeClr>
+            <a:schemeClr val="tx1"/>
           </a:solidFill>
-          <a:effectLst/>
           <a:latin typeface="+mn-lt"/>
           <a:ea typeface="+mn-ea"/>
           <a:cs typeface="+mn-cs"/>
         </a:defRPr>
       </a:lvl4pPr>
-      <a:lvl5pPr marL="1500188" indent="-128588" algn="l" defTabSz="342900" rtl="0" eaLnBrk="1" latinLnBrk="0" hangingPunct="1">
+      <a:lvl5pPr marL="2057400" indent="-228600" algn="l" defTabSz="914400" rtl="0" eaLnBrk="1" latinLnBrk="0" hangingPunct="1">
         <a:spcBef>
           <a:spcPct val="20000"/>
         </a:spcBef>
-        <a:spcAft>
-          <a:spcPts val="450"/>
-        </a:spcAft>
-        <a:buClr>
-          <a:schemeClr val="tx1"/>
-        </a:buClr>
-        <a:buSzPct val="80000"/>
-        <a:buFont typeface="Wingdings 3" panose="05040102010807070707" pitchFamily="18" charset="2"/>
-        <a:buChar char=""/>
-        <a:defRPr sz="1050" kern="1200" cap="none">
+        <a:buFont typeface="Arial" pitchFamily="34" charset="0"/>
+        <a:buChar char="»"/>
+        <a:defRPr sz="2000" kern="1200">
           <a:solidFill>
-            <a:schemeClr val="bg2">
-              <a:lumMod val="75000"/>
-            </a:schemeClr>
+            <a:schemeClr val="tx1"/>
           </a:solidFill>
-          <a:effectLst/>
           <a:latin typeface="+mn-lt"/>
           <a:ea typeface="+mn-ea"/>
           <a:cs typeface="+mn-cs"/>
         </a:defRPr>
       </a:lvl5pPr>
-      <a:lvl6pPr marL="1885950" indent="-171450" algn="l" defTabSz="342900" rtl="0" eaLnBrk="1" latinLnBrk="0" hangingPunct="1">
+      <a:lvl6pPr marL="2514600" indent="-228600" algn="l" defTabSz="914400" rtl="0" eaLnBrk="1" latinLnBrk="0" hangingPunct="1">
         <a:spcBef>
           <a:spcPct val="20000"/>
         </a:spcBef>
-        <a:spcAft>
-          <a:spcPts val="450"/>
-        </a:spcAft>
-        <a:buClr>
-          <a:schemeClr val="tx1"/>
-        </a:buClr>
-        <a:buSzPct val="80000"/>
-        <a:buFont typeface="Wingdings 3" panose="05040102010807070707" pitchFamily="18" charset="2"/>
-        <a:buChar char=""/>
-        <a:defRPr sz="1050" kern="1200" cap="none">
+        <a:buFont typeface="Arial" pitchFamily="34" charset="0"/>
+        <a:buChar char="•"/>
+        <a:defRPr sz="2000" kern="1200">
           <a:solidFill>
-            <a:schemeClr val="bg2">
-              <a:lumMod val="75000"/>
-            </a:schemeClr>
+            <a:schemeClr val="tx1"/>
           </a:solidFill>
-          <a:effectLst/>
           <a:latin typeface="+mn-lt"/>
           <a:ea typeface="+mn-ea"/>
           <a:cs typeface="+mn-cs"/>
         </a:defRPr>
       </a:lvl6pPr>
-      <a:lvl7pPr marL="2228850" indent="-171450" algn="l" defTabSz="342900" rtl="0" eaLnBrk="1" latinLnBrk="0" hangingPunct="1">
+      <a:lvl7pPr marL="2971800" indent="-228600" algn="l" defTabSz="914400" rtl="0" eaLnBrk="1" latinLnBrk="0" hangingPunct="1">
         <a:spcBef>
           <a:spcPct val="20000"/>
         </a:spcBef>
-        <a:spcAft>
-          <a:spcPts val="450"/>
-        </a:spcAft>
-        <a:buClr>
-          <a:schemeClr val="tx1"/>
-        </a:buClr>
-        <a:buSzPct val="80000"/>
-        <a:buFont typeface="Wingdings 3" panose="05040102010807070707" pitchFamily="18" charset="2"/>
-        <a:buChar char=""/>
-        <a:defRPr sz="1050" kern="1200" cap="none">
+        <a:buFont typeface="Arial" pitchFamily="34" charset="0"/>
+        <a:buChar char="•"/>
+        <a:defRPr sz="2000" kern="1200">
           <a:solidFill>
-            <a:schemeClr val="bg2">
-              <a:lumMod val="75000"/>
-            </a:schemeClr>
+            <a:schemeClr val="tx1"/>
           </a:solidFill>
-          <a:effectLst/>
           <a:latin typeface="+mn-lt"/>
           <a:ea typeface="+mn-ea"/>
           <a:cs typeface="+mn-cs"/>
         </a:defRPr>
       </a:lvl7pPr>
-      <a:lvl8pPr marL="2571750" indent="-171450" algn="l" defTabSz="342900" rtl="0" eaLnBrk="1" latinLnBrk="0" hangingPunct="1">
+      <a:lvl8pPr marL="3429000" indent="-228600" algn="l" defTabSz="914400" rtl="0" eaLnBrk="1" latinLnBrk="0" hangingPunct="1">
         <a:spcBef>
           <a:spcPct val="20000"/>
         </a:spcBef>
-        <a:spcAft>
-          <a:spcPts val="450"/>
-        </a:spcAft>
-        <a:buClr>
-          <a:schemeClr val="tx1"/>
-        </a:buClr>
-        <a:buSzPct val="80000"/>
-        <a:buFont typeface="Wingdings 3" panose="05040102010807070707" pitchFamily="18" charset="2"/>
-        <a:buChar char=""/>
-        <a:defRPr sz="1050" kern="1200" cap="none">
+        <a:buFont typeface="Arial" pitchFamily="34" charset="0"/>
+        <a:buChar char="•"/>
+        <a:defRPr sz="2000" kern="1200">
           <a:solidFill>
-            <a:schemeClr val="bg2">
-              <a:lumMod val="75000"/>
-            </a:schemeClr>
+            <a:schemeClr val="tx1"/>
           </a:solidFill>
-          <a:effectLst/>
           <a:latin typeface="+mn-lt"/>
           <a:ea typeface="+mn-ea"/>
           <a:cs typeface="+mn-cs"/>
         </a:defRPr>
       </a:lvl8pPr>
-      <a:lvl9pPr marL="2914650" indent="-171450" algn="l" defTabSz="342900" rtl="0" eaLnBrk="1" latinLnBrk="0" hangingPunct="1">
+      <a:lvl9pPr marL="3886200" indent="-228600" algn="l" defTabSz="914400" rtl="0" eaLnBrk="1" latinLnBrk="0" hangingPunct="1">
         <a:spcBef>
           <a:spcPct val="20000"/>
         </a:spcBef>
-        <a:spcAft>
-          <a:spcPts val="450"/>
-        </a:spcAft>
-        <a:buClr>
-          <a:schemeClr val="tx1"/>
-        </a:buClr>
-        <a:buSzPct val="80000"/>
-        <a:buFont typeface="Wingdings 3" panose="05040102010807070707" pitchFamily="18" charset="2"/>
-        <a:buChar char=""/>
-        <a:defRPr sz="1050" kern="1200" cap="none">
+        <a:buFont typeface="Arial" pitchFamily="34" charset="0"/>
+        <a:buChar char="•"/>
+        <a:defRPr sz="2000" kern="1200">
           <a:solidFill>
-            <a:schemeClr val="bg2">
-              <a:lumMod val="75000"/>
-            </a:schemeClr>
+            <a:schemeClr val="tx1"/>
           </a:solidFill>
-          <a:effectLst/>
           <a:latin typeface="+mn-lt"/>
           <a:ea typeface="+mn-ea"/>
           <a:cs typeface="+mn-cs"/>
@@ -6490,8 +4181,8 @@
       <a:defPPr>
         <a:defRPr lang="en-US"/>
       </a:defPPr>
-      <a:lvl1pPr marL="0" algn="l" defTabSz="342900" rtl="0" eaLnBrk="1" latinLnBrk="0" hangingPunct="1">
-        <a:defRPr sz="1350" kern="1200">
+      <a:lvl1pPr marL="0" algn="l" defTabSz="914400" rtl="0" eaLnBrk="1" latinLnBrk="0" hangingPunct="1">
+        <a:defRPr sz="1800" kern="1200">
           <a:solidFill>
             <a:schemeClr val="tx1"/>
           </a:solidFill>
@@ -6500,8 +4191,8 @@
           <a:cs typeface="+mn-cs"/>
         </a:defRPr>
       </a:lvl1pPr>
-      <a:lvl2pPr marL="342900" algn="l" defTabSz="342900" rtl="0" eaLnBrk="1" latinLnBrk="0" hangingPunct="1">
-        <a:defRPr sz="1350" kern="1200">
+      <a:lvl2pPr marL="457200" algn="l" defTabSz="914400" rtl="0" eaLnBrk="1" latinLnBrk="0" hangingPunct="1">
+        <a:defRPr sz="1800" kern="1200">
           <a:solidFill>
             <a:schemeClr val="tx1"/>
           </a:solidFill>
@@ -6510,8 +4201,8 @@
           <a:cs typeface="+mn-cs"/>
         </a:defRPr>
       </a:lvl2pPr>
-      <a:lvl3pPr marL="685800" algn="l" defTabSz="342900" rtl="0" eaLnBrk="1" latinLnBrk="0" hangingPunct="1">
-        <a:defRPr sz="1350" kern="1200">
+      <a:lvl3pPr marL="914400" algn="l" defTabSz="914400" rtl="0" eaLnBrk="1" latinLnBrk="0" hangingPunct="1">
+        <a:defRPr sz="1800" kern="1200">
           <a:solidFill>
             <a:schemeClr val="tx1"/>
           </a:solidFill>
@@ -6520,8 +4211,8 @@
           <a:cs typeface="+mn-cs"/>
         </a:defRPr>
       </a:lvl3pPr>
-      <a:lvl4pPr marL="1028700" algn="l" defTabSz="342900" rtl="0" eaLnBrk="1" latinLnBrk="0" hangingPunct="1">
-        <a:defRPr sz="1350" kern="1200">
+      <a:lvl4pPr marL="1371600" algn="l" defTabSz="914400" rtl="0" eaLnBrk="1" latinLnBrk="0" hangingPunct="1">
+        <a:defRPr sz="1800" kern="1200">
           <a:solidFill>
             <a:schemeClr val="tx1"/>
           </a:solidFill>
@@ -6530,8 +4221,8 @@
           <a:cs typeface="+mn-cs"/>
         </a:defRPr>
       </a:lvl4pPr>
-      <a:lvl5pPr marL="1371600" algn="l" defTabSz="342900" rtl="0" eaLnBrk="1" latinLnBrk="0" hangingPunct="1">
-        <a:defRPr sz="1350" kern="1200">
+      <a:lvl5pPr marL="1828800" algn="l" defTabSz="914400" rtl="0" eaLnBrk="1" latinLnBrk="0" hangingPunct="1">
+        <a:defRPr sz="1800" kern="1200">
           <a:solidFill>
             <a:schemeClr val="tx1"/>
           </a:solidFill>
@@ -6540,8 +4231,8 @@
           <a:cs typeface="+mn-cs"/>
         </a:defRPr>
       </a:lvl5pPr>
-      <a:lvl6pPr marL="1714500" algn="l" defTabSz="342900" rtl="0" eaLnBrk="1" latinLnBrk="0" hangingPunct="1">
-        <a:defRPr sz="1350" kern="1200">
+      <a:lvl6pPr marL="2286000" algn="l" defTabSz="914400" rtl="0" eaLnBrk="1" latinLnBrk="0" hangingPunct="1">
+        <a:defRPr sz="1800" kern="1200">
           <a:solidFill>
             <a:schemeClr val="tx1"/>
           </a:solidFill>
@@ -6550,8 +4241,8 @@
           <a:cs typeface="+mn-cs"/>
         </a:defRPr>
       </a:lvl6pPr>
-      <a:lvl7pPr marL="2057400" algn="l" defTabSz="342900" rtl="0" eaLnBrk="1" latinLnBrk="0" hangingPunct="1">
-        <a:defRPr sz="1350" kern="1200">
+      <a:lvl7pPr marL="2743200" algn="l" defTabSz="914400" rtl="0" eaLnBrk="1" latinLnBrk="0" hangingPunct="1">
+        <a:defRPr sz="1800" kern="1200">
           <a:solidFill>
             <a:schemeClr val="tx1"/>
           </a:solidFill>
@@ -6560,8 +4251,8 @@
           <a:cs typeface="+mn-cs"/>
         </a:defRPr>
       </a:lvl7pPr>
-      <a:lvl8pPr marL="2400300" algn="l" defTabSz="342900" rtl="0" eaLnBrk="1" latinLnBrk="0" hangingPunct="1">
-        <a:defRPr sz="1350" kern="1200">
+      <a:lvl8pPr marL="3200400" algn="l" defTabSz="914400" rtl="0" eaLnBrk="1" latinLnBrk="0" hangingPunct="1">
+        <a:defRPr sz="1800" kern="1200">
           <a:solidFill>
             <a:schemeClr val="tx1"/>
           </a:solidFill>
@@ -6570,8 +4261,8 @@
           <a:cs typeface="+mn-cs"/>
         </a:defRPr>
       </a:lvl8pPr>
-      <a:lvl9pPr marL="2743200" algn="l" defTabSz="342900" rtl="0" eaLnBrk="1" latinLnBrk="0" hangingPunct="1">
-        <a:defRPr sz="1350" kern="1200">
+      <a:lvl9pPr marL="3657600" algn="l" defTabSz="914400" rtl="0" eaLnBrk="1" latinLnBrk="0" hangingPunct="1">
+        <a:defRPr sz="1800" kern="1200">
           <a:solidFill>
             <a:schemeClr val="tx1"/>
           </a:solidFill>
@@ -6614,8 +4305,8 @@
         </p:nvSpPr>
         <p:spPr>
           <a:xfrm>
-            <a:off x="0" y="212200"/>
-            <a:ext cx="7772400" cy="1159856"/>
+            <a:off x="1169377" y="404445"/>
+            <a:ext cx="6805246" cy="792655"/>
           </a:xfrm>
           <a:prstGeom prst="rect">
             <a:avLst/>
@@ -6642,7 +4333,40 @@
                 </a:solidFill>
                 <a:latin typeface="Algerian" panose="04020705040A02060702" pitchFamily="82" charset="0"/>
               </a:rPr>
-              <a:t>Morse-Code Decoder </a:t>
+              <a:t>Morse-Code </a:t>
+            </a:r>
+            <a:r>
+              <a:rPr lang="en-GB" sz="4000" b="1" u="sng" dirty="0" smtClean="0">
+                <a:solidFill>
+                  <a:schemeClr val="accent6">
+                    <a:lumMod val="50000"/>
+                  </a:schemeClr>
+                </a:solidFill>
+                <a:latin typeface="Algerian" panose="04020705040A02060702" pitchFamily="82" charset="0"/>
+              </a:rPr>
+              <a:t> </a:t>
+            </a:r>
+            <a:r>
+              <a:rPr lang="en-GB" sz="4000" b="1" u="sng" dirty="0" smtClean="0">
+                <a:solidFill>
+                  <a:schemeClr val="accent6">
+                    <a:lumMod val="50000"/>
+                  </a:schemeClr>
+                </a:solidFill>
+                <a:latin typeface="Algerian" panose="04020705040A02060702" pitchFamily="82" charset="0"/>
+              </a:rPr>
+              <a:t>BOT</a:t>
+            </a:r>
+            <a:r>
+              <a:rPr lang="en-GB" sz="4000" b="1" u="sng" dirty="0" smtClean="0">
+                <a:solidFill>
+                  <a:schemeClr val="accent6">
+                    <a:lumMod val="50000"/>
+                  </a:schemeClr>
+                </a:solidFill>
+                <a:latin typeface="Algerian" panose="04020705040A02060702" pitchFamily="82" charset="0"/>
+              </a:rPr>
+              <a:t> </a:t>
             </a:r>
             <a:endParaRPr lang="en-GB" sz="4000" b="1" u="sng" dirty="0">
               <a:solidFill>
@@ -6667,8 +4391,8 @@
         </p:nvSpPr>
         <p:spPr>
           <a:xfrm>
-            <a:off x="202914" y="1962364"/>
-            <a:ext cx="7772400" cy="2488483"/>
+            <a:off x="2146014" y="2050288"/>
+            <a:ext cx="5002132" cy="2488483"/>
           </a:xfrm>
           <a:prstGeom prst="rect">
             <a:avLst/>
@@ -6689,10 +4413,7 @@
             <a:r>
               <a:rPr lang="en-GB" sz="2800" b="1" dirty="0" smtClean="0">
                 <a:solidFill>
-                  <a:schemeClr val="bg1">
-                    <a:lumMod val="95000"/>
-                    <a:lumOff val="5000"/>
-                  </a:schemeClr>
+                  <a:srgbClr val="002060"/>
                 </a:solidFill>
                 <a:latin typeface="Agency FB" panose="020B0503020202020204" pitchFamily="34" charset="0"/>
               </a:rPr>
@@ -6701,10 +4422,7 @@
             <a:r>
               <a:rPr lang="en-GB" sz="2800" dirty="0" smtClean="0">
                 <a:solidFill>
-                  <a:schemeClr val="bg1">
-                    <a:lumMod val="95000"/>
-                    <a:lumOff val="5000"/>
-                  </a:schemeClr>
+                  <a:srgbClr val="002060"/>
                 </a:solidFill>
                 <a:latin typeface="Agency FB" panose="020B0503020202020204" pitchFamily="34" charset="0"/>
               </a:rPr>
@@ -6713,10 +4431,7 @@
             <a:br>
               <a:rPr lang="en-GB" sz="2800" dirty="0" smtClean="0">
                 <a:solidFill>
-                  <a:schemeClr val="bg1">
-                    <a:lumMod val="95000"/>
-                    <a:lumOff val="5000"/>
-                  </a:schemeClr>
+                  <a:srgbClr val="002060"/>
                 </a:solidFill>
                 <a:latin typeface="Agency FB" panose="020B0503020202020204" pitchFamily="34" charset="0"/>
               </a:rPr>
@@ -6724,10 +4439,7 @@
             <a:r>
               <a:rPr lang="en-GB" sz="2800" dirty="0" smtClean="0">
                 <a:solidFill>
-                  <a:schemeClr val="bg1">
-                    <a:lumMod val="95000"/>
-                    <a:lumOff val="5000"/>
-                  </a:schemeClr>
+                  <a:srgbClr val="002060"/>
                 </a:solidFill>
                 <a:latin typeface="Agency FB" panose="020B0503020202020204" pitchFamily="34" charset="0"/>
               </a:rPr>
@@ -6744,10 +4456,7 @@
             <a:r>
               <a:rPr lang="en-GB" sz="2800" dirty="0" smtClean="0">
                 <a:solidFill>
-                  <a:schemeClr val="bg1">
-                    <a:lumMod val="95000"/>
-                    <a:lumOff val="5000"/>
-                  </a:schemeClr>
+                  <a:srgbClr val="002060"/>
                 </a:solidFill>
                 <a:latin typeface="Agency FB" panose="020B0503020202020204" pitchFamily="34" charset="0"/>
               </a:rPr>
@@ -6764,10 +4473,7 @@
             <a:r>
               <a:rPr lang="en-GB" sz="2800" dirty="0" smtClean="0">
                 <a:solidFill>
-                  <a:schemeClr val="bg1">
-                    <a:lumMod val="95000"/>
-                    <a:lumOff val="5000"/>
-                  </a:schemeClr>
+                  <a:srgbClr val="002060"/>
                 </a:solidFill>
                 <a:latin typeface="Agency FB" panose="020B0503020202020204" pitchFamily="34" charset="0"/>
               </a:rPr>
@@ -6784,10 +4490,7 @@
             <a:r>
               <a:rPr lang="en-GB" sz="2800" dirty="0" smtClean="0">
                 <a:solidFill>
-                  <a:schemeClr val="bg1">
-                    <a:lumMod val="95000"/>
-                    <a:lumOff val="5000"/>
-                  </a:schemeClr>
+                  <a:srgbClr val="002060"/>
                 </a:solidFill>
                 <a:latin typeface="Agency FB" panose="020B0503020202020204" pitchFamily="34" charset="0"/>
               </a:rPr>
@@ -6795,10 +4498,7 @@
             </a:r>
             <a:endParaRPr lang="en-GB" sz="2800" dirty="0">
               <a:solidFill>
-                <a:schemeClr val="bg1">
-                  <a:lumMod val="95000"/>
-                  <a:lumOff val="5000"/>
-                </a:schemeClr>
+                <a:srgbClr val="002060"/>
               </a:solidFill>
               <a:latin typeface="Agency FB" panose="020B0503020202020204" pitchFamily="34" charset="0"/>
             </a:endParaRPr>
@@ -6883,47 +4583,6 @@
           </a:p>
         </p:txBody>
       </p:sp>
-      <p:pic>
-        <p:nvPicPr>
-          <p:cNvPr id="1032" name="Picture 8" descr="http://cdn.instructables.com/F1Q/9OFN/HCB8QEQP/F1Q9OFNHCB8QEQP.LARGE.jpg"/>
-          <p:cNvPicPr>
-            <a:picLocks noChangeAspect="1" noChangeArrowheads="1"/>
-          </p:cNvPicPr>
-          <p:nvPr/>
-        </p:nvPicPr>
-        <p:blipFill>
-          <a:blip r:embed="rId3">
-            <a:extLst>
-              <a:ext uri="{28A0092B-C50C-407E-A947-70E740481C1C}">
-                <a14:useLocalDpi xmlns:a14="http://schemas.microsoft.com/office/drawing/2010/main" val="0"/>
-              </a:ext>
-            </a:extLst>
-          </a:blip>
-          <a:srcRect/>
-          <a:stretch>
-            <a:fillRect/>
-          </a:stretch>
-        </p:blipFill>
-        <p:spPr bwMode="auto">
-          <a:xfrm>
-            <a:off x="5767583" y="888911"/>
-            <a:ext cx="3376417" cy="4254589"/>
-          </a:xfrm>
-          <a:prstGeom prst="rect">
-            <a:avLst/>
-          </a:prstGeom>
-          <a:noFill/>
-          <a:extLst>
-            <a:ext uri="{909E8E84-426E-40DD-AFC4-6F175D3DCCD1}">
-              <a14:hiddenFill xmlns:a14="http://schemas.microsoft.com/office/drawing/2010/main">
-                <a:solidFill>
-                  <a:srgbClr val="FFFFFF"/>
-                </a:solidFill>
-              </a14:hiddenFill>
-            </a:ext>
-          </a:extLst>
-        </p:spPr>
-      </p:pic>
     </p:spTree>
   </p:cSld>
   <p:clrMapOvr>
@@ -6947,7 +4606,7 @@
   <p:cSld>
     <p:spTree>
       <p:nvGrpSpPr>
-        <p:cNvPr id="1" name="Shape 53"/>
+        <p:cNvPr id="1" name=""/>
         <p:cNvGrpSpPr/>
         <p:nvPr/>
       </p:nvGrpSpPr>
@@ -6961,7 +4620,185 @@
       </p:grpSpPr>
       <p:sp>
         <p:nvSpPr>
-          <p:cNvPr id="54" name="Shape 54"/>
+          <p:cNvPr id="2" name="Title 1"/>
+          <p:cNvSpPr>
+            <a:spLocks noGrp="1"/>
+          </p:cNvSpPr>
+          <p:nvPr>
+            <p:ph type="title"/>
+          </p:nvPr>
+        </p:nvSpPr>
+        <p:spPr/>
+        <p:txBody>
+          <a:bodyPr>
+            <a:normAutofit/>
+          </a:bodyPr>
+          <a:lstStyle/>
+          <a:p>
+            <a:pPr algn="l"/>
+            <a:r>
+              <a:rPr lang="en-US" sz="2800" b="1" dirty="0">
+                <a:latin typeface="Baskerville Old Face" panose="02020602080505020303" pitchFamily="18" charset="0"/>
+              </a:rPr>
+              <a:t>External Hardware</a:t>
+            </a:r>
+            <a:endParaRPr lang="en-US" sz="2800" b="1" dirty="0">
+              <a:latin typeface="Baskerville Old Face" panose="02020602080505020303" pitchFamily="18" charset="0"/>
+            </a:endParaRPr>
+          </a:p>
+        </p:txBody>
+      </p:sp>
+      <p:sp>
+        <p:nvSpPr>
+          <p:cNvPr id="3" name="Text Placeholder 2"/>
+          <p:cNvSpPr>
+            <a:spLocks noGrp="1"/>
+          </p:cNvSpPr>
+          <p:nvPr>
+            <p:ph type="body" idx="1"/>
+          </p:nvPr>
+        </p:nvSpPr>
+        <p:spPr/>
+        <p:txBody>
+          <a:bodyPr/>
+          <a:lstStyle/>
+          <a:p>
+            <a:r>
+              <a:rPr lang="en-US" sz="2800" i="1" dirty="0" smtClean="0">
+                <a:solidFill>
+                  <a:srgbClr val="002060"/>
+                </a:solidFill>
+                <a:latin typeface="Agency FB" panose="020B0503020202020204" pitchFamily="34" charset="0"/>
+              </a:rPr>
+              <a:t>Audio signals amplified first using transistor amplifier.</a:t>
+            </a:r>
+          </a:p>
+          <a:p>
+            <a:r>
+              <a:rPr lang="en-US" sz="2800" i="1" dirty="0" smtClean="0">
+                <a:solidFill>
+                  <a:srgbClr val="002060"/>
+                </a:solidFill>
+                <a:latin typeface="Agency FB" panose="020B0503020202020204" pitchFamily="34" charset="0"/>
+              </a:rPr>
+              <a:t>Output of amplifier is fed to comparator  (Compares voltages)  .</a:t>
+            </a:r>
+          </a:p>
+          <a:p>
+            <a:r>
+              <a:rPr lang="en-US" sz="2800" i="1" dirty="0" smtClean="0">
+                <a:solidFill>
+                  <a:srgbClr val="002060"/>
+                </a:solidFill>
+                <a:latin typeface="Agency FB" panose="020B0503020202020204" pitchFamily="34" charset="0"/>
+              </a:rPr>
+              <a:t>Output is a series of square pulses dependent on audio input.</a:t>
+            </a:r>
+          </a:p>
+          <a:p>
+            <a:r>
+              <a:rPr lang="en-US" sz="2800" i="1" dirty="0" smtClean="0">
+                <a:solidFill>
+                  <a:srgbClr val="002060"/>
+                </a:solidFill>
+                <a:latin typeface="Agency FB" panose="020B0503020202020204" pitchFamily="34" charset="0"/>
+              </a:rPr>
+              <a:t>No ADC (  Analog To Digital Converter ) is used .</a:t>
+            </a:r>
+          </a:p>
+          <a:p>
+            <a:r>
+              <a:rPr lang="en-US" sz="2800" i="1" dirty="0" smtClean="0">
+                <a:solidFill>
+                  <a:srgbClr val="002060"/>
+                </a:solidFill>
+                <a:latin typeface="Agency FB" panose="020B0503020202020204" pitchFamily="34" charset="0"/>
+              </a:rPr>
+              <a:t>Uses only one pin of microcontroller.</a:t>
+            </a:r>
+          </a:p>
+          <a:p>
+            <a:r>
+              <a:rPr lang="en-US" sz="2800" i="1" dirty="0" smtClean="0">
+                <a:solidFill>
+                  <a:srgbClr val="002060"/>
+                </a:solidFill>
+                <a:latin typeface="Agency FB" panose="020B0503020202020204" pitchFamily="34" charset="0"/>
+              </a:rPr>
+              <a:t>Internal Counter is used for  counting the pulses  on T1 (PC6) pin on </a:t>
+            </a:r>
+            <a:r>
+              <a:rPr lang="en-US" sz="2800" i="1" dirty="0" err="1" smtClean="0">
+                <a:solidFill>
+                  <a:srgbClr val="002060"/>
+                </a:solidFill>
+                <a:latin typeface="Agency FB" panose="020B0503020202020204" pitchFamily="34" charset="0"/>
+              </a:rPr>
+              <a:t>atmega</a:t>
+            </a:r>
+            <a:r>
+              <a:rPr lang="en-US" sz="2800" i="1" dirty="0" smtClean="0">
+                <a:solidFill>
+                  <a:srgbClr val="002060"/>
+                </a:solidFill>
+                <a:latin typeface="Agency FB" panose="020B0503020202020204" pitchFamily="34" charset="0"/>
+              </a:rPr>
+              <a:t>.</a:t>
+            </a:r>
+          </a:p>
+          <a:p>
+            <a:endParaRPr lang="en-US" sz="2800" i="1" dirty="0" smtClean="0">
+              <a:latin typeface="Agency FB" panose="020B0503020202020204" pitchFamily="34" charset="0"/>
+            </a:endParaRPr>
+          </a:p>
+          <a:p>
+            <a:endParaRPr lang="en-US" dirty="0" smtClean="0"/>
+          </a:p>
+          <a:p>
+            <a:endParaRPr lang="en-US" dirty="0"/>
+          </a:p>
+        </p:txBody>
+      </p:sp>
+    </p:spTree>
+    <p:extLst>
+      <p:ext uri="{BB962C8B-B14F-4D97-AF65-F5344CB8AC3E}">
+        <p14:creationId xmlns:p14="http://schemas.microsoft.com/office/powerpoint/2010/main" val="1212197553"/>
+      </p:ext>
+    </p:extLst>
+  </p:cSld>
+  <p:clrMapOvr>
+    <a:masterClrMapping/>
+  </p:clrMapOvr>
+  <p:timing>
+    <p:tnLst>
+      <p:par>
+        <p:cTn id="1" dur="indefinite" restart="never" nodeType="tmRoot"/>
+      </p:par>
+    </p:tnLst>
+  </p:timing>
+</p:sld>
+</file>
+
+<file path=ppt/slides/slide11.xml><?xml version="1.0" encoding="utf-8"?>
+<p:sld xmlns:a="http://schemas.openxmlformats.org/drawingml/2006/main" xmlns:r="http://schemas.openxmlformats.org/officeDocument/2006/relationships" xmlns:p="http://schemas.openxmlformats.org/presentationml/2006/main">
+  <p:cSld>
+    <p:spTree>
+      <p:nvGrpSpPr>
+        <p:cNvPr id="1" name="Shape 41"/>
+        <p:cNvGrpSpPr/>
+        <p:nvPr/>
+      </p:nvGrpSpPr>
+      <p:grpSpPr>
+        <a:xfrm>
+          <a:off x="0" y="0"/>
+          <a:ext cx="0" cy="0"/>
+          <a:chOff x="0" y="0"/>
+          <a:chExt cx="0" cy="0"/>
+        </a:xfrm>
+      </p:grpSpPr>
+      <p:sp>
+        <p:nvSpPr>
+          <p:cNvPr id="42" name="Shape 42"/>
           <p:cNvSpPr txBox="1">
             <a:spLocks noGrp="1"/>
           </p:cNvSpPr>
@@ -6970,6 +4807,10 @@
           </p:nvPr>
         </p:nvSpPr>
         <p:spPr>
+          <a:xfrm>
+            <a:off x="387158" y="238183"/>
+            <a:ext cx="8229600" cy="857250"/>
+          </a:xfrm>
           <a:prstGeom prst="rect">
             <a:avLst/>
           </a:prstGeom>
@@ -6987,98 +4828,349 @@
               <a:buNone/>
             </a:pPr>
             <a:r>
-              <a:rPr lang="en-GB" i="1" u="sng" dirty="0">
+              <a:rPr lang="en-GB" sz="3200" b="1" dirty="0" smtClean="0">
                 <a:latin typeface="Baskerville Old Face" panose="02020602080505020303" pitchFamily="18" charset="0"/>
               </a:rPr>
-              <a:t>Future Work</a:t>
-            </a:r>
-          </a:p>
-        </p:txBody>
-      </p:sp>
-      <p:sp>
-        <p:nvSpPr>
-          <p:cNvPr id="55" name="Shape 55"/>
+              <a:t>Limitations</a:t>
+            </a:r>
+            <a:endParaRPr lang="en-GB" sz="3200" b="1" dirty="0">
+              <a:latin typeface="Baskerville Old Face" panose="02020602080505020303" pitchFamily="18" charset="0"/>
+            </a:endParaRPr>
+          </a:p>
+        </p:txBody>
+      </p:sp>
+      <p:sp>
+        <p:nvSpPr>
+          <p:cNvPr id="5" name="Text Placeholder 2"/>
           <p:cNvSpPr txBox="1">
-            <a:spLocks noGrp="1"/>
-          </p:cNvSpPr>
-          <p:nvPr>
-            <p:ph type="body" idx="1"/>
-          </p:nvPr>
+            <a:spLocks/>
+          </p:cNvSpPr>
+          <p:nvPr/>
         </p:nvSpPr>
         <p:spPr>
+          <a:xfrm>
+            <a:off x="430823" y="1095433"/>
+            <a:ext cx="8142270" cy="3703205"/>
+          </a:xfrm>
           <a:prstGeom prst="rect">
             <a:avLst/>
           </a:prstGeom>
         </p:spPr>
         <p:txBody>
-          <a:bodyPr lIns="91425" tIns="91425" rIns="91425" bIns="91425" anchor="t" anchorCtr="0">
-            <a:noAutofit/>
+          <a:bodyPr vert="horz" lIns="91425" tIns="91425" rIns="91425" bIns="91425" rtlCol="0" anchor="t" anchorCtr="0">
+            <a:normAutofit/>
           </a:bodyPr>
-          <a:lstStyle/>
+          <a:lstStyle>
+            <a:lvl1pPr marL="214313" indent="-214313" algn="l" defTabSz="342900" rtl="0" eaLnBrk="1" latinLnBrk="0" hangingPunct="1">
+              <a:spcBef>
+                <a:spcPts val="0"/>
+              </a:spcBef>
+              <a:spcAft>
+                <a:spcPts val="450"/>
+              </a:spcAft>
+              <a:buClr>
+                <a:schemeClr val="tx1"/>
+              </a:buClr>
+              <a:buSzPct val="80000"/>
+              <a:buFont typeface="Wingdings 3" panose="05040102010807070707" pitchFamily="18" charset="2"/>
+              <a:buChar char=""/>
+              <a:defRPr sz="1500" kern="1200" cap="none">
+                <a:solidFill>
+                  <a:schemeClr val="bg2">
+                    <a:lumMod val="75000"/>
+                  </a:schemeClr>
+                </a:solidFill>
+                <a:effectLst/>
+                <a:latin typeface="+mn-lt"/>
+                <a:ea typeface="+mn-ea"/>
+                <a:cs typeface="+mn-cs"/>
+              </a:defRPr>
+            </a:lvl1pPr>
+            <a:lvl2pPr marL="557213" indent="-214313" algn="l" defTabSz="342900" rtl="0" eaLnBrk="1" latinLnBrk="0" hangingPunct="1">
+              <a:spcBef>
+                <a:spcPts val="0"/>
+              </a:spcBef>
+              <a:spcAft>
+                <a:spcPts val="450"/>
+              </a:spcAft>
+              <a:buClr>
+                <a:schemeClr val="tx1"/>
+              </a:buClr>
+              <a:buSzPct val="80000"/>
+              <a:buFont typeface="Wingdings 3" panose="05040102010807070707" pitchFamily="18" charset="2"/>
+              <a:buChar char=""/>
+              <a:defRPr sz="1350" kern="1200" cap="none">
+                <a:solidFill>
+                  <a:schemeClr val="bg2">
+                    <a:lumMod val="75000"/>
+                  </a:schemeClr>
+                </a:solidFill>
+                <a:effectLst/>
+                <a:latin typeface="+mn-lt"/>
+                <a:ea typeface="+mn-ea"/>
+                <a:cs typeface="+mn-cs"/>
+              </a:defRPr>
+            </a:lvl2pPr>
+            <a:lvl3pPr marL="900113" indent="-214313" algn="l" defTabSz="342900" rtl="0" eaLnBrk="1" latinLnBrk="0" hangingPunct="1">
+              <a:spcBef>
+                <a:spcPts val="0"/>
+              </a:spcBef>
+              <a:spcAft>
+                <a:spcPts val="450"/>
+              </a:spcAft>
+              <a:buClr>
+                <a:schemeClr val="tx1"/>
+              </a:buClr>
+              <a:buSzPct val="80000"/>
+              <a:buFont typeface="Wingdings 3" panose="05040102010807070707" pitchFamily="18" charset="2"/>
+              <a:buChar char=""/>
+              <a:defRPr sz="1200" kern="1200" cap="none">
+                <a:solidFill>
+                  <a:schemeClr val="bg2">
+                    <a:lumMod val="75000"/>
+                  </a:schemeClr>
+                </a:solidFill>
+                <a:effectLst/>
+                <a:latin typeface="+mn-lt"/>
+                <a:ea typeface="+mn-ea"/>
+                <a:cs typeface="+mn-cs"/>
+              </a:defRPr>
+            </a:lvl3pPr>
+            <a:lvl4pPr marL="1157288" indent="-128588" algn="l" defTabSz="342900" rtl="0" eaLnBrk="1" latinLnBrk="0" hangingPunct="1">
+              <a:spcBef>
+                <a:spcPts val="0"/>
+              </a:spcBef>
+              <a:spcAft>
+                <a:spcPts val="450"/>
+              </a:spcAft>
+              <a:buClr>
+                <a:schemeClr val="tx1"/>
+              </a:buClr>
+              <a:buSzPct val="80000"/>
+              <a:buFont typeface="Wingdings 3" panose="05040102010807070707" pitchFamily="18" charset="2"/>
+              <a:buChar char=""/>
+              <a:defRPr sz="1050" kern="1200" cap="none">
+                <a:solidFill>
+                  <a:schemeClr val="bg2">
+                    <a:lumMod val="75000"/>
+                  </a:schemeClr>
+                </a:solidFill>
+                <a:effectLst/>
+                <a:latin typeface="+mn-lt"/>
+                <a:ea typeface="+mn-ea"/>
+                <a:cs typeface="+mn-cs"/>
+              </a:defRPr>
+            </a:lvl4pPr>
+            <a:lvl5pPr marL="1500188" indent="-128588" algn="l" defTabSz="342900" rtl="0" eaLnBrk="1" latinLnBrk="0" hangingPunct="1">
+              <a:spcBef>
+                <a:spcPts val="0"/>
+              </a:spcBef>
+              <a:spcAft>
+                <a:spcPts val="450"/>
+              </a:spcAft>
+              <a:buClr>
+                <a:schemeClr val="tx1"/>
+              </a:buClr>
+              <a:buSzPct val="80000"/>
+              <a:buFont typeface="Wingdings 3" panose="05040102010807070707" pitchFamily="18" charset="2"/>
+              <a:buChar char=""/>
+              <a:defRPr sz="1050" kern="1200" cap="none">
+                <a:solidFill>
+                  <a:schemeClr val="bg2">
+                    <a:lumMod val="75000"/>
+                  </a:schemeClr>
+                </a:solidFill>
+                <a:effectLst/>
+                <a:latin typeface="+mn-lt"/>
+                <a:ea typeface="+mn-ea"/>
+                <a:cs typeface="+mn-cs"/>
+              </a:defRPr>
+            </a:lvl5pPr>
+            <a:lvl6pPr marL="1885950" indent="-171450" algn="l" defTabSz="342900" rtl="0" eaLnBrk="1" latinLnBrk="0" hangingPunct="1">
+              <a:spcBef>
+                <a:spcPts val="0"/>
+              </a:spcBef>
+              <a:spcAft>
+                <a:spcPts val="450"/>
+              </a:spcAft>
+              <a:buClr>
+                <a:schemeClr val="tx1"/>
+              </a:buClr>
+              <a:buSzPct val="80000"/>
+              <a:buFont typeface="Wingdings 3" panose="05040102010807070707" pitchFamily="18" charset="2"/>
+              <a:buChar char=""/>
+              <a:defRPr sz="1050" kern="1200" cap="none">
+                <a:solidFill>
+                  <a:schemeClr val="bg2">
+                    <a:lumMod val="75000"/>
+                  </a:schemeClr>
+                </a:solidFill>
+                <a:effectLst/>
+                <a:latin typeface="+mn-lt"/>
+                <a:ea typeface="+mn-ea"/>
+                <a:cs typeface="+mn-cs"/>
+              </a:defRPr>
+            </a:lvl6pPr>
+            <a:lvl7pPr marL="2228850" indent="-171450" algn="l" defTabSz="342900" rtl="0" eaLnBrk="1" latinLnBrk="0" hangingPunct="1">
+              <a:spcBef>
+                <a:spcPts val="0"/>
+              </a:spcBef>
+              <a:spcAft>
+                <a:spcPts val="450"/>
+              </a:spcAft>
+              <a:buClr>
+                <a:schemeClr val="tx1"/>
+              </a:buClr>
+              <a:buSzPct val="80000"/>
+              <a:buFont typeface="Wingdings 3" panose="05040102010807070707" pitchFamily="18" charset="2"/>
+              <a:buChar char=""/>
+              <a:defRPr sz="1050" kern="1200" cap="none">
+                <a:solidFill>
+                  <a:schemeClr val="bg2">
+                    <a:lumMod val="75000"/>
+                  </a:schemeClr>
+                </a:solidFill>
+                <a:effectLst/>
+                <a:latin typeface="+mn-lt"/>
+                <a:ea typeface="+mn-ea"/>
+                <a:cs typeface="+mn-cs"/>
+              </a:defRPr>
+            </a:lvl7pPr>
+            <a:lvl8pPr marL="2571750" indent="-171450" algn="l" defTabSz="342900" rtl="0" eaLnBrk="1" latinLnBrk="0" hangingPunct="1">
+              <a:spcBef>
+                <a:spcPts val="0"/>
+              </a:spcBef>
+              <a:spcAft>
+                <a:spcPts val="450"/>
+              </a:spcAft>
+              <a:buClr>
+                <a:schemeClr val="tx1"/>
+              </a:buClr>
+              <a:buSzPct val="80000"/>
+              <a:buFont typeface="Wingdings 3" panose="05040102010807070707" pitchFamily="18" charset="2"/>
+              <a:buChar char=""/>
+              <a:defRPr sz="1050" kern="1200" cap="none">
+                <a:solidFill>
+                  <a:schemeClr val="bg2">
+                    <a:lumMod val="75000"/>
+                  </a:schemeClr>
+                </a:solidFill>
+                <a:effectLst/>
+                <a:latin typeface="+mn-lt"/>
+                <a:ea typeface="+mn-ea"/>
+                <a:cs typeface="+mn-cs"/>
+              </a:defRPr>
+            </a:lvl8pPr>
+            <a:lvl9pPr marL="2914650" indent="-171450" algn="l" defTabSz="342900" rtl="0" eaLnBrk="1" latinLnBrk="0" hangingPunct="1">
+              <a:spcBef>
+                <a:spcPts val="0"/>
+              </a:spcBef>
+              <a:spcAft>
+                <a:spcPts val="450"/>
+              </a:spcAft>
+              <a:buClr>
+                <a:schemeClr val="tx1"/>
+              </a:buClr>
+              <a:buSzPct val="80000"/>
+              <a:buFont typeface="Wingdings 3" panose="05040102010807070707" pitchFamily="18" charset="2"/>
+              <a:buChar char=""/>
+              <a:defRPr sz="1050" kern="1200" cap="none">
+                <a:solidFill>
+                  <a:schemeClr val="bg2">
+                    <a:lumMod val="75000"/>
+                  </a:schemeClr>
+                </a:solidFill>
+                <a:effectLst/>
+                <a:latin typeface="+mn-lt"/>
+                <a:ea typeface="+mn-ea"/>
+                <a:cs typeface="+mn-cs"/>
+              </a:defRPr>
+            </a:lvl9pPr>
+          </a:lstStyle>
           <a:p>
             <a:pPr marL="0" indent="0">
+              <a:buFont typeface="Wingdings 3" panose="05040102010807070707" pitchFamily="18" charset="2"/>
               <a:buNone/>
             </a:pPr>
             <a:r>
-              <a:rPr lang="en-US" sz="2400" dirty="0" smtClean="0">
+              <a:rPr lang="en-GB" sz="3200" dirty="0" smtClean="0">
+                <a:solidFill>
+                  <a:srgbClr val="002060"/>
+                </a:solidFill>
                 <a:latin typeface="Agency FB" panose="020B0503020202020204" pitchFamily="34" charset="0"/>
               </a:rPr>
-              <a:t>1)  One can introduce light sensors like LDR, and make the </a:t>
-            </a:r>
-            <a:r>
-              <a:rPr lang="en-US" sz="2400" dirty="0">
+              <a:t>The surrounding noises should be minimal to avoid  false decoding by bot. It should be ensured that the bot should be kept in a noise free zone for error free processing.</a:t>
+            </a:r>
+          </a:p>
+          <a:p>
+            <a:pPr marL="0" indent="0">
+              <a:buFont typeface="Wingdings 3" panose="05040102010807070707" pitchFamily="18" charset="2"/>
+              <a:buNone/>
+            </a:pPr>
+            <a:endParaRPr lang="en-GB" sz="3200" dirty="0" smtClean="0">
+              <a:solidFill>
+                <a:srgbClr val="002060"/>
+              </a:solidFill>
+              <a:latin typeface="Agency FB" panose="020B0503020202020204" pitchFamily="34" charset="0"/>
+            </a:endParaRPr>
+          </a:p>
+          <a:p>
+            <a:pPr marL="0" indent="0">
+              <a:buFont typeface="Wingdings 3" panose="05040102010807070707" pitchFamily="18" charset="2"/>
+              <a:buNone/>
+            </a:pPr>
+            <a:r>
+              <a:rPr lang="en-GB" sz="3200" dirty="0" smtClean="0">
+                <a:solidFill>
+                  <a:srgbClr val="002060"/>
+                </a:solidFill>
                 <a:latin typeface="Agency FB" panose="020B0503020202020204" pitchFamily="34" charset="0"/>
               </a:rPr>
-              <a:t>g</a:t>
-            </a:r>
-            <a:r>
-              <a:rPr lang="en-US" sz="2400" dirty="0" smtClean="0">
+              <a:t>Can be overcome by advance audio processing techniques.</a:t>
+            </a:r>
+          </a:p>
+          <a:p>
+            <a:pPr marL="0" indent="0">
+              <a:buFont typeface="Wingdings 3" panose="05040102010807070707" pitchFamily="18" charset="2"/>
+              <a:buNone/>
+            </a:pPr>
+            <a:r>
+              <a:rPr lang="en-GB" sz="3200" dirty="0" smtClean="0">
+                <a:solidFill>
+                  <a:srgbClr val="002060"/>
+                </a:solidFill>
                 <a:latin typeface="Agency FB" panose="020B0503020202020204" pitchFamily="34" charset="0"/>
               </a:rPr>
-              <a:t>iven project decode </a:t>
-            </a:r>
-            <a:r>
-              <a:rPr lang="en-US" sz="2400" dirty="0" err="1" smtClean="0">
-                <a:latin typeface="Agency FB" panose="020B0503020202020204" pitchFamily="34" charset="0"/>
-              </a:rPr>
-              <a:t>morse</a:t>
-            </a:r>
-            <a:r>
-              <a:rPr lang="en-US" sz="2400" dirty="0" smtClean="0">
-                <a:latin typeface="Agency FB" panose="020B0503020202020204" pitchFamily="34" charset="0"/>
-              </a:rPr>
-              <a:t> code transmitted as </a:t>
-            </a:r>
-            <a:r>
-              <a:rPr lang="en-US" sz="2400" dirty="0" err="1" smtClean="0">
-                <a:latin typeface="Agency FB" panose="020B0503020202020204" pitchFamily="34" charset="0"/>
-              </a:rPr>
-              <a:t>light.Flashing</a:t>
-            </a:r>
-            <a:r>
-              <a:rPr lang="en-US" sz="2400" dirty="0" smtClean="0">
-                <a:latin typeface="Agency FB" panose="020B0503020202020204" pitchFamily="34" charset="0"/>
-              </a:rPr>
-              <a:t> </a:t>
-            </a:r>
-            <a:r>
-              <a:rPr lang="en-US" sz="2400" dirty="0">
-                <a:latin typeface="Agency FB" panose="020B0503020202020204" pitchFamily="34" charset="0"/>
-              </a:rPr>
-              <a:t>light Morse even from a flashlight may be read several miles away for a lost sailor or hunter. Countless snowstorm rescues have been recorded by stranded drivers flashing an SOS signal on a flashing light.  Mirrors accomplish the same thing during the day. The user directs a mirrored sun reflection and then blocks it with his other hand or piece of cardboard flashing out the Morse code signal</a:t>
-            </a:r>
-            <a:r>
-              <a:rPr lang="en-US" sz="2400" dirty="0" smtClean="0">
-                <a:latin typeface="Agency FB" panose="020B0503020202020204" pitchFamily="34" charset="0"/>
-              </a:rPr>
-              <a:t>. The code for the program will still remain quite similar to what we have done.</a:t>
-            </a:r>
-          </a:p>
-          <a:p>
-            <a:pPr marL="457200" indent="-457200">
-              <a:buAutoNum type="arabicParenR"/>
+              <a:t>like DSP (Digital Signal Processing Techniques).</a:t>
+            </a:r>
+            <a:endParaRPr lang="en-GB" sz="3200" dirty="0">
+              <a:solidFill>
+                <a:srgbClr val="002060"/>
+              </a:solidFill>
+              <a:latin typeface="Agency FB" panose="020B0503020202020204" pitchFamily="34" charset="0"/>
+            </a:endParaRPr>
+          </a:p>
+          <a:p>
+            <a:pPr marL="0" indent="0">
+              <a:buFont typeface="Wingdings 3" panose="05040102010807070707" pitchFamily="18" charset="2"/>
+              <a:buNone/>
             </a:pPr>
-            <a:endParaRPr lang="en-GB" sz="2400" dirty="0">
+            <a:endParaRPr lang="en-GB" sz="2800" i="1" dirty="0" smtClean="0">
+              <a:solidFill>
+                <a:srgbClr val="002060"/>
+              </a:solidFill>
+              <a:latin typeface="Agency FB" panose="020B0503020202020204" pitchFamily="34" charset="0"/>
+            </a:endParaRPr>
+          </a:p>
+          <a:p>
+            <a:pPr marL="0" indent="0">
+              <a:buFont typeface="Wingdings 3" panose="05040102010807070707" pitchFamily="18" charset="2"/>
+              <a:buNone/>
+            </a:pPr>
+            <a:endParaRPr lang="en-GB" sz="2800" i="1" dirty="0" smtClean="0">
+              <a:solidFill>
+                <a:srgbClr val="002060"/>
+              </a:solidFill>
               <a:latin typeface="Agency FB" panose="020B0503020202020204" pitchFamily="34" charset="0"/>
             </a:endParaRPr>
           </a:p>
@@ -7102,7 +5194,191 @@
 </p:sld>
 </file>
 
-<file path=ppt/slides/slide11.xml><?xml version="1.0" encoding="utf-8"?>
+<file path=ppt/slides/slide12.xml><?xml version="1.0" encoding="utf-8"?>
+<p:sld xmlns:a="http://schemas.openxmlformats.org/drawingml/2006/main" xmlns:r="http://schemas.openxmlformats.org/officeDocument/2006/relationships" xmlns:p="http://schemas.openxmlformats.org/presentationml/2006/main">
+  <p:cSld>
+    <p:spTree>
+      <p:nvGrpSpPr>
+        <p:cNvPr id="1" name="Shape 53"/>
+        <p:cNvGrpSpPr/>
+        <p:nvPr/>
+      </p:nvGrpSpPr>
+      <p:grpSpPr>
+        <a:xfrm>
+          <a:off x="0" y="0"/>
+          <a:ext cx="0" cy="0"/>
+          <a:chOff x="0" y="0"/>
+          <a:chExt cx="0" cy="0"/>
+        </a:xfrm>
+      </p:grpSpPr>
+      <p:sp>
+        <p:nvSpPr>
+          <p:cNvPr id="54" name="Shape 54"/>
+          <p:cNvSpPr txBox="1">
+            <a:spLocks noGrp="1"/>
+          </p:cNvSpPr>
+          <p:nvPr>
+            <p:ph type="title"/>
+          </p:nvPr>
+        </p:nvSpPr>
+        <p:spPr>
+          <a:prstGeom prst="rect">
+            <a:avLst/>
+          </a:prstGeom>
+        </p:spPr>
+        <p:txBody>
+          <a:bodyPr lIns="91425" tIns="91425" rIns="91425" bIns="91425" anchor="b" anchorCtr="0">
+            <a:noAutofit/>
+          </a:bodyPr>
+          <a:lstStyle/>
+          <a:p>
+            <a:pPr>
+              <a:spcBef>
+                <a:spcPts val="0"/>
+              </a:spcBef>
+              <a:buNone/>
+            </a:pPr>
+            <a:r>
+              <a:rPr lang="en-GB" dirty="0">
+                <a:latin typeface="Baskerville Old Face" panose="02020602080505020303" pitchFamily="18" charset="0"/>
+              </a:rPr>
+              <a:t>Future Work</a:t>
+            </a:r>
+          </a:p>
+        </p:txBody>
+      </p:sp>
+      <p:sp>
+        <p:nvSpPr>
+          <p:cNvPr id="55" name="Shape 55"/>
+          <p:cNvSpPr txBox="1">
+            <a:spLocks noGrp="1"/>
+          </p:cNvSpPr>
+          <p:nvPr>
+            <p:ph type="body" idx="1"/>
+          </p:nvPr>
+        </p:nvSpPr>
+        <p:spPr>
+          <a:prstGeom prst="rect">
+            <a:avLst/>
+          </a:prstGeom>
+        </p:spPr>
+        <p:txBody>
+          <a:bodyPr lIns="91425" tIns="91425" rIns="91425" bIns="91425" anchor="t" anchorCtr="0">
+            <a:noAutofit/>
+          </a:bodyPr>
+          <a:lstStyle/>
+          <a:p>
+            <a:pPr marL="0" indent="0">
+              <a:buNone/>
+            </a:pPr>
+            <a:r>
+              <a:rPr lang="en-US" sz="2400" dirty="0" smtClean="0">
+                <a:solidFill>
+                  <a:srgbClr val="002060"/>
+                </a:solidFill>
+                <a:latin typeface="Agency FB" panose="020B0503020202020204" pitchFamily="34" charset="0"/>
+              </a:rPr>
+              <a:t>1)  </a:t>
+            </a:r>
+            <a:r>
+              <a:rPr lang="en-US" sz="2400" dirty="0" smtClean="0">
+                <a:solidFill>
+                  <a:srgbClr val="002060"/>
+                </a:solidFill>
+                <a:latin typeface="Agency FB" panose="020B0503020202020204" pitchFamily="34" charset="0"/>
+              </a:rPr>
+              <a:t>One can introduce light sensors like LDR, and make the </a:t>
+            </a:r>
+            <a:r>
+              <a:rPr lang="en-US" sz="2400" dirty="0">
+                <a:solidFill>
+                  <a:srgbClr val="002060"/>
+                </a:solidFill>
+                <a:latin typeface="Agency FB" panose="020B0503020202020204" pitchFamily="34" charset="0"/>
+              </a:rPr>
+              <a:t>g</a:t>
+            </a:r>
+            <a:r>
+              <a:rPr lang="en-US" sz="2400" dirty="0" smtClean="0">
+                <a:solidFill>
+                  <a:srgbClr val="002060"/>
+                </a:solidFill>
+                <a:latin typeface="Agency FB" panose="020B0503020202020204" pitchFamily="34" charset="0"/>
+              </a:rPr>
+              <a:t>iven project decode morse code transmitted as light</a:t>
+            </a:r>
+            <a:r>
+              <a:rPr lang="en-US" sz="2400" dirty="0" smtClean="0">
+                <a:solidFill>
+                  <a:srgbClr val="002060"/>
+                </a:solidFill>
+                <a:latin typeface="Agency FB" panose="020B0503020202020204" pitchFamily="34" charset="0"/>
+              </a:rPr>
+              <a:t>. Flashing </a:t>
+            </a:r>
+            <a:r>
+              <a:rPr lang="en-US" sz="2400" dirty="0">
+                <a:solidFill>
+                  <a:srgbClr val="002060"/>
+                </a:solidFill>
+                <a:latin typeface="Agency FB" panose="020B0503020202020204" pitchFamily="34" charset="0"/>
+              </a:rPr>
+              <a:t>light Morse even from a flashlight may be read several miles away for a lost sailor or hunter. Countless snowstorm rescues have been recorded by stranded drivers flashing an SOS signal on a flashing light.  Mirrors accomplish the same thing during the day. The user directs a mirrored sun reflection and then blocks it with his other hand or piece of cardboard flashing out the Morse code signal</a:t>
+            </a:r>
+            <a:r>
+              <a:rPr lang="en-US" sz="2400" dirty="0" smtClean="0">
+                <a:solidFill>
+                  <a:srgbClr val="002060"/>
+                </a:solidFill>
+                <a:latin typeface="Agency FB" panose="020B0503020202020204" pitchFamily="34" charset="0"/>
+              </a:rPr>
+              <a:t>. The code for the program will still remain </a:t>
+            </a:r>
+            <a:r>
+              <a:rPr lang="en-US" sz="2400" dirty="0" smtClean="0">
+                <a:solidFill>
+                  <a:srgbClr val="002060"/>
+                </a:solidFill>
+                <a:latin typeface="Agency FB" panose="020B0503020202020204" pitchFamily="34" charset="0"/>
+              </a:rPr>
+              <a:t>quite similar .</a:t>
+            </a:r>
+            <a:endParaRPr lang="en-US" sz="2400" dirty="0" smtClean="0">
+              <a:solidFill>
+                <a:srgbClr val="002060"/>
+              </a:solidFill>
+              <a:latin typeface="Agency FB" panose="020B0503020202020204" pitchFamily="34" charset="0"/>
+            </a:endParaRPr>
+          </a:p>
+          <a:p>
+            <a:pPr marL="457200" indent="-457200">
+              <a:buAutoNum type="arabicParenR"/>
+            </a:pPr>
+            <a:endParaRPr lang="en-GB" sz="2400" dirty="0">
+              <a:latin typeface="Agency FB" panose="020B0503020202020204" pitchFamily="34" charset="0"/>
+            </a:endParaRPr>
+          </a:p>
+        </p:txBody>
+      </p:sp>
+    </p:spTree>
+  </p:cSld>
+  <p:clrMapOvr>
+    <a:masterClrMapping/>
+  </p:clrMapOvr>
+  <p:transition spd="slow">
+    <p:cut/>
+  </p:transition>
+  <p:timing>
+    <p:tnLst>
+      <p:par>
+        <p:cTn id="1" dur="indefinite" restart="never" nodeType="tmRoot"/>
+      </p:par>
+    </p:tnLst>
+  </p:timing>
+</p:sld>
+</file>
+
+<file path=ppt/slides/slide13.xml><?xml version="1.0" encoding="utf-8"?>
 <p:sld xmlns:a="http://schemas.openxmlformats.org/drawingml/2006/main" xmlns:r="http://schemas.openxmlformats.org/officeDocument/2006/relationships" xmlns:p="http://schemas.openxmlformats.org/presentationml/2006/main">
   <p:cSld>
     <p:spTree>
@@ -7151,7 +5427,7 @@
               <a:buNone/>
             </a:pPr>
             <a:r>
-              <a:rPr lang="en-GB" i="1" u="sng" dirty="0">
+              <a:rPr lang="en-GB" dirty="0">
                 <a:latin typeface="Baskerville Old Face" panose="02020602080505020303" pitchFamily="18" charset="0"/>
               </a:rPr>
               <a:t>Future Work</a:t>
@@ -7184,42 +5460,72 @@
             </a:pPr>
             <a:r>
               <a:rPr lang="en-US" sz="2400" dirty="0" smtClean="0">
+                <a:solidFill>
+                  <a:srgbClr val="002060"/>
+                </a:solidFill>
                 <a:latin typeface="Agency FB" panose="020B0503020202020204" pitchFamily="34" charset="0"/>
               </a:rPr>
-              <a:t>2) Medical </a:t>
+              <a:t>2) </a:t>
+            </a:r>
+            <a:r>
+              <a:rPr lang="en-US" sz="2400" dirty="0" smtClean="0">
+                <a:solidFill>
+                  <a:srgbClr val="002060"/>
+                </a:solidFill>
+                <a:latin typeface="Agency FB" panose="020B0503020202020204" pitchFamily="34" charset="0"/>
+              </a:rPr>
+              <a:t>Medical </a:t>
             </a:r>
             <a:r>
               <a:rPr lang="en-US" sz="2400" dirty="0">
+                <a:solidFill>
+                  <a:srgbClr val="002060"/>
+                </a:solidFill>
                 <a:latin typeface="Agency FB" panose="020B0503020202020204" pitchFamily="34" charset="0"/>
               </a:rPr>
               <a:t>uses allow the severely handicapped person to tap or blink out a message that </a:t>
             </a:r>
             <a:r>
               <a:rPr lang="en-US" sz="2400" dirty="0" smtClean="0">
+                <a:solidFill>
+                  <a:srgbClr val="002060"/>
+                </a:solidFill>
                 <a:latin typeface="Agency FB" panose="020B0503020202020204" pitchFamily="34" charset="0"/>
               </a:rPr>
               <a:t>could be read </a:t>
             </a:r>
             <a:r>
               <a:rPr lang="en-US" sz="2400" dirty="0">
+                <a:solidFill>
+                  <a:srgbClr val="002060"/>
+                </a:solidFill>
                 <a:latin typeface="Agency FB" panose="020B0503020202020204" pitchFamily="34" charset="0"/>
               </a:rPr>
               <a:t>by </a:t>
             </a:r>
             <a:r>
               <a:rPr lang="en-US" sz="2400" dirty="0" smtClean="0">
+                <a:solidFill>
+                  <a:srgbClr val="002060"/>
+                </a:solidFill>
                 <a:latin typeface="Agency FB" panose="020B0503020202020204" pitchFamily="34" charset="0"/>
               </a:rPr>
               <a:t>our decoder, </a:t>
             </a:r>
             <a:r>
               <a:rPr lang="en-US" sz="2400" dirty="0">
+                <a:solidFill>
+                  <a:srgbClr val="002060"/>
+                </a:solidFill>
                 <a:latin typeface="Agency FB" panose="020B0503020202020204" pitchFamily="34" charset="0"/>
               </a:rPr>
               <a:t>giving new hope and meaning to life for sufferers</a:t>
             </a:r>
             <a:r>
               <a:rPr lang="en-US" sz="2400" dirty="0" smtClean="0">
+                <a:solidFill>
+                  <a:srgbClr val="002060"/>
+                </a:solidFill>
                 <a:latin typeface="Agency FB" panose="020B0503020202020204" pitchFamily="34" charset="0"/>
               </a:rPr>
               <a:t>.</a:t>
@@ -7227,6 +5533,9 @@
           </a:p>
           <a:p>
             <a:endParaRPr lang="en-US" sz="2400" dirty="0" smtClean="0">
+              <a:solidFill>
+                <a:srgbClr val="002060"/>
+              </a:solidFill>
               <a:latin typeface="Agency FB" panose="020B0503020202020204" pitchFamily="34" charset="0"/>
             </a:endParaRPr>
           </a:p>
@@ -7236,59 +5545,98 @@
             </a:pPr>
             <a:r>
               <a:rPr lang="en-US" sz="2400" dirty="0" smtClean="0">
+                <a:solidFill>
+                  <a:srgbClr val="002060"/>
+                </a:solidFill>
                 <a:latin typeface="Agency FB" panose="020B0503020202020204" pitchFamily="34" charset="0"/>
               </a:rPr>
-              <a:t>3) A </a:t>
+              <a:t>3) </a:t>
+            </a:r>
+            <a:r>
+              <a:rPr lang="en-US" sz="2400" dirty="0" smtClean="0">
+                <a:solidFill>
+                  <a:srgbClr val="002060"/>
+                </a:solidFill>
+                <a:latin typeface="Agency FB" panose="020B0503020202020204" pitchFamily="34" charset="0"/>
+              </a:rPr>
+              <a:t>A </a:t>
             </a:r>
             <a:r>
               <a:rPr lang="en-US" sz="2400" dirty="0">
+                <a:solidFill>
+                  <a:srgbClr val="002060"/>
+                </a:solidFill>
                 <a:latin typeface="Agency FB" panose="020B0503020202020204" pitchFamily="34" charset="0"/>
               </a:rPr>
               <a:t>new method for using Morse code involves cell phones and text messages entered from an iambic </a:t>
             </a:r>
             <a:r>
               <a:rPr lang="en-US" sz="2400" dirty="0" smtClean="0">
+                <a:solidFill>
+                  <a:srgbClr val="002060"/>
+                </a:solidFill>
                 <a:latin typeface="Agency FB" panose="020B0503020202020204" pitchFamily="34" charset="0"/>
               </a:rPr>
               <a:t>keyer on </a:t>
             </a:r>
             <a:r>
               <a:rPr lang="en-US" sz="2400" dirty="0">
+                <a:solidFill>
+                  <a:srgbClr val="002060"/>
+                </a:solidFill>
                 <a:latin typeface="Agency FB" panose="020B0503020202020204" pitchFamily="34" charset="0"/>
               </a:rPr>
               <a:t>the cell phone face.  It seems that experienced Morse code operators can enter the text much faster than a </a:t>
             </a:r>
             <a:r>
               <a:rPr lang="en-US" sz="2400" dirty="0" smtClean="0">
+                <a:solidFill>
+                  <a:srgbClr val="002060"/>
+                </a:solidFill>
                 <a:latin typeface="Agency FB" panose="020B0503020202020204" pitchFamily="34" charset="0"/>
               </a:rPr>
               <a:t>normal keyboard </a:t>
             </a:r>
             <a:r>
               <a:rPr lang="en-US" sz="2400" dirty="0">
+                <a:solidFill>
+                  <a:srgbClr val="002060"/>
+                </a:solidFill>
                 <a:latin typeface="Agency FB" panose="020B0503020202020204" pitchFamily="34" charset="0"/>
               </a:rPr>
               <a:t>operator and can do it without looking at the </a:t>
             </a:r>
             <a:r>
               <a:rPr lang="en-US" sz="2400" dirty="0" smtClean="0">
+                <a:solidFill>
+                  <a:srgbClr val="002060"/>
+                </a:solidFill>
                 <a:latin typeface="Agency FB" panose="020B0503020202020204" pitchFamily="34" charset="0"/>
               </a:rPr>
               <a:t>keyboard. Our decoder will play a role in converting the </a:t>
             </a:r>
             <a:r>
               <a:rPr lang="en-US" sz="2400" dirty="0">
+                <a:solidFill>
+                  <a:srgbClr val="002060"/>
+                </a:solidFill>
                 <a:latin typeface="Agency FB" panose="020B0503020202020204" pitchFamily="34" charset="0"/>
               </a:rPr>
               <a:t>M</a:t>
             </a:r>
             <a:r>
               <a:rPr lang="en-US" sz="2400" dirty="0" smtClean="0">
+                <a:solidFill>
+                  <a:srgbClr val="002060"/>
+                </a:solidFill>
                 <a:latin typeface="Agency FB" panose="020B0503020202020204" pitchFamily="34" charset="0"/>
               </a:rPr>
               <a:t>orse code written to text and to display it on the screen.</a:t>
             </a:r>
             <a:endParaRPr lang="en-US" sz="2400" dirty="0">
+              <a:solidFill>
+                <a:srgbClr val="002060"/>
+              </a:solidFill>
               <a:latin typeface="Agency FB" panose="020B0503020202020204" pitchFamily="34" charset="0"/>
             </a:endParaRPr>
           </a:p>
@@ -7314,7 +5662,7 @@
 </p:sld>
 </file>
 
-<file path=ppt/slides/slide12.xml><?xml version="1.0" encoding="utf-8"?>
+<file path=ppt/slides/slide14.xml><?xml version="1.0" encoding="utf-8"?>
 <p:sld xmlns:a="http://schemas.openxmlformats.org/drawingml/2006/main" xmlns:r="http://schemas.openxmlformats.org/officeDocument/2006/relationships" xmlns:p="http://schemas.openxmlformats.org/presentationml/2006/main">
   <p:cSld>
     <p:spTree>
@@ -7586,7 +5934,7 @@
 </p:sld>
 </file>
 
-<file path=ppt/slides/slide13.xml><?xml version="1.0" encoding="utf-8"?>
+<file path=ppt/slides/slide15.xml><?xml version="1.0" encoding="utf-8"?>
 <p:sld xmlns:a="http://schemas.openxmlformats.org/drawingml/2006/main" xmlns:r="http://schemas.openxmlformats.org/officeDocument/2006/relationships" xmlns:p="http://schemas.openxmlformats.org/presentationml/2006/main">
   <p:cSld>
     <p:spTree>
@@ -7626,7 +5974,7 @@
             <a:r>
               <a:rPr lang="en-US" sz="8000" b="1" i="1" dirty="0" smtClean="0">
                 <a:solidFill>
-                  <a:srgbClr val="0070C0"/>
+                  <a:srgbClr val="002060"/>
                 </a:solidFill>
                 <a:latin typeface="Comic Sans MS" panose="030F0702030302020204" pitchFamily="66" charset="0"/>
               </a:rPr>
@@ -7634,7 +5982,7 @@
             </a:r>
             <a:endParaRPr lang="en-US" sz="8000" b="1" i="1" dirty="0">
               <a:solidFill>
-                <a:srgbClr val="0070C0"/>
+                <a:srgbClr val="002060"/>
               </a:solidFill>
               <a:latin typeface="Comic Sans MS" panose="030F0702030302020204" pitchFamily="66" charset="0"/>
             </a:endParaRPr>
@@ -7782,8 +6130,8 @@
         </p:blipFill>
         <p:spPr>
           <a:xfrm>
-            <a:off x="0" y="0"/>
-            <a:ext cx="9066599" cy="4458984"/>
+            <a:off x="-70338" y="189827"/>
+            <a:ext cx="9214338" cy="4531642"/>
           </a:xfrm>
           <a:prstGeom prst="rect">
             <a:avLst/>
@@ -7811,6 +6159,351 @@
 </file>
 
 <file path=ppt/slides/slide3.xml><?xml version="1.0" encoding="utf-8"?>
+<p:sld xmlns:a="http://schemas.openxmlformats.org/drawingml/2006/main" xmlns:r="http://schemas.openxmlformats.org/officeDocument/2006/relationships" xmlns:p="http://schemas.openxmlformats.org/presentationml/2006/main">
+  <p:cSld>
+    <p:spTree>
+      <p:nvGrpSpPr>
+        <p:cNvPr id="1" name="Shape 35"/>
+        <p:cNvGrpSpPr/>
+        <p:nvPr/>
+      </p:nvGrpSpPr>
+      <p:grpSpPr>
+        <a:xfrm>
+          <a:off x="0" y="0"/>
+          <a:ext cx="0" cy="0"/>
+          <a:chOff x="0" y="0"/>
+          <a:chExt cx="0" cy="0"/>
+        </a:xfrm>
+      </p:grpSpPr>
+      <p:sp>
+        <p:nvSpPr>
+          <p:cNvPr id="37" name="Shape 37"/>
+          <p:cNvSpPr txBox="1">
+            <a:spLocks noGrp="1"/>
+          </p:cNvSpPr>
+          <p:nvPr>
+            <p:ph type="body" idx="1"/>
+          </p:nvPr>
+        </p:nvSpPr>
+        <p:spPr>
+          <a:xfrm>
+            <a:off x="457200" y="955498"/>
+            <a:ext cx="8229600" cy="3970352"/>
+          </a:xfrm>
+          <a:prstGeom prst="rect">
+            <a:avLst/>
+          </a:prstGeom>
+        </p:spPr>
+        <p:txBody>
+          <a:bodyPr lIns="91425" tIns="91425" rIns="91425" bIns="91425" anchor="t" anchorCtr="0">
+            <a:noAutofit/>
+          </a:bodyPr>
+          <a:lstStyle/>
+          <a:p>
+            <a:pPr marL="38100" lvl="0" indent="0" rtl="0">
+              <a:spcBef>
+                <a:spcPts val="0"/>
+              </a:spcBef>
+              <a:buClr>
+                <a:schemeClr val="dk1"/>
+              </a:buClr>
+              <a:buSzPct val="100000"/>
+              <a:buNone/>
+            </a:pPr>
+            <a:r>
+              <a:rPr lang="en-GB" sz="2800" u="sng" dirty="0" smtClean="0">
+                <a:solidFill>
+                  <a:srgbClr val="002060"/>
+                </a:solidFill>
+                <a:latin typeface="Agency FB" panose="020B0503020202020204" pitchFamily="34" charset="0"/>
+              </a:rPr>
+              <a:t>1</a:t>
+            </a:r>
+            <a:r>
+              <a:rPr lang="en-GB" sz="2800" u="sng" dirty="0" smtClean="0">
+                <a:solidFill>
+                  <a:srgbClr val="002060"/>
+                </a:solidFill>
+                <a:latin typeface="Agency FB" panose="020B0503020202020204" pitchFamily="34" charset="0"/>
+              </a:rPr>
+              <a:t>:</a:t>
+            </a:r>
+            <a:r>
+              <a:rPr lang="en-GB" sz="2800" dirty="0" smtClean="0">
+                <a:solidFill>
+                  <a:srgbClr val="002060"/>
+                </a:solidFill>
+                <a:latin typeface="Agency FB" panose="020B0503020202020204" pitchFamily="34" charset="0"/>
+              </a:rPr>
+              <a:t> Audio Morse code signals will be sent to the bot from source. The signal should be received without attenuation, converted into a pulse signal, and it should then be expressed as a series of </a:t>
+            </a:r>
+            <a:r>
+              <a:rPr lang="en-GB" sz="2800" dirty="0" err="1" smtClean="0">
+                <a:solidFill>
+                  <a:srgbClr val="002060"/>
+                </a:solidFill>
+                <a:latin typeface="Agency FB" panose="020B0503020202020204" pitchFamily="34" charset="0"/>
+              </a:rPr>
+              <a:t>dits</a:t>
+            </a:r>
+            <a:r>
+              <a:rPr lang="en-GB" sz="2800" dirty="0" smtClean="0">
+                <a:solidFill>
+                  <a:srgbClr val="002060"/>
+                </a:solidFill>
+                <a:latin typeface="Agency FB" panose="020B0503020202020204" pitchFamily="34" charset="0"/>
+              </a:rPr>
+              <a:t> and dahs by the microcontroller.</a:t>
+            </a:r>
+          </a:p>
+          <a:p>
+            <a:pPr marL="38100" lvl="0" indent="0" rtl="0">
+              <a:spcBef>
+                <a:spcPts val="0"/>
+              </a:spcBef>
+              <a:buClr>
+                <a:schemeClr val="dk1"/>
+              </a:buClr>
+              <a:buSzPct val="100000"/>
+              <a:buNone/>
+            </a:pPr>
+            <a:endParaRPr lang="en-GB" sz="2800" dirty="0">
+              <a:solidFill>
+                <a:srgbClr val="002060"/>
+              </a:solidFill>
+              <a:latin typeface="Agency FB" panose="020B0503020202020204" pitchFamily="34" charset="0"/>
+            </a:endParaRPr>
+          </a:p>
+          <a:p>
+            <a:pPr marL="38100" lvl="0" indent="0" rtl="0">
+              <a:spcBef>
+                <a:spcPts val="0"/>
+              </a:spcBef>
+              <a:buClr>
+                <a:schemeClr val="dk1"/>
+              </a:buClr>
+              <a:buSzPct val="100000"/>
+              <a:buNone/>
+            </a:pPr>
+            <a:r>
+              <a:rPr lang="en-GB" sz="2800" u="sng" dirty="0" smtClean="0">
+                <a:solidFill>
+                  <a:srgbClr val="002060"/>
+                </a:solidFill>
+                <a:latin typeface="Agency FB" panose="020B0503020202020204" pitchFamily="34" charset="0"/>
+              </a:rPr>
+              <a:t>2</a:t>
+            </a:r>
+            <a:r>
+              <a:rPr lang="en-GB" sz="2800" u="sng" dirty="0" smtClean="0">
+                <a:solidFill>
+                  <a:srgbClr val="002060"/>
+                </a:solidFill>
+                <a:latin typeface="Agency FB" panose="020B0503020202020204" pitchFamily="34" charset="0"/>
+              </a:rPr>
+              <a:t>:</a:t>
+            </a:r>
+            <a:r>
+              <a:rPr lang="en-GB" sz="2800" dirty="0" smtClean="0">
+                <a:solidFill>
+                  <a:srgbClr val="002060"/>
+                </a:solidFill>
+                <a:latin typeface="Agency FB" panose="020B0503020202020204" pitchFamily="34" charset="0"/>
+              </a:rPr>
+              <a:t> The series of </a:t>
+            </a:r>
+            <a:r>
+              <a:rPr lang="en-GB" sz="2800" dirty="0" err="1" smtClean="0">
+                <a:solidFill>
+                  <a:srgbClr val="002060"/>
+                </a:solidFill>
+                <a:latin typeface="Agency FB" panose="020B0503020202020204" pitchFamily="34" charset="0"/>
+              </a:rPr>
+              <a:t>dits</a:t>
+            </a:r>
+            <a:r>
+              <a:rPr lang="en-GB" sz="2800" dirty="0" smtClean="0">
+                <a:solidFill>
+                  <a:srgbClr val="002060"/>
+                </a:solidFill>
+                <a:latin typeface="Agency FB" panose="020B0503020202020204" pitchFamily="34" charset="0"/>
+              </a:rPr>
+              <a:t> and dahs will be converted into letters of English language. </a:t>
+            </a:r>
+            <a:r>
+              <a:rPr lang="en-GB" sz="2800" dirty="0" err="1" smtClean="0">
+                <a:solidFill>
+                  <a:srgbClr val="002060"/>
+                </a:solidFill>
+                <a:latin typeface="Agency FB" panose="020B0503020202020204" pitchFamily="34" charset="0"/>
+              </a:rPr>
+              <a:t>Eg</a:t>
+            </a:r>
+            <a:r>
+              <a:rPr lang="en-GB" sz="2800" dirty="0" smtClean="0">
+                <a:solidFill>
+                  <a:srgbClr val="002060"/>
+                </a:solidFill>
+                <a:latin typeface="Agency FB" panose="020B0503020202020204" pitchFamily="34" charset="0"/>
+              </a:rPr>
+              <a:t>: ‘F’,’B’,’R’,’L’,</a:t>
+            </a:r>
+            <a:r>
+              <a:rPr lang="en-GB" sz="2800" dirty="0" err="1" smtClean="0">
+                <a:solidFill>
+                  <a:srgbClr val="002060"/>
+                </a:solidFill>
+                <a:latin typeface="Agency FB" panose="020B0503020202020204" pitchFamily="34" charset="0"/>
+              </a:rPr>
+              <a:t>etc</a:t>
+            </a:r>
+            <a:r>
+              <a:rPr lang="en-GB" sz="2800" dirty="0" smtClean="0">
+                <a:solidFill>
+                  <a:srgbClr val="002060"/>
+                </a:solidFill>
+                <a:latin typeface="Agency FB" panose="020B0503020202020204" pitchFamily="34" charset="0"/>
+              </a:rPr>
+              <a:t>.</a:t>
+            </a:r>
+          </a:p>
+          <a:p>
+            <a:pPr marL="38100" lvl="0" indent="0" rtl="0">
+              <a:spcBef>
+                <a:spcPts val="0"/>
+              </a:spcBef>
+              <a:buClr>
+                <a:schemeClr val="dk1"/>
+              </a:buClr>
+              <a:buSzPct val="100000"/>
+              <a:buNone/>
+            </a:pPr>
+            <a:r>
+              <a:rPr lang="en-GB" sz="2800" dirty="0" smtClean="0">
+                <a:solidFill>
+                  <a:srgbClr val="002060"/>
+                </a:solidFill>
+                <a:latin typeface="Agency FB" panose="020B0503020202020204" pitchFamily="34" charset="0"/>
+              </a:rPr>
+              <a:t>	</a:t>
+            </a:r>
+            <a:r>
+              <a:rPr lang="en-GB" sz="2800" dirty="0" err="1" smtClean="0">
+                <a:solidFill>
+                  <a:srgbClr val="002060"/>
+                </a:solidFill>
+                <a:latin typeface="Agency FB" panose="020B0503020202020204" pitchFamily="34" charset="0"/>
+              </a:rPr>
+              <a:t>Eg</a:t>
+            </a:r>
+            <a:r>
+              <a:rPr lang="en-GB" sz="2800" dirty="0" smtClean="0">
+                <a:solidFill>
+                  <a:srgbClr val="002060"/>
+                </a:solidFill>
+                <a:latin typeface="Agency FB" panose="020B0503020202020204" pitchFamily="34" charset="0"/>
+              </a:rPr>
+              <a:t>-  (</a:t>
+            </a:r>
+            <a:r>
+              <a:rPr lang="en-GB" sz="2800" dirty="0" err="1" smtClean="0">
+                <a:solidFill>
+                  <a:srgbClr val="002060"/>
+                </a:solidFill>
+                <a:latin typeface="Agency FB" panose="020B0503020202020204" pitchFamily="34" charset="0"/>
+              </a:rPr>
+              <a:t>Dit,dit,dah,dit</a:t>
+            </a:r>
+            <a:r>
+              <a:rPr lang="en-GB" sz="2800" dirty="0" smtClean="0">
+                <a:solidFill>
+                  <a:srgbClr val="002060"/>
+                </a:solidFill>
+                <a:latin typeface="Agency FB" panose="020B0503020202020204" pitchFamily="34" charset="0"/>
+              </a:rPr>
+              <a:t>) ..-.  Corresponds to ‘F'</a:t>
+            </a:r>
+            <a:endParaRPr lang="en-GB" sz="2800" dirty="0">
+              <a:solidFill>
+                <a:srgbClr val="002060"/>
+              </a:solidFill>
+              <a:latin typeface="Agency FB" panose="020B0503020202020204" pitchFamily="34" charset="0"/>
+            </a:endParaRPr>
+          </a:p>
+          <a:p>
+            <a:pPr marL="38100" lvl="0" indent="0" rtl="0">
+              <a:spcBef>
+                <a:spcPts val="0"/>
+              </a:spcBef>
+              <a:buClr>
+                <a:schemeClr val="dk1"/>
+              </a:buClr>
+              <a:buSzPct val="100000"/>
+              <a:buNone/>
+            </a:pPr>
+            <a:endParaRPr lang="en-GB" dirty="0"/>
+          </a:p>
+        </p:txBody>
+      </p:sp>
+      <p:sp>
+        <p:nvSpPr>
+          <p:cNvPr id="4" name="TextBox 3"/>
+          <p:cNvSpPr txBox="1"/>
+          <p:nvPr/>
+        </p:nvSpPr>
+        <p:spPr>
+          <a:xfrm>
+            <a:off x="380144" y="267128"/>
+            <a:ext cx="3353803" cy="584775"/>
+          </a:xfrm>
+          <a:prstGeom prst="rect">
+            <a:avLst/>
+          </a:prstGeom>
+          <a:noFill/>
+        </p:spPr>
+        <p:txBody>
+          <a:bodyPr wrap="none" rtlCol="0">
+            <a:spAutoFit/>
+          </a:bodyPr>
+          <a:lstStyle/>
+          <a:p>
+            <a:r>
+              <a:rPr lang="en-US" sz="3200" b="1" dirty="0" smtClean="0">
+                <a:solidFill>
+                  <a:schemeClr val="tx1"/>
+                </a:solidFill>
+                <a:latin typeface="Baskerville Old Face" panose="02020602080505020303" pitchFamily="18" charset="0"/>
+              </a:rPr>
+              <a:t>Problem statement </a:t>
+            </a:r>
+            <a:endParaRPr lang="en-US" sz="3200" b="1" dirty="0">
+              <a:solidFill>
+                <a:schemeClr val="tx1"/>
+              </a:solidFill>
+              <a:latin typeface="Baskerville Old Face" panose="02020602080505020303" pitchFamily="18" charset="0"/>
+            </a:endParaRPr>
+          </a:p>
+        </p:txBody>
+      </p:sp>
+    </p:spTree>
+  </p:cSld>
+  <p:clrMapOvr>
+    <a:masterClrMapping/>
+  </p:clrMapOvr>
+  <p:transition spd="slow">
+    <p:cut/>
+  </p:transition>
+  <p:timing>
+    <p:tnLst>
+      <p:par>
+        <p:cTn id="1" dur="indefinite" restart="never" nodeType="tmRoot"/>
+      </p:par>
+    </p:tnLst>
+  </p:timing>
+</p:sld>
+</file>
+
+<file path=ppt/slides/slide4.xml><?xml version="1.0" encoding="utf-8"?>
 <p:sld xmlns:a="http://schemas.openxmlformats.org/drawingml/2006/main" xmlns:r="http://schemas.openxmlformats.org/officeDocument/2006/relationships" xmlns:p="http://schemas.openxmlformats.org/presentationml/2006/main">
   <p:cSld>
     <p:spTree>
@@ -7888,344 +6581,6 @@
 </p:sld>
 </file>
 
-<file path=ppt/slides/slide4.xml><?xml version="1.0" encoding="utf-8"?>
-<p:sld xmlns:a="http://schemas.openxmlformats.org/drawingml/2006/main" xmlns:r="http://schemas.openxmlformats.org/officeDocument/2006/relationships" xmlns:p="http://schemas.openxmlformats.org/presentationml/2006/main">
-  <p:cSld>
-    <p:spTree>
-      <p:nvGrpSpPr>
-        <p:cNvPr id="1" name="Shape 35"/>
-        <p:cNvGrpSpPr/>
-        <p:nvPr/>
-      </p:nvGrpSpPr>
-      <p:grpSpPr>
-        <a:xfrm>
-          <a:off x="0" y="0"/>
-          <a:ext cx="0" cy="0"/>
-          <a:chOff x="0" y="0"/>
-          <a:chExt cx="0" cy="0"/>
-        </a:xfrm>
-      </p:grpSpPr>
-      <p:sp>
-        <p:nvSpPr>
-          <p:cNvPr id="37" name="Shape 37"/>
-          <p:cNvSpPr txBox="1">
-            <a:spLocks noGrp="1"/>
-          </p:cNvSpPr>
-          <p:nvPr>
-            <p:ph type="body" idx="1"/>
-          </p:nvPr>
-        </p:nvSpPr>
-        <p:spPr>
-          <a:xfrm>
-            <a:off x="457200" y="955498"/>
-            <a:ext cx="8229600" cy="3970352"/>
-          </a:xfrm>
-          <a:prstGeom prst="rect">
-            <a:avLst/>
-          </a:prstGeom>
-        </p:spPr>
-        <p:txBody>
-          <a:bodyPr lIns="91425" tIns="91425" rIns="91425" bIns="91425" anchor="t" anchorCtr="0">
-            <a:noAutofit/>
-          </a:bodyPr>
-          <a:lstStyle/>
-          <a:p>
-            <a:pPr marL="38100" lvl="0" indent="0" rtl="0">
-              <a:spcBef>
-                <a:spcPts val="0"/>
-              </a:spcBef>
-              <a:buClr>
-                <a:schemeClr val="dk1"/>
-              </a:buClr>
-              <a:buSzPct val="100000"/>
-              <a:buNone/>
-            </a:pPr>
-            <a:r>
-              <a:rPr lang="en-GB" sz="2800" b="1" dirty="0" smtClean="0">
-                <a:solidFill>
-                  <a:schemeClr val="bg1">
-                    <a:lumMod val="95000"/>
-                    <a:lumOff val="5000"/>
-                  </a:schemeClr>
-                </a:solidFill>
-                <a:latin typeface="Agency FB" panose="020B0503020202020204" pitchFamily="34" charset="0"/>
-              </a:rPr>
-              <a:t>1. </a:t>
-            </a:r>
-            <a:r>
-              <a:rPr lang="en-GB" sz="2800" b="1" u="sng" dirty="0" smtClean="0">
-                <a:solidFill>
-                  <a:schemeClr val="bg1">
-                    <a:lumMod val="95000"/>
-                    <a:lumOff val="5000"/>
-                  </a:schemeClr>
-                </a:solidFill>
-                <a:latin typeface="Agency FB" panose="020B0503020202020204" pitchFamily="34" charset="0"/>
-              </a:rPr>
-              <a:t>Goal 1:</a:t>
-            </a:r>
-            <a:r>
-              <a:rPr lang="en-GB" sz="2800" dirty="0" smtClean="0">
-                <a:solidFill>
-                  <a:schemeClr val="bg1">
-                    <a:lumMod val="95000"/>
-                    <a:lumOff val="5000"/>
-                  </a:schemeClr>
-                </a:solidFill>
-                <a:latin typeface="Agency FB" panose="020B0503020202020204" pitchFamily="34" charset="0"/>
-              </a:rPr>
-              <a:t> Audio Morse code signals will be sent to the bot from source. The signal should be received without </a:t>
-            </a:r>
-            <a:r>
-              <a:rPr lang="en-GB" sz="2800" dirty="0" smtClean="0">
-                <a:solidFill>
-                  <a:schemeClr val="bg1">
-                    <a:lumMod val="95000"/>
-                    <a:lumOff val="5000"/>
-                  </a:schemeClr>
-                </a:solidFill>
-                <a:latin typeface="Agency FB" panose="020B0503020202020204" pitchFamily="34" charset="0"/>
-              </a:rPr>
-              <a:t>attenuation</a:t>
-            </a:r>
-            <a:r>
-              <a:rPr lang="en-GB" sz="2800" dirty="0" smtClean="0">
-                <a:solidFill>
-                  <a:schemeClr val="bg1">
-                    <a:lumMod val="95000"/>
-                    <a:lumOff val="5000"/>
-                  </a:schemeClr>
-                </a:solidFill>
-                <a:latin typeface="Agency FB" panose="020B0503020202020204" pitchFamily="34" charset="0"/>
-              </a:rPr>
-              <a:t>, converted into a pulse signal, and it should then be expressed as a series of </a:t>
-            </a:r>
-            <a:r>
-              <a:rPr lang="en-GB" sz="2800" dirty="0" err="1" smtClean="0">
-                <a:solidFill>
-                  <a:schemeClr val="bg1">
-                    <a:lumMod val="95000"/>
-                    <a:lumOff val="5000"/>
-                  </a:schemeClr>
-                </a:solidFill>
-                <a:latin typeface="Agency FB" panose="020B0503020202020204" pitchFamily="34" charset="0"/>
-              </a:rPr>
-              <a:t>dits</a:t>
-            </a:r>
-            <a:r>
-              <a:rPr lang="en-GB" sz="2800" dirty="0" smtClean="0">
-                <a:solidFill>
-                  <a:schemeClr val="bg1">
-                    <a:lumMod val="95000"/>
-                    <a:lumOff val="5000"/>
-                  </a:schemeClr>
-                </a:solidFill>
-                <a:latin typeface="Agency FB" panose="020B0503020202020204" pitchFamily="34" charset="0"/>
-              </a:rPr>
-              <a:t> and dahs by the microcontroller.</a:t>
-            </a:r>
-          </a:p>
-          <a:p>
-            <a:pPr marL="38100" lvl="0" indent="0" rtl="0">
-              <a:spcBef>
-                <a:spcPts val="0"/>
-              </a:spcBef>
-              <a:buClr>
-                <a:schemeClr val="dk1"/>
-              </a:buClr>
-              <a:buSzPct val="100000"/>
-              <a:buNone/>
-            </a:pPr>
-            <a:endParaRPr lang="en-GB" sz="2800" dirty="0">
-              <a:solidFill>
-                <a:schemeClr val="bg1">
-                  <a:lumMod val="95000"/>
-                  <a:lumOff val="5000"/>
-                </a:schemeClr>
-              </a:solidFill>
-              <a:latin typeface="Agency FB" panose="020B0503020202020204" pitchFamily="34" charset="0"/>
-            </a:endParaRPr>
-          </a:p>
-          <a:p>
-            <a:pPr marL="38100" lvl="0" indent="0" rtl="0">
-              <a:spcBef>
-                <a:spcPts val="0"/>
-              </a:spcBef>
-              <a:buClr>
-                <a:schemeClr val="dk1"/>
-              </a:buClr>
-              <a:buSzPct val="100000"/>
-              <a:buNone/>
-            </a:pPr>
-            <a:r>
-              <a:rPr lang="en-GB" sz="2800" b="1" dirty="0" smtClean="0">
-                <a:solidFill>
-                  <a:schemeClr val="bg1">
-                    <a:lumMod val="95000"/>
-                    <a:lumOff val="5000"/>
-                  </a:schemeClr>
-                </a:solidFill>
-                <a:latin typeface="Agency FB" panose="020B0503020202020204" pitchFamily="34" charset="0"/>
-              </a:rPr>
-              <a:t>2. </a:t>
-            </a:r>
-            <a:r>
-              <a:rPr lang="en-GB" sz="2800" b="1" u="sng" dirty="0" smtClean="0">
-                <a:solidFill>
-                  <a:schemeClr val="bg1">
-                    <a:lumMod val="95000"/>
-                    <a:lumOff val="5000"/>
-                  </a:schemeClr>
-                </a:solidFill>
-                <a:latin typeface="Agency FB" panose="020B0503020202020204" pitchFamily="34" charset="0"/>
-              </a:rPr>
-              <a:t>Goal 2:</a:t>
-            </a:r>
-            <a:r>
-              <a:rPr lang="en-GB" sz="2800" dirty="0" smtClean="0">
-                <a:solidFill>
-                  <a:schemeClr val="bg1">
-                    <a:lumMod val="95000"/>
-                    <a:lumOff val="5000"/>
-                  </a:schemeClr>
-                </a:solidFill>
-                <a:latin typeface="Agency FB" panose="020B0503020202020204" pitchFamily="34" charset="0"/>
-              </a:rPr>
-              <a:t> The series of </a:t>
-            </a:r>
-            <a:r>
-              <a:rPr lang="en-GB" sz="2800" dirty="0" err="1" smtClean="0">
-                <a:solidFill>
-                  <a:schemeClr val="bg1">
-                    <a:lumMod val="95000"/>
-                    <a:lumOff val="5000"/>
-                  </a:schemeClr>
-                </a:solidFill>
-                <a:latin typeface="Agency FB" panose="020B0503020202020204" pitchFamily="34" charset="0"/>
-              </a:rPr>
-              <a:t>dits</a:t>
-            </a:r>
-            <a:r>
-              <a:rPr lang="en-GB" sz="2800" dirty="0" smtClean="0">
-                <a:solidFill>
-                  <a:schemeClr val="bg1">
-                    <a:lumMod val="95000"/>
-                    <a:lumOff val="5000"/>
-                  </a:schemeClr>
-                </a:solidFill>
-                <a:latin typeface="Agency FB" panose="020B0503020202020204" pitchFamily="34" charset="0"/>
-              </a:rPr>
-              <a:t> and dahs will be converted into letters of English language. </a:t>
-            </a:r>
-            <a:r>
-              <a:rPr lang="en-GB" sz="2800" dirty="0" err="1" smtClean="0">
-                <a:solidFill>
-                  <a:schemeClr val="bg1">
-                    <a:lumMod val="95000"/>
-                    <a:lumOff val="5000"/>
-                  </a:schemeClr>
-                </a:solidFill>
-                <a:latin typeface="Agency FB" panose="020B0503020202020204" pitchFamily="34" charset="0"/>
-              </a:rPr>
-              <a:t>Eg</a:t>
-            </a:r>
-            <a:r>
-              <a:rPr lang="en-GB" sz="2800" dirty="0" smtClean="0">
-                <a:solidFill>
-                  <a:schemeClr val="bg1">
-                    <a:lumMod val="95000"/>
-                    <a:lumOff val="5000"/>
-                  </a:schemeClr>
-                </a:solidFill>
-                <a:latin typeface="Agency FB" panose="020B0503020202020204" pitchFamily="34" charset="0"/>
-              </a:rPr>
-              <a:t>: ‘F’,’B’,’R’,’L’,</a:t>
-            </a:r>
-            <a:r>
-              <a:rPr lang="en-GB" sz="2800" dirty="0" err="1" smtClean="0">
-                <a:solidFill>
-                  <a:schemeClr val="bg1">
-                    <a:lumMod val="95000"/>
-                    <a:lumOff val="5000"/>
-                  </a:schemeClr>
-                </a:solidFill>
-                <a:latin typeface="Agency FB" panose="020B0503020202020204" pitchFamily="34" charset="0"/>
-              </a:rPr>
-              <a:t>etc</a:t>
-            </a:r>
-            <a:r>
-              <a:rPr lang="en-GB" sz="2800" dirty="0" smtClean="0">
-                <a:solidFill>
-                  <a:schemeClr val="bg1">
-                    <a:lumMod val="95000"/>
-                    <a:lumOff val="5000"/>
-                  </a:schemeClr>
-                </a:solidFill>
-                <a:latin typeface="Agency FB" panose="020B0503020202020204" pitchFamily="34" charset="0"/>
-              </a:rPr>
-              <a:t>.</a:t>
-            </a:r>
-          </a:p>
-        </p:txBody>
-      </p:sp>
-      <p:sp>
-        <p:nvSpPr>
-          <p:cNvPr id="4" name="TextBox 3"/>
-          <p:cNvSpPr txBox="1"/>
-          <p:nvPr/>
-        </p:nvSpPr>
-        <p:spPr>
-          <a:xfrm>
-            <a:off x="380144" y="267128"/>
-            <a:ext cx="3353803" cy="584775"/>
-          </a:xfrm>
-          <a:prstGeom prst="rect">
-            <a:avLst/>
-          </a:prstGeom>
-          <a:noFill/>
-        </p:spPr>
-        <p:txBody>
-          <a:bodyPr wrap="none" rtlCol="0">
-            <a:spAutoFit/>
-          </a:bodyPr>
-          <a:lstStyle/>
-          <a:p>
-            <a:r>
-              <a:rPr lang="en-US" sz="3200" b="1" dirty="0" smtClean="0">
-                <a:solidFill>
-                  <a:schemeClr val="tx1"/>
-                </a:solidFill>
-                <a:latin typeface="Baskerville Old Face" panose="02020602080505020303" pitchFamily="18" charset="0"/>
-              </a:rPr>
-              <a:t>Problem statement </a:t>
-            </a:r>
-            <a:endParaRPr lang="en-US" sz="3200" b="1" dirty="0">
-              <a:solidFill>
-                <a:schemeClr val="tx1"/>
-              </a:solidFill>
-              <a:latin typeface="Baskerville Old Face" panose="02020602080505020303" pitchFamily="18" charset="0"/>
-            </a:endParaRPr>
-          </a:p>
-        </p:txBody>
-      </p:sp>
-    </p:spTree>
-  </p:cSld>
-  <p:clrMapOvr>
-    <a:masterClrMapping/>
-  </p:clrMapOvr>
-  <p:transition spd="slow">
-    <p:cut/>
-  </p:transition>
-  <p:timing>
-    <p:tnLst>
-      <p:par>
-        <p:cTn id="1" dur="indefinite" restart="never" nodeType="tmRoot"/>
-      </p:par>
-    </p:tnLst>
-  </p:timing>
-</p:sld>
-</file>
-
 <file path=ppt/slides/slide5.xml><?xml version="1.0" encoding="utf-8"?>
 <p:sld xmlns:a="http://schemas.openxmlformats.org/drawingml/2006/main" xmlns:r="http://schemas.openxmlformats.org/officeDocument/2006/relationships" xmlns:p="http://schemas.openxmlformats.org/presentationml/2006/main">
   <p:cSld>
@@ -8255,13 +6610,13 @@
         </p:nvSpPr>
         <p:spPr>
           <a:xfrm>
-            <a:off x="457200" y="1042680"/>
+            <a:off x="509954" y="1007510"/>
             <a:ext cx="8142270" cy="3703205"/>
           </a:xfrm>
         </p:spPr>
         <p:txBody>
           <a:bodyPr>
-            <a:normAutofit fontScale="92500" lnSpcReduction="10000"/>
+            <a:noAutofit/>
           </a:bodyPr>
           <a:lstStyle/>
           <a:p>
@@ -8269,96 +6624,63 @@
               <a:buNone/>
             </a:pPr>
             <a:r>
-              <a:rPr lang="en-GB" sz="2800" b="1" dirty="0" smtClean="0">
-                <a:solidFill>
-                  <a:schemeClr val="bg1">
-                    <a:lumMod val="95000"/>
-                    <a:lumOff val="5000"/>
-                  </a:schemeClr>
+              <a:rPr lang="en-GB" sz="2800" u="sng" dirty="0" smtClean="0">
+                <a:solidFill>
+                  <a:srgbClr val="002060"/>
                 </a:solidFill>
                 <a:latin typeface="Agency FB" panose="020B0503020202020204" pitchFamily="34" charset="0"/>
               </a:rPr>
-              <a:t>3.  </a:t>
-            </a:r>
-            <a:r>
-              <a:rPr lang="en-GB" sz="2800" b="1" u="sng" dirty="0" smtClean="0">
-                <a:solidFill>
-                  <a:schemeClr val="bg1">
-                    <a:lumMod val="95000"/>
-                    <a:lumOff val="5000"/>
-                  </a:schemeClr>
+              <a:t>3</a:t>
+            </a:r>
+            <a:r>
+              <a:rPr lang="en-GB" sz="2800" u="sng" dirty="0">
+                <a:solidFill>
+                  <a:srgbClr val="002060"/>
                 </a:solidFill>
                 <a:latin typeface="Agency FB" panose="020B0503020202020204" pitchFamily="34" charset="0"/>
               </a:rPr>
-              <a:t>Goal </a:t>
-            </a:r>
-            <a:r>
-              <a:rPr lang="en-GB" sz="2800" b="1" u="sng" dirty="0">
-                <a:solidFill>
-                  <a:schemeClr val="bg1">
-                    <a:lumMod val="95000"/>
-                    <a:lumOff val="5000"/>
-                  </a:schemeClr>
+              <a:t>: </a:t>
+            </a:r>
+            <a:r>
+              <a:rPr lang="en-GB" sz="2800" dirty="0">
+                <a:solidFill>
+                  <a:srgbClr val="002060"/>
                 </a:solidFill>
                 <a:latin typeface="Agency FB" panose="020B0503020202020204" pitchFamily="34" charset="0"/>
               </a:rPr>
-              <a:t>3: </a:t>
+              <a:t>Based on the letters received, the bot </a:t>
+            </a:r>
+            <a:r>
+              <a:rPr lang="en-GB" sz="2800" dirty="0" smtClean="0">
+                <a:solidFill>
+                  <a:srgbClr val="002060"/>
+                </a:solidFill>
+                <a:latin typeface="Agency FB" panose="020B0503020202020204" pitchFamily="34" charset="0"/>
+              </a:rPr>
+              <a:t>performs multiple operations. This exercise is being done to show the bot has decoded the signal and has processed it in the required way. </a:t>
+            </a:r>
+            <a:r>
+              <a:rPr lang="en-GB" sz="2800" dirty="0" err="1">
+                <a:solidFill>
+                  <a:srgbClr val="002060"/>
+                </a:solidFill>
+                <a:latin typeface="Agency FB" panose="020B0503020202020204" pitchFamily="34" charset="0"/>
+              </a:rPr>
+              <a:t>Eg</a:t>
             </a:r>
             <a:r>
               <a:rPr lang="en-GB" sz="2800" dirty="0">
                 <a:solidFill>
-                  <a:schemeClr val="bg1">
-                    <a:lumMod val="95000"/>
-                    <a:lumOff val="5000"/>
-                  </a:schemeClr>
+                  <a:srgbClr val="002060"/>
                 </a:solidFill>
                 <a:latin typeface="Agency FB" panose="020B0503020202020204" pitchFamily="34" charset="0"/>
               </a:rPr>
-              <a:t>Based on the letters received, the bot </a:t>
+              <a:t>: for the letter ‘F’ the bot performs </a:t>
             </a:r>
             <a:r>
               <a:rPr lang="en-GB" sz="2800" dirty="0" smtClean="0">
                 <a:solidFill>
-                  <a:schemeClr val="bg1">
-                    <a:lumMod val="95000"/>
-                    <a:lumOff val="5000"/>
-                  </a:schemeClr>
-                </a:solidFill>
-                <a:latin typeface="Agency FB" panose="020B0503020202020204" pitchFamily="34" charset="0"/>
-              </a:rPr>
-              <a:t>performs multiple operations. This exercise is being done to show the bot has decoded the signal and has processed it in the required way. </a:t>
-            </a:r>
-            <a:r>
-              <a:rPr lang="en-GB" sz="2800" dirty="0" err="1">
-                <a:solidFill>
-                  <a:schemeClr val="bg1">
-                    <a:lumMod val="95000"/>
-                    <a:lumOff val="5000"/>
-                  </a:schemeClr>
-                </a:solidFill>
-                <a:latin typeface="Agency FB" panose="020B0503020202020204" pitchFamily="34" charset="0"/>
-              </a:rPr>
-              <a:t>Eg</a:t>
-            </a:r>
-            <a:r>
-              <a:rPr lang="en-GB" sz="2800" dirty="0">
-                <a:solidFill>
-                  <a:schemeClr val="bg1">
-                    <a:lumMod val="95000"/>
-                    <a:lumOff val="5000"/>
-                  </a:schemeClr>
-                </a:solidFill>
-                <a:latin typeface="Agency FB" panose="020B0503020202020204" pitchFamily="34" charset="0"/>
-              </a:rPr>
-              <a:t>: for the letter ‘F’ the bot performs </a:t>
-            </a:r>
-            <a:r>
-              <a:rPr lang="en-GB" sz="2800" dirty="0" smtClean="0">
-                <a:solidFill>
-                  <a:schemeClr val="bg1">
-                    <a:lumMod val="95000"/>
-                    <a:lumOff val="5000"/>
-                  </a:schemeClr>
+                  <a:srgbClr val="002060"/>
                 </a:solidFill>
                 <a:latin typeface="Agency FB" panose="020B0503020202020204" pitchFamily="34" charset="0"/>
               </a:rPr>
@@ -8371,10 +6693,7 @@
             </a:pPr>
             <a:endParaRPr lang="en-GB" sz="2800" dirty="0" smtClean="0">
               <a:solidFill>
-                <a:schemeClr val="bg1">
-                  <a:lumMod val="95000"/>
-                  <a:lumOff val="5000"/>
-                </a:schemeClr>
+                <a:srgbClr val="002060"/>
               </a:solidFill>
               <a:latin typeface="Agency FB" panose="020B0503020202020204" pitchFamily="34" charset="0"/>
             </a:endParaRPr>
@@ -8384,47 +6703,53 @@
               <a:buNone/>
             </a:pPr>
             <a:r>
-              <a:rPr lang="en-GB" sz="2800" b="1" dirty="0" smtClean="0">
-                <a:solidFill>
-                  <a:schemeClr val="bg1">
-                    <a:lumMod val="95000"/>
-                    <a:lumOff val="5000"/>
-                  </a:schemeClr>
+              <a:rPr lang="en-GB" sz="2800" u="sng" dirty="0" smtClean="0">
+                <a:solidFill>
+                  <a:srgbClr val="002060"/>
                 </a:solidFill>
                 <a:latin typeface="Agency FB" panose="020B0503020202020204" pitchFamily="34" charset="0"/>
               </a:rPr>
-              <a:t>4. </a:t>
-            </a:r>
-            <a:r>
-              <a:rPr lang="en-GB" sz="2800" b="1" u="sng" dirty="0" smtClean="0">
-                <a:solidFill>
-                  <a:schemeClr val="bg1">
-                    <a:lumMod val="95000"/>
-                    <a:lumOff val="5000"/>
-                  </a:schemeClr>
+              <a:t>4</a:t>
+            </a:r>
+            <a:r>
+              <a:rPr lang="en-GB" sz="2800" u="sng" dirty="0" smtClean="0">
+                <a:solidFill>
+                  <a:srgbClr val="002060"/>
                 </a:solidFill>
                 <a:latin typeface="Agency FB" panose="020B0503020202020204" pitchFamily="34" charset="0"/>
               </a:rPr>
-              <a:t>Goal 4: </a:t>
+              <a:t>: </a:t>
             </a:r>
             <a:r>
               <a:rPr lang="en-GB" sz="2800" dirty="0" smtClean="0">
                 <a:solidFill>
-                  <a:schemeClr val="bg1">
-                    <a:lumMod val="95000"/>
-                    <a:lumOff val="5000"/>
-                  </a:schemeClr>
+                  <a:srgbClr val="002060"/>
                 </a:solidFill>
                 <a:latin typeface="Agency FB" panose="020B0503020202020204" pitchFamily="34" charset="0"/>
               </a:rPr>
-              <a:t>After the bot receives the signal , the bot should be able to transmit Morse code , conveying that it has received the signal. Also, after completing the required task the bot should be able to transmit Morse code. The morse code transmission to be done using on board buzzer.</a:t>
+              <a:t>After the bot receives the signal , the bot should be able to transmit Morse code , conveying that it has received the signal. Also, after completing the required task the bot should be able to transmit Morse code. The morse code transmission </a:t>
+            </a:r>
+            <a:r>
+              <a:rPr lang="en-GB" sz="2800" dirty="0" smtClean="0">
+                <a:solidFill>
+                  <a:srgbClr val="002060"/>
+                </a:solidFill>
+                <a:latin typeface="Agency FB" panose="020B0503020202020204" pitchFamily="34" charset="0"/>
+              </a:rPr>
+              <a:t>is </a:t>
+            </a:r>
+            <a:r>
+              <a:rPr lang="en-GB" sz="2800" dirty="0" smtClean="0">
+                <a:solidFill>
+                  <a:srgbClr val="002060"/>
+                </a:solidFill>
+                <a:latin typeface="Agency FB" panose="020B0503020202020204" pitchFamily="34" charset="0"/>
+              </a:rPr>
+              <a:t>using on board buzzer.</a:t>
             </a:r>
             <a:endParaRPr lang="en-US" sz="2800" dirty="0">
               <a:solidFill>
-                <a:schemeClr val="bg1">
-                  <a:lumMod val="95000"/>
-                  <a:lumOff val="5000"/>
-                </a:schemeClr>
+                <a:srgbClr val="002060"/>
               </a:solidFill>
             </a:endParaRPr>
           </a:p>
@@ -8495,7 +6820,7 @@
   <p:cSld>
     <p:spTree>
       <p:nvGrpSpPr>
-        <p:cNvPr id="1" name="Shape 41"/>
+        <p:cNvPr id="1" name=""/>
         <p:cNvGrpSpPr/>
         <p:nvPr/>
       </p:nvGrpSpPr>
@@ -8507,135 +6832,57 @@
           <a:chExt cx="0" cy="0"/>
         </a:xfrm>
       </p:grpSpPr>
-      <p:sp>
-        <p:nvSpPr>
-          <p:cNvPr id="42" name="Shape 42"/>
-          <p:cNvSpPr txBox="1">
-            <a:spLocks noGrp="1"/>
-          </p:cNvSpPr>
-          <p:nvPr>
-            <p:ph type="title"/>
-          </p:nvPr>
-        </p:nvSpPr>
-        <p:spPr>
-          <a:prstGeom prst="rect">
-            <a:avLst/>
-          </a:prstGeom>
-        </p:spPr>
-        <p:txBody>
-          <a:bodyPr lIns="91425" tIns="91425" rIns="91425" bIns="91425" anchor="b" anchorCtr="0">
-            <a:noAutofit/>
-          </a:bodyPr>
-          <a:lstStyle/>
-          <a:p>
-            <a:pPr>
-              <a:spcBef>
-                <a:spcPts val="0"/>
-              </a:spcBef>
-              <a:buNone/>
-            </a:pPr>
-            <a:r>
-              <a:rPr lang="en-GB" sz="3200" b="1" dirty="0">
-                <a:latin typeface="Baskerville Old Face" panose="02020602080505020303" pitchFamily="18" charset="0"/>
-              </a:rPr>
-              <a:t>Project Screenshots/Video</a:t>
-            </a:r>
-          </a:p>
-        </p:txBody>
-      </p:sp>
-      <p:sp>
-        <p:nvSpPr>
-          <p:cNvPr id="43" name="Shape 43"/>
-          <p:cNvSpPr txBox="1">
-            <a:spLocks noGrp="1"/>
-          </p:cNvSpPr>
-          <p:nvPr>
-            <p:ph type="body" idx="1"/>
-          </p:nvPr>
-        </p:nvSpPr>
-        <p:spPr>
-          <a:prstGeom prst="rect">
-            <a:avLst/>
-          </a:prstGeom>
-        </p:spPr>
-        <p:txBody>
-          <a:bodyPr lIns="91425" tIns="91425" rIns="91425" bIns="91425" anchor="t" anchorCtr="0">
-            <a:noAutofit/>
-          </a:bodyPr>
-          <a:lstStyle/>
-          <a:p>
-            <a:pPr>
-              <a:spcBef>
-                <a:spcPts val="0"/>
-              </a:spcBef>
-              <a:buNone/>
-            </a:pPr>
-            <a:r>
-              <a:rPr lang="en-GB" dirty="0" smtClean="0"/>
-              <a:t>Add screenshots or video describing project</a:t>
-            </a:r>
-          </a:p>
-          <a:p>
-            <a:pPr>
-              <a:spcBef>
-                <a:spcPts val="0"/>
-              </a:spcBef>
-              <a:buNone/>
-            </a:pPr>
-            <a:r>
-              <a:rPr lang="en-GB" dirty="0" smtClean="0"/>
-              <a:t>(</a:t>
-            </a:r>
-            <a:r>
-              <a:rPr lang="en-GB" dirty="0" err="1" smtClean="0"/>
-              <a:t>Ajinkya</a:t>
-            </a:r>
-            <a:r>
-              <a:rPr lang="en-GB" dirty="0" smtClean="0"/>
-              <a:t>)</a:t>
-            </a:r>
-            <a:endParaRPr lang="en-GB" dirty="0"/>
-          </a:p>
-        </p:txBody>
-      </p:sp>
       <p:pic>
         <p:nvPicPr>
-          <p:cNvPr id="2" name="Picture 1"/>
+          <p:cNvPr id="4" name="Picture 8" descr="http://cdn.instructables.com/F1Q/9OFN/HCB8QEQP/F1Q9OFNHCB8QEQP.LARGE.jpg"/>
           <p:cNvPicPr>
-            <a:picLocks noChangeAspect="1"/>
+            <a:picLocks noChangeAspect="1" noChangeArrowheads="1"/>
           </p:cNvPicPr>
           <p:nvPr/>
         </p:nvPicPr>
         <p:blipFill>
-          <a:blip r:embed="rId3">
+          <a:blip r:embed="rId2">
             <a:extLst>
               <a:ext uri="{28A0092B-C50C-407E-A947-70E740481C1C}">
                 <a14:useLocalDpi xmlns:a14="http://schemas.microsoft.com/office/drawing/2010/main" val="0"/>
               </a:ext>
             </a:extLst>
           </a:blip>
+          <a:srcRect/>
           <a:stretch>
             <a:fillRect/>
           </a:stretch>
         </p:blipFill>
-        <p:spPr>
+        <p:spPr bwMode="auto">
           <a:xfrm>
-            <a:off x="1542198" y="703384"/>
-            <a:ext cx="3436092" cy="5143500"/>
+            <a:off x="2039817" y="0"/>
+            <a:ext cx="4229098" cy="5143500"/>
           </a:xfrm>
           <a:prstGeom prst="rect">
             <a:avLst/>
           </a:prstGeom>
+          <a:noFill/>
+          <a:extLst>
+            <a:ext uri="{909E8E84-426E-40DD-AFC4-6F175D3DCCD1}">
+              <a14:hiddenFill xmlns:a14="http://schemas.microsoft.com/office/drawing/2010/main">
+                <a:solidFill>
+                  <a:srgbClr val="FFFFFF"/>
+                </a:solidFill>
+              </a14:hiddenFill>
+            </a:ext>
+          </a:extLst>
         </p:spPr>
       </p:pic>
     </p:spTree>
+    <p:extLst>
+      <p:ext uri="{BB962C8B-B14F-4D97-AF65-F5344CB8AC3E}">
+        <p14:creationId xmlns:p14="http://schemas.microsoft.com/office/powerpoint/2010/main" val="2498472469"/>
+      </p:ext>
+    </p:extLst>
   </p:cSld>
   <p:clrMapOvr>
     <a:masterClrMapping/>
   </p:clrMapOvr>
-  <p:transition spd="slow">
-    <p:cut/>
-  </p:transition>
   <p:timing>
     <p:tnLst>
       <p:par>
@@ -8675,82 +6922,110 @@
         </p:nvSpPr>
         <p:spPr/>
         <p:txBody>
-          <a:bodyPr/>
+          <a:bodyPr>
+            <a:normAutofit/>
+          </a:bodyPr>
           <a:lstStyle/>
           <a:p>
             <a:r>
-              <a:rPr lang="en-US" sz="2800" i="1" dirty="0" smtClean="0">
+              <a:rPr lang="en-US" sz="3200" dirty="0" smtClean="0">
+                <a:solidFill>
+                  <a:srgbClr val="002060"/>
+                </a:solidFill>
+                <a:latin typeface="Agency FB" pitchFamily="34" charset="0"/>
+              </a:rPr>
+              <a:t>Receiving  morse  code in the form of audio signals and providing it to the microcontrolle</a:t>
+            </a:r>
+            <a:r>
+              <a:rPr lang="en-US" dirty="0" smtClean="0">
+                <a:solidFill>
+                  <a:srgbClr val="002060"/>
+                </a:solidFill>
                 <a:latin typeface="Agency FB" panose="020B0503020202020204" pitchFamily="34" charset="0"/>
               </a:rPr>
-              <a:t>The biggest challenge that we faced while making our </a:t>
-            </a:r>
-            <a:r>
-              <a:rPr lang="en-US" sz="2800" i="1" dirty="0">
+              <a:t>r, in such a way that it would be able to process it.</a:t>
+            </a:r>
+          </a:p>
+          <a:p>
+            <a:pPr marL="0" indent="0">
+              <a:buNone/>
+            </a:pPr>
+            <a:r>
+              <a:rPr lang="en-US" b="1" i="1" dirty="0" smtClean="0">
+                <a:solidFill>
+                  <a:srgbClr val="FF0000"/>
+                </a:solidFill>
                 <a:latin typeface="Agency FB" panose="020B0503020202020204" pitchFamily="34" charset="0"/>
               </a:rPr>
-              <a:t>M</a:t>
-            </a:r>
-            <a:r>
-              <a:rPr lang="en-US" sz="2800" i="1" dirty="0" smtClean="0">
+              <a:t> </a:t>
+            </a:r>
+            <a:r>
+              <a:rPr lang="en-US" sz="3200" b="1" i="1" dirty="0" smtClean="0">
+                <a:solidFill>
+                  <a:srgbClr val="FF0000"/>
+                </a:solidFill>
                 <a:latin typeface="Agency FB" panose="020B0503020202020204" pitchFamily="34" charset="0"/>
               </a:rPr>
-              <a:t>orse code decoder was that part of the project in which we had to </a:t>
-            </a:r>
-            <a:r>
-              <a:rPr lang="en-US" sz="2800" i="1" dirty="0" smtClean="0">
+              <a:t>Solution</a:t>
+            </a:r>
+          </a:p>
+          <a:p>
+            <a:r>
+              <a:rPr lang="en-US" sz="3200" i="1" dirty="0" smtClean="0">
+                <a:solidFill>
+                  <a:srgbClr val="002060"/>
+                </a:solidFill>
                 <a:latin typeface="Agency FB" panose="020B0503020202020204" pitchFamily="34" charset="0"/>
               </a:rPr>
-              <a:t> and </a:t>
-            </a:r>
-            <a:r>
-              <a:rPr lang="en-US" sz="2800" i="1" dirty="0" smtClean="0">
-                <a:latin typeface="Agency FB" panose="020B0503020202020204" pitchFamily="34" charset="0"/>
-              </a:rPr>
-              <a:t>first </a:t>
-            </a:r>
-            <a:r>
-              <a:rPr lang="en-US" sz="2800" i="1" dirty="0" smtClean="0">
-                <a:latin typeface="Agency FB" panose="020B0503020202020204" pitchFamily="34" charset="0"/>
-              </a:rPr>
-              <a:t>make the hardware for receiving signal from the microphone, and then, had to convert those received signals into </a:t>
-            </a:r>
-            <a:r>
-              <a:rPr lang="en-US" sz="2800" i="1" dirty="0" err="1" smtClean="0">
-                <a:latin typeface="Agency FB" panose="020B0503020202020204" pitchFamily="34" charset="0"/>
-              </a:rPr>
-              <a:t>dits</a:t>
-            </a:r>
-            <a:r>
-              <a:rPr lang="en-US" sz="2800" i="1" dirty="0" smtClean="0">
-                <a:latin typeface="Agency FB" panose="020B0503020202020204" pitchFamily="34" charset="0"/>
-              </a:rPr>
-              <a:t> and </a:t>
-            </a:r>
-            <a:r>
-              <a:rPr lang="en-US" sz="2800" i="1" dirty="0" err="1" smtClean="0">
-                <a:latin typeface="Agency FB" panose="020B0503020202020204" pitchFamily="34" charset="0"/>
-              </a:rPr>
-              <a:t>dahs,along</a:t>
-            </a:r>
-            <a:r>
-              <a:rPr lang="en-US" sz="2800" i="1" dirty="0" smtClean="0">
-                <a:latin typeface="Agency FB" panose="020B0503020202020204" pitchFamily="34" charset="0"/>
-              </a:rPr>
-              <a:t> </a:t>
-            </a:r>
-            <a:r>
-              <a:rPr lang="en-US" sz="2800" i="1" dirty="0">
-                <a:latin typeface="Agency FB" panose="020B0503020202020204" pitchFamily="34" charset="0"/>
-              </a:rPr>
-              <a:t>with minimization of noise during </a:t>
-            </a:r>
-            <a:r>
-              <a:rPr lang="en-US" sz="2800" i="1" dirty="0" smtClean="0">
-                <a:latin typeface="Agency FB" panose="020B0503020202020204" pitchFamily="34" charset="0"/>
-              </a:rPr>
-              <a:t>receiving.</a:t>
-            </a:r>
-            <a:endParaRPr lang="en-US" sz="2800" i="1" dirty="0">
+              <a:t> Converting the received audio signals to digital signals (as the following fig. suggests) using comparator .</a:t>
+            </a:r>
+          </a:p>
+          <a:p>
+            <a:pPr marL="0" indent="0">
+              <a:buNone/>
+            </a:pPr>
+            <a:endParaRPr lang="en-US" sz="3200" i="1" dirty="0" smtClean="0">
+              <a:solidFill>
+                <a:srgbClr val="002060"/>
+              </a:solidFill>
+              <a:latin typeface="Agency FB" panose="020B0503020202020204" pitchFamily="34" charset="0"/>
+            </a:endParaRPr>
+          </a:p>
+          <a:p>
+            <a:endParaRPr lang="en-US" sz="3200" dirty="0">
+              <a:solidFill>
+                <a:srgbClr val="002060"/>
+              </a:solidFill>
+              <a:latin typeface="Agency FB" panose="020B0503020202020204" pitchFamily="34" charset="0"/>
+            </a:endParaRPr>
+          </a:p>
+          <a:p>
+            <a:pPr marL="0" indent="0">
+              <a:buNone/>
+            </a:pPr>
+            <a:endParaRPr lang="en-US" sz="3200" dirty="0" smtClean="0">
+              <a:solidFill>
+                <a:srgbClr val="002060"/>
+              </a:solidFill>
+              <a:latin typeface="Agency FB" panose="020B0503020202020204" pitchFamily="34" charset="0"/>
+            </a:endParaRPr>
+          </a:p>
+          <a:p>
+            <a:pPr marL="0" indent="0">
+              <a:buNone/>
+            </a:pPr>
+            <a:endParaRPr lang="en-US" sz="3200" dirty="0" smtClean="0">
+              <a:solidFill>
+                <a:srgbClr val="002060"/>
+              </a:solidFill>
+              <a:latin typeface="Agency FB" panose="020B0503020202020204" pitchFamily="34" charset="0"/>
+            </a:endParaRPr>
+          </a:p>
+          <a:p>
+            <a:endParaRPr lang="en-US" sz="3200" dirty="0">
+              <a:solidFill>
+                <a:srgbClr val="002060"/>
+              </a:solidFill>
               <a:latin typeface="Agency FB" panose="020B0503020202020204" pitchFamily="34" charset="0"/>
             </a:endParaRPr>
           </a:p>
@@ -9007,6 +7282,84 @@
           <a:chExt cx="0" cy="0"/>
         </a:xfrm>
       </p:grpSpPr>
+      <p:pic>
+        <p:nvPicPr>
+          <p:cNvPr id="1026" name="Picture 2" descr="http://chrisfenton.com/wp-content/uploads/2011/09/comparator_input_vs_output_small.jpg"/>
+          <p:cNvPicPr>
+            <a:picLocks noChangeAspect="1" noChangeArrowheads="1"/>
+          </p:cNvPicPr>
+          <p:nvPr/>
+        </p:nvPicPr>
+        <p:blipFill>
+          <a:blip r:embed="rId2">
+            <a:extLst>
+              <a:ext uri="{28A0092B-C50C-407E-A947-70E740481C1C}">
+                <a14:useLocalDpi xmlns:a14="http://schemas.microsoft.com/office/drawing/2010/main" val="0"/>
+              </a:ext>
+            </a:extLst>
+          </a:blip>
+          <a:srcRect/>
+          <a:stretch>
+            <a:fillRect/>
+          </a:stretch>
+        </p:blipFill>
+        <p:spPr bwMode="auto">
+          <a:xfrm>
+            <a:off x="1544760" y="136220"/>
+            <a:ext cx="6236432" cy="4677324"/>
+          </a:xfrm>
+          <a:prstGeom prst="rect">
+            <a:avLst/>
+          </a:prstGeom>
+          <a:noFill/>
+          <a:extLst>
+            <a:ext uri="{909E8E84-426E-40DD-AFC4-6F175D3DCCD1}">
+              <a14:hiddenFill xmlns:a14="http://schemas.microsoft.com/office/drawing/2010/main">
+                <a:solidFill>
+                  <a:srgbClr val="FFFFFF"/>
+                </a:solidFill>
+              </a14:hiddenFill>
+            </a:ext>
+          </a:extLst>
+        </p:spPr>
+      </p:pic>
+    </p:spTree>
+    <p:extLst>
+      <p:ext uri="{BB962C8B-B14F-4D97-AF65-F5344CB8AC3E}">
+        <p14:creationId xmlns:p14="http://schemas.microsoft.com/office/powerpoint/2010/main" val="12258750"/>
+      </p:ext>
+    </p:extLst>
+  </p:cSld>
+  <p:clrMapOvr>
+    <a:masterClrMapping/>
+  </p:clrMapOvr>
+  <p:timing>
+    <p:tnLst>
+      <p:par>
+        <p:cTn id="1" dur="indefinite" restart="never" nodeType="tmRoot"/>
+      </p:par>
+    </p:tnLst>
+  </p:timing>
+</p:sld>
+</file>
+
+<file path=ppt/slides/slide9.xml><?xml version="1.0" encoding="utf-8"?>
+<p:sld xmlns:a="http://schemas.openxmlformats.org/drawingml/2006/main" xmlns:r="http://schemas.openxmlformats.org/officeDocument/2006/relationships" xmlns:p="http://schemas.openxmlformats.org/presentationml/2006/main">
+  <p:cSld>
+    <p:spTree>
+      <p:nvGrpSpPr>
+        <p:cNvPr id="1" name=""/>
+        <p:cNvGrpSpPr/>
+        <p:nvPr/>
+      </p:nvGrpSpPr>
+      <p:grpSpPr>
+        <a:xfrm>
+          <a:off x="0" y="0"/>
+          <a:ext cx="0" cy="0"/>
+          <a:chOff x="0" y="0"/>
+          <a:chExt cx="0" cy="0"/>
+        </a:xfrm>
+      </p:grpSpPr>
       <p:sp>
         <p:nvSpPr>
           <p:cNvPr id="2" name="Title 1"/>
@@ -9019,43 +7372,66 @@
         </p:nvSpPr>
         <p:spPr/>
         <p:txBody>
+          <a:bodyPr>
+            <a:normAutofit/>
+          </a:bodyPr>
+          <a:lstStyle/>
+          <a:p>
+            <a:pPr algn="l"/>
+            <a:r>
+              <a:rPr lang="en-US" sz="2800" b="1" dirty="0" smtClean="0">
+                <a:latin typeface="Baskerville Old Face" panose="02020602080505020303" pitchFamily="18" charset="0"/>
+              </a:rPr>
+              <a:t>External Hardware</a:t>
+            </a:r>
+            <a:endParaRPr lang="en-US" sz="2800" b="1" dirty="0">
+              <a:latin typeface="Baskerville Old Face" panose="02020602080505020303" pitchFamily="18" charset="0"/>
+            </a:endParaRPr>
+          </a:p>
+        </p:txBody>
+      </p:sp>
+      <p:sp>
+        <p:nvSpPr>
+          <p:cNvPr id="3" name="Text Placeholder 2"/>
+          <p:cNvSpPr>
+            <a:spLocks noGrp="1"/>
+          </p:cNvSpPr>
+          <p:nvPr>
+            <p:ph type="body" idx="1"/>
+          </p:nvPr>
+        </p:nvSpPr>
+        <p:spPr>
+          <a:xfrm>
+            <a:off x="483577" y="1050008"/>
+            <a:ext cx="8229600" cy="3725680"/>
+          </a:xfrm>
+        </p:spPr>
+        <p:txBody>
           <a:bodyPr/>
           <a:lstStyle/>
           <a:p>
             <a:r>
-              <a:rPr lang="en-US" dirty="0" smtClean="0">
-                <a:latin typeface="Baskerville Old Face" panose="02020602080505020303" pitchFamily="18" charset="0"/>
-              </a:rPr>
-              <a:t>Solution To The Challenge</a:t>
-            </a:r>
-            <a:endParaRPr lang="en-US" dirty="0">
-              <a:latin typeface="Baskerville Old Face" panose="02020602080505020303" pitchFamily="18" charset="0"/>
-            </a:endParaRPr>
-          </a:p>
-        </p:txBody>
-      </p:sp>
-      <p:sp>
-        <p:nvSpPr>
-          <p:cNvPr id="3" name="Text Placeholder 2"/>
-          <p:cNvSpPr>
-            <a:spLocks noGrp="1"/>
-          </p:cNvSpPr>
-          <p:nvPr>
-            <p:ph type="body" idx="1"/>
-          </p:nvPr>
-        </p:nvSpPr>
-        <p:spPr/>
-        <p:txBody>
-          <a:bodyPr/>
-          <a:lstStyle/>
-          <a:p>
-            <a:r>
               <a:rPr lang="en-US" sz="2800" i="1" dirty="0" smtClean="0">
+                <a:solidFill>
+                  <a:srgbClr val="002060"/>
+                </a:solidFill>
                 <a:latin typeface="Agency FB" panose="020B0503020202020204" pitchFamily="34" charset="0"/>
               </a:rPr>
-              <a:t>The circuit for the microphone receiver is as shown below  :</a:t>
-            </a:r>
-            <a:endParaRPr lang="en-US" sz="2800" i="1" dirty="0">
+              <a:t>The circuit for the microphone receiver </a:t>
+            </a:r>
+            <a:r>
+              <a:rPr lang="en-US" sz="2800" dirty="0" smtClean="0">
+                <a:solidFill>
+                  <a:srgbClr val="002060"/>
+                </a:solidFill>
+                <a:latin typeface="Agency FB" panose="020B0503020202020204" pitchFamily="34" charset="0"/>
+              </a:rPr>
+              <a:t>:</a:t>
+            </a:r>
+            <a:endParaRPr lang="en-US" sz="2800" dirty="0">
+              <a:solidFill>
+                <a:srgbClr val="002060"/>
+              </a:solidFill>
               <a:latin typeface="Agency FB" panose="020B0503020202020204" pitchFamily="34" charset="0"/>
             </a:endParaRPr>
           </a:p>
@@ -9084,8 +7460,8 @@
         </p:blipFill>
         <p:spPr bwMode="auto">
           <a:xfrm>
-            <a:off x="1250705" y="1732085"/>
-            <a:ext cx="6811291" cy="3043604"/>
+            <a:off x="969351" y="1591408"/>
+            <a:ext cx="7126110" cy="3184280"/>
           </a:xfrm>
           <a:prstGeom prst="rect">
             <a:avLst/>
@@ -9145,140 +7521,10 @@
 </p:sld>
 </file>
 
-<file path=ppt/slides/slide9.xml><?xml version="1.0" encoding="utf-8"?>
-<p:sld xmlns:a="http://schemas.openxmlformats.org/drawingml/2006/main" xmlns:r="http://schemas.openxmlformats.org/officeDocument/2006/relationships" xmlns:p="http://schemas.openxmlformats.org/presentationml/2006/main">
-  <p:cSld>
-    <p:spTree>
-      <p:nvGrpSpPr>
-        <p:cNvPr id="1" name=""/>
-        <p:cNvGrpSpPr/>
-        <p:nvPr/>
-      </p:nvGrpSpPr>
-      <p:grpSpPr>
-        <a:xfrm>
-          <a:off x="0" y="0"/>
-          <a:ext cx="0" cy="0"/>
-          <a:chOff x="0" y="0"/>
-          <a:chExt cx="0" cy="0"/>
-        </a:xfrm>
-      </p:grpSpPr>
-      <p:sp>
-        <p:nvSpPr>
-          <p:cNvPr id="2" name="Title 1"/>
-          <p:cNvSpPr>
-            <a:spLocks noGrp="1"/>
-          </p:cNvSpPr>
-          <p:nvPr>
-            <p:ph type="title"/>
-          </p:nvPr>
-        </p:nvSpPr>
-        <p:spPr/>
-        <p:txBody>
-          <a:bodyPr/>
-          <a:lstStyle/>
-          <a:p>
-            <a:r>
-              <a:rPr lang="en-US" dirty="0" smtClean="0">
-                <a:latin typeface="Baskerville Old Face" panose="02020602080505020303" pitchFamily="18" charset="0"/>
-              </a:rPr>
-              <a:t>Solution To The Challenge</a:t>
-            </a:r>
-            <a:endParaRPr lang="en-US" dirty="0">
-              <a:latin typeface="Baskerville Old Face" panose="02020602080505020303" pitchFamily="18" charset="0"/>
-            </a:endParaRPr>
-          </a:p>
-        </p:txBody>
-      </p:sp>
-      <p:sp>
-        <p:nvSpPr>
-          <p:cNvPr id="3" name="Text Placeholder 2"/>
-          <p:cNvSpPr>
-            <a:spLocks noGrp="1"/>
-          </p:cNvSpPr>
-          <p:nvPr>
-            <p:ph type="body" idx="1"/>
-          </p:nvPr>
-        </p:nvSpPr>
-        <p:spPr/>
-        <p:txBody>
-          <a:bodyPr/>
-          <a:lstStyle/>
-          <a:p>
-            <a:r>
-              <a:rPr lang="en-US" sz="2800" i="1" dirty="0" smtClean="0">
-                <a:latin typeface="Agency FB" panose="020B0503020202020204" pitchFamily="34" charset="0"/>
-              </a:rPr>
-              <a:t>The input to the circuit is of the form :</a:t>
-            </a:r>
-          </a:p>
-          <a:p>
-            <a:r>
-              <a:rPr lang="en-US" sz="2800" i="1" dirty="0" smtClean="0">
-                <a:latin typeface="Agency FB" panose="020B0503020202020204" pitchFamily="34" charset="0"/>
-              </a:rPr>
-              <a:t>The output is: </a:t>
-            </a:r>
-          </a:p>
-          <a:p>
-            <a:r>
-              <a:rPr lang="en-US" sz="2800" i="1" dirty="0" smtClean="0">
-                <a:latin typeface="Agency FB" panose="020B0503020202020204" pitchFamily="34" charset="0"/>
-              </a:rPr>
-              <a:t>The microcontroller does : (</a:t>
-            </a:r>
-            <a:r>
-              <a:rPr lang="en-US" sz="2800" i="1" dirty="0" err="1" smtClean="0">
-                <a:latin typeface="Agency FB" panose="020B0503020202020204" pitchFamily="34" charset="0"/>
-              </a:rPr>
-              <a:t>Ajinkya</a:t>
-            </a:r>
-            <a:r>
-              <a:rPr lang="en-US" sz="2800" i="1" dirty="0" smtClean="0">
-                <a:latin typeface="Agency FB" panose="020B0503020202020204" pitchFamily="34" charset="0"/>
-              </a:rPr>
-              <a:t> explain your part in detail . If possible, also put some pictures)</a:t>
-            </a:r>
-          </a:p>
-          <a:p>
-            <a:r>
-              <a:rPr lang="en-US" sz="2800" i="1" dirty="0" smtClean="0">
-                <a:latin typeface="Agency FB" panose="020B0503020202020204" pitchFamily="34" charset="0"/>
-              </a:rPr>
-              <a:t>Thus, in this way we were able to tackle this challenge. </a:t>
-            </a:r>
-          </a:p>
-          <a:p>
-            <a:endParaRPr lang="en-US" dirty="0" smtClean="0"/>
-          </a:p>
-          <a:p>
-            <a:endParaRPr lang="en-US" dirty="0"/>
-          </a:p>
-        </p:txBody>
-      </p:sp>
-    </p:spTree>
-    <p:extLst>
-      <p:ext uri="{BB962C8B-B14F-4D97-AF65-F5344CB8AC3E}">
-        <p14:creationId xmlns:p14="http://schemas.microsoft.com/office/powerpoint/2010/main" val="1212197553"/>
-      </p:ext>
-    </p:extLst>
-  </p:cSld>
-  <p:clrMapOvr>
-    <a:masterClrMapping/>
-  </p:clrMapOvr>
-  <p:timing>
-    <p:tnLst>
-      <p:par>
-        <p:cTn id="1" dur="indefinite" restart="never" nodeType="tmRoot"/>
-      </p:par>
-    </p:tnLst>
-  </p:timing>
-</p:sld>
-</file>
-
 <file path=ppt/theme/theme1.xml><?xml version="1.0" encoding="utf-8"?>
-<a:theme xmlns:a="http://schemas.openxmlformats.org/drawingml/2006/main" name="Slice">
+<a:theme xmlns:a="http://schemas.openxmlformats.org/drawingml/2006/main" name="Office Theme">
   <a:themeElements>
-    <a:clrScheme name="Slice">
+    <a:clrScheme name="Office">
       <a:dk1>
         <a:sysClr val="windowText" lastClr="000000"/>
       </a:dk1>
@@ -9286,48 +7532,83 @@
         <a:sysClr val="window" lastClr="FFFFFF"/>
       </a:lt1>
       <a:dk2>
-        <a:srgbClr val="146194"/>
+        <a:srgbClr val="1F497D"/>
       </a:dk2>
       <a:lt2>
-        <a:srgbClr val="76DBF4"/>
+        <a:srgbClr val="EEECE1"/>
       </a:lt2>
       <a:accent1>
-        <a:srgbClr val="052F61"/>
+        <a:srgbClr val="4F81BD"/>
       </a:accent1>
       <a:accent2>
-        <a:srgbClr val="A50E82"/>
+        <a:srgbClr val="C0504D"/>
       </a:accent2>
       <a:accent3>
-        <a:srgbClr val="14967C"/>
+        <a:srgbClr val="9BBB59"/>
       </a:accent3>
       <a:accent4>
-        <a:srgbClr val="6A9E1F"/>
+        <a:srgbClr val="8064A2"/>
       </a:accent4>
       <a:accent5>
-        <a:srgbClr val="E87D37"/>
+        <a:srgbClr val="4BACC6"/>
       </a:accent5>
       <a:accent6>
-        <a:srgbClr val="C62324"/>
+        <a:srgbClr val="F79646"/>
       </a:accent6>
       <a:hlink>
-        <a:srgbClr val="0D2E46"/>
+        <a:srgbClr val="0000FF"/>
       </a:hlink>
       <a:folHlink>
-        <a:srgbClr val="356A95"/>
+        <a:srgbClr val="800080"/>
       </a:folHlink>
     </a:clrScheme>
-    <a:fontScheme name="Slice">
+    <a:fontScheme name="Office">
       <a:majorFont>
-        <a:latin typeface="Century Gothic"/>
+        <a:latin typeface="Calibri"/>
         <a:ea typeface=""/>
         <a:cs typeface=""/>
-        <a:font script="Jpan" typeface="メイリオ"/>
-        <a:font script="Hang" typeface="HY중고딕"/>
-        <a:font script="Hans" typeface="幼圆"/>
-        <a:font script="Hant" typeface="微軟正黑體"/>
-        <a:font script="Arab" typeface="Tahoma"/>
-        <a:font script="Hebr" typeface="Gisha"/>
-        <a:font script="Thai" typeface="DilleniaUPC"/>
+        <a:font script="Jpan" typeface="ＭＳ Ｐゴシック"/>
+        <a:font script="Hang" typeface="맑은 고딕"/>
+        <a:font script="Hans" typeface="宋体"/>
+        <a:font script="Hant" typeface="新細明體"/>
+        <a:font script="Arab" typeface="Times New Roman"/>
+        <a:font script="Hebr" typeface="Times New Roman"/>
+        <a:font script="Thai" typeface="Angsana New"/>
+        <a:font script="Ethi" typeface="Nyala"/>
+        <a:font script="Beng" typeface="Vrinda"/>
+        <a:font script="Gujr" typeface="Shruti"/>
+        <a:font script="Khmr" typeface="MoolBoran"/>
+        <a:font script="Knda" typeface="Tunga"/>
+        <a:font script="Guru" typeface="Raavi"/>
+        <a:font script="Cans" typeface="Euphemia"/>
+        <a:font script="Cher" typeface="Plantagenet Cherokee"/>
+        <a:font script="Yiii" typeface="Microsoft Yi Baiti"/>
+        <a:font script="Tibt" typeface="Microsoft Himalaya"/>
+        <a:font script="Thaa" typeface="MV Boli"/>
+        <a:font script="Deva" typeface="Mangal"/>
+        <a:font script="Telu" typeface="Gautami"/>
+        <a:font script="Taml" typeface="Latha"/>
+        <a:font script="Syrc" typeface="Estrangelo Edessa"/>
+        <a:font script="Orya" typeface="Kalinga"/>
+        <a:font script="Mlym" typeface="Kartika"/>
+        <a:font script="Laoo" typeface="DokChampa"/>
+        <a:font script="Sinh" typeface="Iskoola Pota"/>
+        <a:font script="Mong" typeface="Mongolian Baiti"/>
+        <a:font script="Viet" typeface="Times New Roman"/>
+        <a:font script="Uigh" typeface="Microsoft Uighur"/>
+        <a:font script="Geor" typeface="Sylfaen"/>
+      </a:majorFont>
+      <a:minorFont>
+        <a:latin typeface="Calibri"/>
+        <a:ea typeface=""/>
+        <a:cs typeface=""/>
+        <a:font script="Jpan" typeface="ＭＳ Ｐゴシック"/>
+        <a:font script="Hang" typeface="맑은 고딕"/>
+        <a:font script="Hans" typeface="宋体"/>
+        <a:font script="Hant" typeface="新細明體"/>
+        <a:font script="Arab" typeface="Arial"/>
+        <a:font script="Hebr" typeface="Arial"/>
+        <a:font script="Thai" typeface="Cordia New"/>
         <a:font script="Ethi" typeface="Nyala"/>
         <a:font script="Beng" typeface="Vrinda"/>
         <a:font script="Gujr" typeface="Shruti"/>
@@ -9348,47 +7629,12 @@
         <a:font script="Laoo" typeface="DokChampa"/>
         <a:font script="Sinh" typeface="Iskoola Pota"/>
         <a:font script="Mong" typeface="Mongolian Baiti"/>
-        <a:font script="Viet" typeface="Tahoma"/>
-        <a:font script="Uigh" typeface="Microsoft Uighur"/>
-        <a:font script="Geor" typeface="Sylfaen"/>
-      </a:majorFont>
-      <a:minorFont>
-        <a:latin typeface="Century Gothic"/>
-        <a:ea typeface=""/>
-        <a:cs typeface=""/>
-        <a:font script="Jpan" typeface="メイリオ"/>
-        <a:font script="Hang" typeface="HY중고딕"/>
-        <a:font script="Hans" typeface="幼圆"/>
-        <a:font script="Hant" typeface="微軟正黑體"/>
-        <a:font script="Arab" typeface="Tahoma"/>
-        <a:font script="Hebr" typeface="Gisha"/>
-        <a:font script="Thai" typeface="DilleniaUPC"/>
-        <a:font script="Ethi" typeface="Nyala"/>
-        <a:font script="Beng" typeface="Vrinda"/>
-        <a:font script="Gujr" typeface="Shruti"/>
-        <a:font script="Khmr" typeface="DaunPenh"/>
-        <a:font script="Knda" typeface="Tunga"/>
-        <a:font script="Guru" typeface="Raavi"/>
-        <a:font script="Cans" typeface="Euphemia"/>
-        <a:font script="Cher" typeface="Plantagenet Cherokee"/>
-        <a:font script="Yiii" typeface="Microsoft Yi Baiti"/>
-        <a:font script="Tibt" typeface="Microsoft Himalaya"/>
-        <a:font script="Thaa" typeface="MV Boli"/>
-        <a:font script="Deva" typeface="Mangal"/>
-        <a:font script="Telu" typeface="Gautami"/>
-        <a:font script="Taml" typeface="Latha"/>
-        <a:font script="Syrc" typeface="Estrangelo Edessa"/>
-        <a:font script="Orya" typeface="Kalinga"/>
-        <a:font script="Mlym" typeface="Kartika"/>
-        <a:font script="Laoo" typeface="DokChampa"/>
-        <a:font script="Sinh" typeface="Iskoola Pota"/>
-        <a:font script="Mong" typeface="Mongolian Baiti"/>
-        <a:font script="Viet" typeface="Tahoma"/>
+        <a:font script="Viet" typeface="Arial"/>
         <a:font script="Uigh" typeface="Microsoft Uighur"/>
         <a:font script="Geor" typeface="Sylfaen"/>
       </a:minorFont>
     </a:fontScheme>
-    <a:fmtScheme name="Slice">
+    <a:fmtScheme name="Office">
       <a:fillStyleLst>
         <a:solidFill>
           <a:schemeClr val="phClr"/>
@@ -9397,61 +7643,66 @@
           <a:gsLst>
             <a:gs pos="0">
               <a:schemeClr val="phClr">
-                <a:tint val="62000"/>
-                <a:hueMod val="94000"/>
-                <a:satMod val="140000"/>
-                <a:lumMod val="110000"/>
+                <a:tint val="50000"/>
+                <a:satMod val="300000"/>
+              </a:schemeClr>
+            </a:gs>
+            <a:gs pos="35000">
+              <a:schemeClr val="phClr">
+                <a:tint val="37000"/>
+                <a:satMod val="300000"/>
               </a:schemeClr>
             </a:gs>
             <a:gs pos="100000">
               <a:schemeClr val="phClr">
-                <a:tint val="84000"/>
-                <a:satMod val="160000"/>
+                <a:tint val="15000"/>
+                <a:satMod val="350000"/>
               </a:schemeClr>
             </a:gs>
           </a:gsLst>
-          <a:lin ang="5400000" scaled="0"/>
+          <a:lin ang="16200000" scaled="1"/>
         </a:gradFill>
         <a:gradFill rotWithShape="1">
           <a:gsLst>
             <a:gs pos="0">
               <a:schemeClr val="phClr">
-                <a:tint val="98000"/>
-                <a:hueMod val="94000"/>
+                <a:shade val="51000"/>
                 <a:satMod val="130000"/>
-                <a:lumMod val="128000"/>
+              </a:schemeClr>
+            </a:gs>
+            <a:gs pos="80000">
+              <a:schemeClr val="phClr">
+                <a:shade val="93000"/>
+                <a:satMod val="130000"/>
               </a:schemeClr>
             </a:gs>
             <a:gs pos="100000">
               <a:schemeClr val="phClr">
                 <a:shade val="94000"/>
-                <a:lumMod val="88000"/>
+                <a:satMod val="135000"/>
               </a:schemeClr>
             </a:gs>
           </a:gsLst>
-          <a:lin ang="5400000" scaled="0"/>
+          <a:lin ang="16200000" scaled="0"/>
         </a:gradFill>
       </a:fillStyleLst>
       <a:lnStyleLst>
-        <a:ln w="9525" cap="rnd" cmpd="sng" algn="ctr">
+        <a:ln w="9525" cap="flat" cmpd="sng" algn="ctr">
           <a:solidFill>
             <a:schemeClr val="phClr">
-              <a:tint val="76000"/>
-              <a:alpha val="60000"/>
-              <a:hueMod val="94000"/>
+              <a:shade val="95000"/>
+              <a:satMod val="105000"/>
             </a:schemeClr>
           </a:solidFill>
           <a:prstDash val="solid"/>
         </a:ln>
-        <a:ln w="15875" cap="rnd" cmpd="sng" algn="ctr">
+        <a:ln w="25400" cap="flat" cmpd="sng" algn="ctr">
           <a:solidFill>
-            <a:schemeClr val="phClr">
-              <a:hueMod val="94000"/>
-            </a:schemeClr>
+            <a:schemeClr val="phClr"/>
           </a:solidFill>
           <a:prstDash val="solid"/>
         </a:ln>
-        <a:ln w="28575" cap="rnd" cmpd="sng" algn="ctr">
+        <a:ln w="38100" cap="flat" cmpd="sng" algn="ctr">
           <a:solidFill>
             <a:schemeClr val="phClr"/>
           </a:solidFill>
@@ -9460,22 +7711,28 @@
       </a:lnStyleLst>
       <a:effectStyleLst>
         <a:effectStyle>
-          <a:effectLst/>
-        </a:effectStyle>
-        <a:effectStyle>
           <a:effectLst>
-            <a:innerShdw blurRad="25400" dist="12700" dir="13500000">
+            <a:outerShdw blurRad="40000" dist="20000" dir="5400000" rotWithShape="0">
               <a:srgbClr val="000000">
-                <a:alpha val="45000"/>
+                <a:alpha val="38000"/>
               </a:srgbClr>
-            </a:innerShdw>
+            </a:outerShdw>
           </a:effectLst>
         </a:effectStyle>
         <a:effectStyle>
           <a:effectLst>
-            <a:outerShdw blurRad="50800" dist="38100" dir="5400000" rotWithShape="0">
+            <a:outerShdw blurRad="40000" dist="23000" dir="5400000" rotWithShape="0">
               <a:srgbClr val="000000">
-                <a:alpha val="46000"/>
+                <a:alpha val="35000"/>
+              </a:srgbClr>
+            </a:outerShdw>
+          </a:effectLst>
+        </a:effectStyle>
+        <a:effectStyle>
+          <a:effectLst>
+            <a:outerShdw blurRad="40000" dist="23000" dir="5400000" rotWithShape="0">
+              <a:srgbClr val="000000">
+                <a:alpha val="35000"/>
               </a:srgbClr>
             </a:outerShdw>
           </a:effectLst>
@@ -9483,10 +7740,12 @@
             <a:camera prst="orthographicFront">
               <a:rot lat="0" lon="0" rev="0"/>
             </a:camera>
-            <a:lightRig rig="threePt" dir="t"/>
+            <a:lightRig rig="threePt" dir="t">
+              <a:rot lat="0" lon="0" rev="1200000"/>
+            </a:lightRig>
           </a:scene3d>
-          <a:sp3d prstMaterial="plastic">
-            <a:bevelT w="25400" h="25400"/>
+          <a:sp3d>
+            <a:bevelT w="63500" h="25400"/>
           </a:sp3d>
         </a:effectStyle>
       </a:effectStyleLst>
@@ -9496,44 +7755,47 @@
         </a:solidFill>
         <a:gradFill rotWithShape="1">
           <a:gsLst>
-            <a:gs pos="10000">
+            <a:gs pos="0">
               <a:schemeClr val="phClr">
-                <a:tint val="97000"/>
-                <a:hueMod val="92000"/>
-                <a:satMod val="169000"/>
-                <a:lumMod val="164000"/>
+                <a:tint val="40000"/>
+                <a:satMod val="350000"/>
+              </a:schemeClr>
+            </a:gs>
+            <a:gs pos="40000">
+              <a:schemeClr val="phClr">
+                <a:tint val="45000"/>
+                <a:shade val="99000"/>
+                <a:satMod val="350000"/>
               </a:schemeClr>
             </a:gs>
             <a:gs pos="100000">
               <a:schemeClr val="phClr">
-                <a:shade val="96000"/>
-                <a:satMod val="120000"/>
-                <a:lumMod val="90000"/>
+                <a:shade val="20000"/>
+                <a:satMod val="255000"/>
               </a:schemeClr>
             </a:gs>
           </a:gsLst>
-          <a:lin ang="6120000" scaled="1"/>
+          <a:path path="circle">
+            <a:fillToRect l="50000" t="-80000" r="50000" b="180000"/>
+          </a:path>
         </a:gradFill>
         <a:gradFill rotWithShape="1">
           <a:gsLst>
             <a:gs pos="0">
               <a:schemeClr val="phClr">
-                <a:tint val="97000"/>
-                <a:hueMod val="92000"/>
-                <a:satMod val="169000"/>
-                <a:lumMod val="164000"/>
+                <a:tint val="80000"/>
+                <a:satMod val="300000"/>
               </a:schemeClr>
             </a:gs>
             <a:gs pos="100000">
               <a:schemeClr val="phClr">
-                <a:shade val="96000"/>
-                <a:satMod val="120000"/>
-                <a:lumMod val="90000"/>
+                <a:shade val="30000"/>
+                <a:satMod val="200000"/>
               </a:schemeClr>
             </a:gs>
           </a:gsLst>
           <a:path path="circle">
-            <a:fillToRect b="100000"/>
+            <a:fillToRect l="50000" t="50000" r="50000" b="50000"/>
           </a:path>
         </a:gradFill>
       </a:bgFillStyleLst>
@@ -9541,11 +7803,6 @@
   </a:themeElements>
   <a:objectDefaults/>
   <a:extraClrSchemeLst/>
-  <a:extLst>
-    <a:ext uri="{05A4C25C-085E-4340-85A3-A5531E510DB2}">
-      <thm15:themeFamily xmlns="" xmlns:thm15="http://schemas.microsoft.com/office/thememl/2012/main" name="Slice" id="{0507925B-6AC9-4358-8E18-C330545D08F8}" vid="{13FEC7C6-62A9-40C4-99D2-581AACACAA2F}"/>
-    </a:ext>
-  </a:extLst>
 </a:theme>
 </file>
 

--- a/Presentation.pptx
+++ b/Presentation.pptx
@@ -1148,7 +1148,7 @@
             <a:fld id="{B61BEF0D-F0BB-DE4B-95CE-6DB70DBA9567}" type="datetimeFigureOut">
               <a:rPr lang="en-US" smtClean="0"/>
               <a:pPr/>
-              <a:t>4/13/2015</a:t>
+              <a:t>4/18/2015</a:t>
             </a:fld>
             <a:endParaRPr lang="en-US" dirty="0"/>
           </a:p>
@@ -1325,7 +1325,7 @@
             <a:fld id="{B61BEF0D-F0BB-DE4B-95CE-6DB70DBA9567}" type="datetimeFigureOut">
               <a:rPr lang="en-US" smtClean="0"/>
               <a:pPr/>
-              <a:t>4/13/2015</a:t>
+              <a:t>4/18/2015</a:t>
             </a:fld>
             <a:endParaRPr lang="en-US" dirty="0"/>
           </a:p>
@@ -1513,7 +1513,7 @@
             <a:fld id="{B61BEF0D-F0BB-DE4B-95CE-6DB70DBA9567}" type="datetimeFigureOut">
               <a:rPr lang="en-US" smtClean="0"/>
               <a:pPr/>
-              <a:t>4/13/2015</a:t>
+              <a:t>4/18/2015</a:t>
             </a:fld>
             <a:endParaRPr lang="en-US" dirty="0"/>
           </a:p>
@@ -1931,7 +1931,7 @@
           <a:p>
             <a:fld id="{52647F38-B617-4D2F-AE0A-013F0C4D2C57}" type="datetimeFigureOut">
               <a:rPr lang="en-US" smtClean="0"/>
-              <a:t>4/13/2015</a:t>
+              <a:t>4/18/2015</a:t>
             </a:fld>
             <a:endParaRPr lang="en-US" dirty="0"/>
           </a:p>
@@ -2185,7 +2185,7 @@
             <a:fld id="{B61BEF0D-F0BB-DE4B-95CE-6DB70DBA9567}" type="datetimeFigureOut">
               <a:rPr lang="en-US" smtClean="0"/>
               <a:pPr/>
-              <a:t>4/13/2015</a:t>
+              <a:t>4/18/2015</a:t>
             </a:fld>
             <a:endParaRPr lang="en-US" dirty="0"/>
           </a:p>
@@ -2480,7 +2480,7 @@
           <a:p>
             <a:fld id="{05BFA754-D5C3-4E66-96A6-867B257F58DC}" type="datetimeFigureOut">
               <a:rPr lang="en-US" smtClean="0"/>
-              <a:t>4/13/2015</a:t>
+              <a:t>4/18/2015</a:t>
             </a:fld>
             <a:endParaRPr lang="en-US" dirty="0"/>
           </a:p>
@@ -2915,7 +2915,7 @@
             <a:fld id="{B61BEF0D-F0BB-DE4B-95CE-6DB70DBA9567}" type="datetimeFigureOut">
               <a:rPr lang="en-US" smtClean="0"/>
               <a:pPr/>
-              <a:t>4/13/2015</a:t>
+              <a:t>4/18/2015</a:t>
             </a:fld>
             <a:endParaRPr lang="en-US" dirty="0"/>
           </a:p>
@@ -3041,7 +3041,7 @@
             <a:fld id="{B61BEF0D-F0BB-DE4B-95CE-6DB70DBA9567}" type="datetimeFigureOut">
               <a:rPr lang="en-US" smtClean="0"/>
               <a:pPr/>
-              <a:t>4/13/2015</a:t>
+              <a:t>4/18/2015</a:t>
             </a:fld>
             <a:endParaRPr lang="en-US" dirty="0"/>
           </a:p>
@@ -3143,7 +3143,7 @@
             <a:fld id="{B61BEF0D-F0BB-DE4B-95CE-6DB70DBA9567}" type="datetimeFigureOut">
               <a:rPr lang="en-US" smtClean="0"/>
               <a:pPr/>
-              <a:t>4/13/2015</a:t>
+              <a:t>4/18/2015</a:t>
             </a:fld>
             <a:endParaRPr lang="en-US" dirty="0"/>
           </a:p>
@@ -3428,7 +3428,7 @@
             <a:fld id="{B61BEF0D-F0BB-DE4B-95CE-6DB70DBA9567}" type="datetimeFigureOut">
               <a:rPr lang="en-US" smtClean="0"/>
               <a:pPr/>
-              <a:t>4/13/2015</a:t>
+              <a:t>4/18/2015</a:t>
             </a:fld>
             <a:endParaRPr lang="en-US" dirty="0"/>
           </a:p>
@@ -3689,7 +3689,7 @@
             <a:fld id="{B61BEF0D-F0BB-DE4B-95CE-6DB70DBA9567}" type="datetimeFigureOut">
               <a:rPr lang="en-US" smtClean="0"/>
               <a:pPr/>
-              <a:t>4/13/2015</a:t>
+              <a:t>4/18/2015</a:t>
             </a:fld>
             <a:endParaRPr lang="en-US" dirty="0"/>
           </a:p>
@@ -3910,7 +3910,7 @@
             <a:fld id="{B61BEF0D-F0BB-DE4B-95CE-6DB70DBA9567}" type="datetimeFigureOut">
               <a:rPr lang="en-US" smtClean="0"/>
               <a:pPr/>
-              <a:t>4/13/2015</a:t>
+              <a:t>4/18/2015</a:t>
             </a:fld>
             <a:endParaRPr lang="en-US" dirty="0"/>
           </a:p>
@@ -4333,40 +4333,7 @@
                 </a:solidFill>
                 <a:latin typeface="Algerian" panose="04020705040A02060702" pitchFamily="82" charset="0"/>
               </a:rPr>
-              <a:t>Morse-Code </a:t>
-            </a:r>
-            <a:r>
-              <a:rPr lang="en-GB" sz="4000" b="1" u="sng" dirty="0" smtClean="0">
-                <a:solidFill>
-                  <a:schemeClr val="accent6">
-                    <a:lumMod val="50000"/>
-                  </a:schemeClr>
-                </a:solidFill>
-                <a:latin typeface="Algerian" panose="04020705040A02060702" pitchFamily="82" charset="0"/>
-              </a:rPr>
-              <a:t> </a:t>
-            </a:r>
-            <a:r>
-              <a:rPr lang="en-GB" sz="4000" b="1" u="sng" dirty="0" smtClean="0">
-                <a:solidFill>
-                  <a:schemeClr val="accent6">
-                    <a:lumMod val="50000"/>
-                  </a:schemeClr>
-                </a:solidFill>
-                <a:latin typeface="Algerian" panose="04020705040A02060702" pitchFamily="82" charset="0"/>
-              </a:rPr>
-              <a:t>BOT</a:t>
-            </a:r>
-            <a:r>
-              <a:rPr lang="en-GB" sz="4000" b="1" u="sng" dirty="0" smtClean="0">
-                <a:solidFill>
-                  <a:schemeClr val="accent6">
-                    <a:lumMod val="50000"/>
-                  </a:schemeClr>
-                </a:solidFill>
-                <a:latin typeface="Algerian" panose="04020705040A02060702" pitchFamily="82" charset="0"/>
-              </a:rPr>
-              <a:t> </a:t>
+              <a:t>Morse-Code  BOT </a:t>
             </a:r>
             <a:endParaRPr lang="en-GB" sz="4000" b="1" u="sng" dirty="0">
               <a:solidFill>
@@ -4642,9 +4609,6 @@
               </a:rPr>
               <a:t>External Hardware</a:t>
             </a:r>
-            <a:endParaRPr lang="en-US" sz="2800" b="1" dirty="0">
-              <a:latin typeface="Baskerville Old Face" panose="02020602080505020303" pitchFamily="18" charset="0"/>
-            </a:endParaRPr>
           </a:p>
         </p:txBody>
       </p:sp>
@@ -5278,7 +5242,16 @@
                 </a:solidFill>
                 <a:latin typeface="Agency FB" panose="020B0503020202020204" pitchFamily="34" charset="0"/>
               </a:rPr>
-              <a:t>1)  </a:t>
+              <a:t>1)  One can introduce light sensors like LDR, and make the </a:t>
+            </a:r>
+            <a:r>
+              <a:rPr lang="en-US" sz="2400" dirty="0">
+                <a:solidFill>
+                  <a:srgbClr val="002060"/>
+                </a:solidFill>
+                <a:latin typeface="Agency FB" panose="020B0503020202020204" pitchFamily="34" charset="0"/>
+              </a:rPr>
+              <a:t>g</a:t>
             </a:r>
             <a:r>
               <a:rPr lang="en-US" sz="2400" dirty="0" smtClean="0">
@@ -5287,7 +5260,7 @@
                 </a:solidFill>
                 <a:latin typeface="Agency FB" panose="020B0503020202020204" pitchFamily="34" charset="0"/>
               </a:rPr>
-              <a:t>One can introduce light sensors like LDR, and make the </a:t>
+              <a:t>iven project decode morse code transmitted as light. Flashing </a:t>
             </a:r>
             <a:r>
               <a:rPr lang="en-US" sz="2400" dirty="0">
@@ -5296,7 +5269,7 @@
                 </a:solidFill>
                 <a:latin typeface="Agency FB" panose="020B0503020202020204" pitchFamily="34" charset="0"/>
               </a:rPr>
-              <a:t>g</a:t>
+              <a:t>light Morse even from a flashlight may be read several miles away for a lost sailor or hunter. Countless snowstorm rescues have been recorded by stranded drivers flashing an SOS signal on a flashing light.  Mirrors accomplish the same thing during the day. The user directs a mirrored sun reflection and then blocks it with his other hand or piece of cardboard flashing out the Morse code signal</a:t>
             </a:r>
             <a:r>
               <a:rPr lang="en-US" sz="2400" dirty="0" smtClean="0">
@@ -5305,50 +5278,8 @@
                 </a:solidFill>
                 <a:latin typeface="Agency FB" panose="020B0503020202020204" pitchFamily="34" charset="0"/>
               </a:rPr>
-              <a:t>iven project decode morse code transmitted as light</a:t>
-            </a:r>
-            <a:r>
-              <a:rPr lang="en-US" sz="2400" dirty="0" smtClean="0">
-                <a:solidFill>
-                  <a:srgbClr val="002060"/>
-                </a:solidFill>
-                <a:latin typeface="Agency FB" panose="020B0503020202020204" pitchFamily="34" charset="0"/>
-              </a:rPr>
-              <a:t>. Flashing </a:t>
-            </a:r>
-            <a:r>
-              <a:rPr lang="en-US" sz="2400" dirty="0">
-                <a:solidFill>
-                  <a:srgbClr val="002060"/>
-                </a:solidFill>
-                <a:latin typeface="Agency FB" panose="020B0503020202020204" pitchFamily="34" charset="0"/>
-              </a:rPr>
-              <a:t>light Morse even from a flashlight may be read several miles away for a lost sailor or hunter. Countless snowstorm rescues have been recorded by stranded drivers flashing an SOS signal on a flashing light.  Mirrors accomplish the same thing during the day. The user directs a mirrored sun reflection and then blocks it with his other hand or piece of cardboard flashing out the Morse code signal</a:t>
-            </a:r>
-            <a:r>
-              <a:rPr lang="en-US" sz="2400" dirty="0" smtClean="0">
-                <a:solidFill>
-                  <a:srgbClr val="002060"/>
-                </a:solidFill>
-                <a:latin typeface="Agency FB" panose="020B0503020202020204" pitchFamily="34" charset="0"/>
-              </a:rPr>
-              <a:t>. The code for the program will still remain </a:t>
-            </a:r>
-            <a:r>
-              <a:rPr lang="en-US" sz="2400" dirty="0" smtClean="0">
-                <a:solidFill>
-                  <a:srgbClr val="002060"/>
-                </a:solidFill>
-                <a:latin typeface="Agency FB" panose="020B0503020202020204" pitchFamily="34" charset="0"/>
-              </a:rPr>
-              <a:t>quite similar .</a:t>
-            </a:r>
-            <a:endParaRPr lang="en-US" sz="2400" dirty="0" smtClean="0">
-              <a:solidFill>
-                <a:srgbClr val="002060"/>
-              </a:solidFill>
-              <a:latin typeface="Agency FB" panose="020B0503020202020204" pitchFamily="34" charset="0"/>
-            </a:endParaRPr>
+              <a:t>. The code for the program will still remain quite similar .</a:t>
+            </a:r>
           </a:p>
           <a:p>
             <a:pPr marL="457200" indent="-457200">
@@ -5465,16 +5396,7 @@
                 </a:solidFill>
                 <a:latin typeface="Agency FB" panose="020B0503020202020204" pitchFamily="34" charset="0"/>
               </a:rPr>
-              <a:t>2) </a:t>
-            </a:r>
-            <a:r>
-              <a:rPr lang="en-US" sz="2400" dirty="0" smtClean="0">
-                <a:solidFill>
-                  <a:srgbClr val="002060"/>
-                </a:solidFill>
-                <a:latin typeface="Agency FB" panose="020B0503020202020204" pitchFamily="34" charset="0"/>
-              </a:rPr>
-              <a:t>Medical </a:t>
+              <a:t>2) Medical </a:t>
             </a:r>
             <a:r>
               <a:rPr lang="en-US" sz="2400" dirty="0">
@@ -5550,16 +5472,7 @@
                 </a:solidFill>
                 <a:latin typeface="Agency FB" panose="020B0503020202020204" pitchFamily="34" charset="0"/>
               </a:rPr>
-              <a:t>3) </a:t>
-            </a:r>
-            <a:r>
-              <a:rPr lang="en-US" sz="2400" dirty="0" smtClean="0">
-                <a:solidFill>
-                  <a:srgbClr val="002060"/>
-                </a:solidFill>
-                <a:latin typeface="Agency FB" panose="020B0503020202020204" pitchFamily="34" charset="0"/>
-              </a:rPr>
-              <a:t>A </a:t>
+              <a:t>3) A </a:t>
             </a:r>
             <a:r>
               <a:rPr lang="en-US" sz="2400" dirty="0">
@@ -5989,88 +5902,6 @@
           </a:p>
         </p:txBody>
       </p:sp>
-      <p:pic>
-        <p:nvPicPr>
-          <p:cNvPr id="5" name="Picture 2" descr="http://ninefinestuff.com/wp-content/uploads/2015/03/smiley.jpeg"/>
-          <p:cNvPicPr>
-            <a:picLocks noChangeAspect="1" noChangeArrowheads="1"/>
-          </p:cNvPicPr>
-          <p:nvPr/>
-        </p:nvPicPr>
-        <p:blipFill>
-          <a:blip r:embed="rId2">
-            <a:extLst>
-              <a:ext uri="{28A0092B-C50C-407E-A947-70E740481C1C}">
-                <a14:useLocalDpi xmlns:a14="http://schemas.microsoft.com/office/drawing/2010/main" val="0"/>
-              </a:ext>
-            </a:extLst>
-          </a:blip>
-          <a:srcRect/>
-          <a:stretch>
-            <a:fillRect/>
-          </a:stretch>
-        </p:blipFill>
-        <p:spPr bwMode="auto">
-          <a:xfrm>
-            <a:off x="5635262" y="2505713"/>
-            <a:ext cx="2597627" cy="2483982"/>
-          </a:xfrm>
-          <a:prstGeom prst="rect">
-            <a:avLst/>
-          </a:prstGeom>
-          <a:noFill/>
-          <a:extLst>
-            <a:ext uri="{909E8E84-426E-40DD-AFC4-6F175D3DCCD1}">
-              <a14:hiddenFill xmlns:a14="http://schemas.microsoft.com/office/drawing/2010/main">
-                <a:solidFill>
-                  <a:srgbClr val="FFFFFF"/>
-                </a:solidFill>
-              </a14:hiddenFill>
-            </a:ext>
-          </a:extLst>
-        </p:spPr>
-      </p:pic>
-      <p:pic>
-        <p:nvPicPr>
-          <p:cNvPr id="3076" name="Picture 4" descr="https://encrypted-tbn0.gstatic.com/images?q=tbn:ANd9GcRqBfsUXxZztjwDh6qvSreOptHTY94dzrhoScbAgNAp9E6VI6sK"/>
-          <p:cNvPicPr>
-            <a:picLocks noChangeAspect="1" noChangeArrowheads="1"/>
-          </p:cNvPicPr>
-          <p:nvPr/>
-        </p:nvPicPr>
-        <p:blipFill>
-          <a:blip r:embed="rId3">
-            <a:extLst>
-              <a:ext uri="{28A0092B-C50C-407E-A947-70E740481C1C}">
-                <a14:useLocalDpi xmlns:a14="http://schemas.microsoft.com/office/drawing/2010/main" val="0"/>
-              </a:ext>
-            </a:extLst>
-          </a:blip>
-          <a:srcRect/>
-          <a:stretch>
-            <a:fillRect/>
-          </a:stretch>
-        </p:blipFill>
-        <p:spPr bwMode="auto">
-          <a:xfrm>
-            <a:off x="603121" y="2979506"/>
-            <a:ext cx="2972286" cy="1812836"/>
-          </a:xfrm>
-          <a:prstGeom prst="rect">
-            <a:avLst/>
-          </a:prstGeom>
-          <a:noFill/>
-          <a:extLst>
-            <a:ext uri="{909E8E84-426E-40DD-AFC4-6F175D3DCCD1}">
-              <a14:hiddenFill xmlns:a14="http://schemas.microsoft.com/office/drawing/2010/main">
-                <a:solidFill>
-                  <a:srgbClr val="FFFFFF"/>
-                </a:solidFill>
-              </a14:hiddenFill>
-            </a:ext>
-          </a:extLst>
-        </p:spPr>
-      </p:pic>
     </p:spTree>
     <p:extLst>
       <p:ext uri="{BB962C8B-B14F-4D97-AF65-F5344CB8AC3E}">
@@ -6217,16 +6048,7 @@
                 </a:solidFill>
                 <a:latin typeface="Agency FB" panose="020B0503020202020204" pitchFamily="34" charset="0"/>
               </a:rPr>
-              <a:t>1</a:t>
-            </a:r>
-            <a:r>
-              <a:rPr lang="en-GB" sz="2800" u="sng" dirty="0" smtClean="0">
-                <a:solidFill>
-                  <a:srgbClr val="002060"/>
-                </a:solidFill>
-                <a:latin typeface="Agency FB" panose="020B0503020202020204" pitchFamily="34" charset="0"/>
-              </a:rPr>
-              <a:t>:</a:t>
+              <a:t>1:</a:t>
             </a:r>
             <a:r>
               <a:rPr lang="en-GB" sz="2800" dirty="0" smtClean="0">
@@ -6292,16 +6114,7 @@
                 </a:solidFill>
                 <a:latin typeface="Agency FB" panose="020B0503020202020204" pitchFamily="34" charset="0"/>
               </a:rPr>
-              <a:t>2</a:t>
-            </a:r>
-            <a:r>
-              <a:rPr lang="en-GB" sz="2800" u="sng" dirty="0" smtClean="0">
-                <a:solidFill>
-                  <a:srgbClr val="002060"/>
-                </a:solidFill>
-                <a:latin typeface="Agency FB" panose="020B0503020202020204" pitchFamily="34" charset="0"/>
-              </a:rPr>
-              <a:t>:</a:t>
+              <a:t>2:</a:t>
             </a:r>
             <a:r>
               <a:rPr lang="en-GB" sz="2800" dirty="0" smtClean="0">
@@ -6709,43 +6522,16 @@
                 </a:solidFill>
                 <a:latin typeface="Agency FB" panose="020B0503020202020204" pitchFamily="34" charset="0"/>
               </a:rPr>
-              <a:t>4</a:t>
-            </a:r>
-            <a:r>
-              <a:rPr lang="en-GB" sz="2800" u="sng" dirty="0" smtClean="0">
+              <a:t>4: </a:t>
+            </a:r>
+            <a:r>
+              <a:rPr lang="en-GB" sz="2800" dirty="0" smtClean="0">
                 <a:solidFill>
                   <a:srgbClr val="002060"/>
                 </a:solidFill>
                 <a:latin typeface="Agency FB" panose="020B0503020202020204" pitchFamily="34" charset="0"/>
               </a:rPr>
-              <a:t>: </a:t>
-            </a:r>
-            <a:r>
-              <a:rPr lang="en-GB" sz="2800" dirty="0" smtClean="0">
-                <a:solidFill>
-                  <a:srgbClr val="002060"/>
-                </a:solidFill>
-                <a:latin typeface="Agency FB" panose="020B0503020202020204" pitchFamily="34" charset="0"/>
-              </a:rPr>
-              <a:t>After the bot receives the signal , the bot should be able to transmit Morse code , conveying that it has received the signal. Also, after completing the required task the bot should be able to transmit Morse code. The morse code transmission </a:t>
-            </a:r>
-            <a:r>
-              <a:rPr lang="en-GB" sz="2800" dirty="0" smtClean="0">
-                <a:solidFill>
-                  <a:srgbClr val="002060"/>
-                </a:solidFill>
-                <a:latin typeface="Agency FB" panose="020B0503020202020204" pitchFamily="34" charset="0"/>
-              </a:rPr>
-              <a:t>is </a:t>
-            </a:r>
-            <a:r>
-              <a:rPr lang="en-GB" sz="2800" dirty="0" smtClean="0">
-                <a:solidFill>
-                  <a:srgbClr val="002060"/>
-                </a:solidFill>
-                <a:latin typeface="Agency FB" panose="020B0503020202020204" pitchFamily="34" charset="0"/>
-              </a:rPr>
-              <a:t>using on board buzzer.</a:t>
+              <a:t>After the bot receives the signal , the bot should be able to transmit Morse code , conveying that it has received the signal. Also, after completing the required task the bot should be able to transmit Morse code. The morse code transmission is using on board buzzer.</a:t>
             </a:r>
             <a:endParaRPr lang="en-US" sz="2800" dirty="0">
               <a:solidFill>
